--- a/Analysis Presentations/Case Study 1 - David Wei, Neil Benson.pptx
+++ b/Analysis Presentations/Case Study 1 - David Wei, Neil Benson.pptx
@@ -8,12 +8,14 @@
     <p:sldId id="256" r:id="rId2"/>
     <p:sldId id="257" r:id="rId3"/>
     <p:sldId id="258" r:id="rId4"/>
-    <p:sldId id="260" r:id="rId5"/>
-    <p:sldId id="259" r:id="rId6"/>
-    <p:sldId id="261" r:id="rId7"/>
-    <p:sldId id="262" r:id="rId8"/>
-    <p:sldId id="263" r:id="rId9"/>
-    <p:sldId id="264" r:id="rId10"/>
+    <p:sldId id="266" r:id="rId5"/>
+    <p:sldId id="260" r:id="rId6"/>
+    <p:sldId id="267" r:id="rId7"/>
+    <p:sldId id="261" r:id="rId8"/>
+    <p:sldId id="262" r:id="rId9"/>
+    <p:sldId id="263" r:id="rId10"/>
+    <p:sldId id="268" r:id="rId11"/>
+    <p:sldId id="269" r:id="rId12"/>
   </p:sldIdLst>
   <p:sldSz cx="12192000" cy="6858000"/>
   <p:notesSz cx="6858000" cy="9144000"/>
@@ -120,6 +122,32 @@
 </p:presentation>
 </file>
 
+<file path=ppt/commentAuthors.xml><?xml version="1.0" encoding="utf-8"?>
+<p:cmAuthorLst xmlns:a="http://schemas.openxmlformats.org/drawingml/2006/main" xmlns:r="http://schemas.openxmlformats.org/officeDocument/2006/relationships" xmlns:p="http://schemas.openxmlformats.org/presentationml/2006/main">
+  <p:cmAuthor id="1" name="Neil Benson" initials="NB" lastIdx="1" clrIdx="0">
+    <p:extLst>
+      <p:ext uri="{19B8F6BF-5375-455C-9EA6-DF929625EA0E}">
+        <p15:presenceInfo xmlns:p15="http://schemas.microsoft.com/office/powerpoint/2012/main" userId="c59b661f0d4cec74" providerId="Windows Live"/>
+      </p:ext>
+    </p:extLst>
+  </p:cmAuthor>
+</p:cmAuthorLst>
+</file>
+
+<file path=ppt/comments/comment1.xml><?xml version="1.0" encoding="utf-8"?>
+<p:cmLst xmlns:a="http://schemas.openxmlformats.org/drawingml/2006/main" xmlns:r="http://schemas.openxmlformats.org/officeDocument/2006/relationships" xmlns:p="http://schemas.openxmlformats.org/presentationml/2006/main">
+  <p:cm authorId="1" dt="2020-07-03T16:52:25.724" idx="1">
+    <p:pos x="10" y="10"/>
+    <p:text>Background pic for placement only.</p:text>
+    <p:extLst>
+      <p:ext uri="{C676402C-5697-4E1C-873F-D02D1690AC5C}">
+        <p15:threadingInfo xmlns:p15="http://schemas.microsoft.com/office/powerpoint/2012/main" timeZoneBias="300"/>
+      </p:ext>
+    </p:extLst>
+  </p:cm>
+</p:cmLst>
+</file>
+
 <file path=ppt/slideLayouts/slideLayout1.xml><?xml version="1.0" encoding="utf-8"?>
 <p:sldLayout xmlns:a="http://schemas.openxmlformats.org/drawingml/2006/main" xmlns:r="http://schemas.openxmlformats.org/officeDocument/2006/relationships" xmlns:p="http://schemas.openxmlformats.org/presentationml/2006/main" type="title" preserve="1">
   <p:cSld name="Title Slide">
@@ -283,7 +311,7 @@
           <a:p>
             <a:fld id="{5019FF15-59AD-42EB-A4E5-3AC671C42A30}" type="datetimeFigureOut">
               <a:rPr lang="en-US" smtClean="0"/>
-              <a:t>6/22/2020</a:t>
+              <a:t>7/3/2020</a:t>
             </a:fld>
             <a:endParaRPr lang="en-US"/>
           </a:p>
@@ -453,7 +481,7 @@
           <a:p>
             <a:fld id="{5019FF15-59AD-42EB-A4E5-3AC671C42A30}" type="datetimeFigureOut">
               <a:rPr lang="en-US" smtClean="0"/>
-              <a:t>6/22/2020</a:t>
+              <a:t>7/3/2020</a:t>
             </a:fld>
             <a:endParaRPr lang="en-US"/>
           </a:p>
@@ -633,7 +661,7 @@
           <a:p>
             <a:fld id="{5019FF15-59AD-42EB-A4E5-3AC671C42A30}" type="datetimeFigureOut">
               <a:rPr lang="en-US" smtClean="0"/>
-              <a:t>6/22/2020</a:t>
+              <a:t>7/3/2020</a:t>
             </a:fld>
             <a:endParaRPr lang="en-US"/>
           </a:p>
@@ -803,7 +831,7 @@
           <a:p>
             <a:fld id="{5019FF15-59AD-42EB-A4E5-3AC671C42A30}" type="datetimeFigureOut">
               <a:rPr lang="en-US" smtClean="0"/>
-              <a:t>6/22/2020</a:t>
+              <a:t>7/3/2020</a:t>
             </a:fld>
             <a:endParaRPr lang="en-US"/>
           </a:p>
@@ -1071,7 +1099,7 @@
           <a:p>
             <a:fld id="{5019FF15-59AD-42EB-A4E5-3AC671C42A30}" type="datetimeFigureOut">
               <a:rPr lang="en-US" smtClean="0"/>
-              <a:t>6/22/2020</a:t>
+              <a:t>7/3/2020</a:t>
             </a:fld>
             <a:endParaRPr lang="en-US"/>
           </a:p>
@@ -1303,7 +1331,7 @@
           <a:p>
             <a:fld id="{5019FF15-59AD-42EB-A4E5-3AC671C42A30}" type="datetimeFigureOut">
               <a:rPr lang="en-US" smtClean="0"/>
-              <a:t>6/22/2020</a:t>
+              <a:t>7/3/2020</a:t>
             </a:fld>
             <a:endParaRPr lang="en-US"/>
           </a:p>
@@ -1662,7 +1690,7 @@
           <a:p>
             <a:fld id="{5019FF15-59AD-42EB-A4E5-3AC671C42A30}" type="datetimeFigureOut">
               <a:rPr lang="en-US" smtClean="0"/>
-              <a:t>6/22/2020</a:t>
+              <a:t>7/3/2020</a:t>
             </a:fld>
             <a:endParaRPr lang="en-US"/>
           </a:p>
@@ -1803,7 +1831,7 @@
           <a:p>
             <a:fld id="{5019FF15-59AD-42EB-A4E5-3AC671C42A30}" type="datetimeFigureOut">
               <a:rPr lang="en-US" smtClean="0"/>
-              <a:t>6/22/2020</a:t>
+              <a:t>7/3/2020</a:t>
             </a:fld>
             <a:endParaRPr lang="en-US"/>
           </a:p>
@@ -1898,7 +1926,7 @@
           <a:p>
             <a:fld id="{5019FF15-59AD-42EB-A4E5-3AC671C42A30}" type="datetimeFigureOut">
               <a:rPr lang="en-US" smtClean="0"/>
-              <a:t>6/22/2020</a:t>
+              <a:t>7/3/2020</a:t>
             </a:fld>
             <a:endParaRPr lang="en-US"/>
           </a:p>
@@ -2255,7 +2283,7 @@
           <a:p>
             <a:fld id="{5019FF15-59AD-42EB-A4E5-3AC671C42A30}" type="datetimeFigureOut">
               <a:rPr lang="en-US" smtClean="0"/>
-              <a:t>6/22/2020</a:t>
+              <a:t>7/3/2020</a:t>
             </a:fld>
             <a:endParaRPr lang="en-US"/>
           </a:p>
@@ -2612,7 +2640,7 @@
           <a:p>
             <a:fld id="{5019FF15-59AD-42EB-A4E5-3AC671C42A30}" type="datetimeFigureOut">
               <a:rPr lang="en-US" smtClean="0"/>
-              <a:t>6/22/2020</a:t>
+              <a:t>7/3/2020</a:t>
             </a:fld>
             <a:endParaRPr lang="en-US"/>
           </a:p>
@@ -2854,7 +2882,7 @@
           <a:p>
             <a:fld id="{5019FF15-59AD-42EB-A4E5-3AC671C42A30}" type="datetimeFigureOut">
               <a:rPr lang="en-US" smtClean="0"/>
-              <a:t>6/22/2020</a:t>
+              <a:t>7/3/2020</a:t>
             </a:fld>
             <a:endParaRPr lang="en-US"/>
           </a:p>
@@ -3377,7 +3405,2576 @@
 </p:sld>
 </file>
 
-<file path=ppt/slides/slide2.xml><?xml version="1.0" encoding="utf-8"?>
+<file path=ppt/slides/slide10.xml><?xml version="1.0" encoding="utf-8"?>
+<p:sld xmlns:a="http://schemas.openxmlformats.org/drawingml/2006/main" xmlns:r="http://schemas.openxmlformats.org/officeDocument/2006/relationships" xmlns:p="http://schemas.openxmlformats.org/presentationml/2006/main">
+  <p:cSld>
+    <p:spTree>
+      <p:nvGrpSpPr>
+        <p:cNvPr id="1" name=""/>
+        <p:cNvGrpSpPr/>
+        <p:nvPr/>
+      </p:nvGrpSpPr>
+      <p:grpSpPr>
+        <a:xfrm>
+          <a:off x="0" y="0"/>
+          <a:ext cx="0" cy="0"/>
+          <a:chOff x="0" y="0"/>
+          <a:chExt cx="0" cy="0"/>
+        </a:xfrm>
+      </p:grpSpPr>
+      <p:pic>
+        <p:nvPicPr>
+          <p:cNvPr id="5" name="Picture 4">
+            <a:extLst>
+              <a:ext uri="{FF2B5EF4-FFF2-40B4-BE49-F238E27FC236}">
+                <a16:creationId xmlns:a16="http://schemas.microsoft.com/office/drawing/2014/main" id="{B7C192B8-F7B4-4828-81D7-2B183EAC37A3}"/>
+              </a:ext>
+            </a:extLst>
+          </p:cNvPr>
+          <p:cNvPicPr>
+            <a:picLocks noChangeAspect="1"/>
+          </p:cNvPicPr>
+          <p:nvPr/>
+        </p:nvPicPr>
+        <p:blipFill>
+          <a:blip r:embed="rId2"/>
+          <a:stretch>
+            <a:fillRect/>
+          </a:stretch>
+        </p:blipFill>
+        <p:spPr>
+          <a:xfrm>
+            <a:off x="4731406" y="956048"/>
+            <a:ext cx="7129668" cy="3560534"/>
+          </a:xfrm>
+          <a:prstGeom prst="rect">
+            <a:avLst/>
+          </a:prstGeom>
+        </p:spPr>
+      </p:pic>
+      <p:sp>
+        <p:nvSpPr>
+          <p:cNvPr id="24" name="TextBox 23">
+            <a:extLst>
+              <a:ext uri="{FF2B5EF4-FFF2-40B4-BE49-F238E27FC236}">
+                <a16:creationId xmlns:a16="http://schemas.microsoft.com/office/drawing/2014/main" id="{9566F0D2-5E1B-4300-B23B-E342837DACC9}"/>
+              </a:ext>
+            </a:extLst>
+          </p:cNvPr>
+          <p:cNvSpPr txBox="1"/>
+          <p:nvPr/>
+        </p:nvSpPr>
+        <p:spPr>
+          <a:xfrm rot="325649">
+            <a:off x="7193400" y="2693418"/>
+            <a:ext cx="322628" cy="184666"/>
+          </a:xfrm>
+          <a:prstGeom prst="rect">
+            <a:avLst/>
+          </a:prstGeom>
+          <a:noFill/>
+        </p:spPr>
+        <p:txBody>
+          <a:bodyPr wrap="square" rtlCol="0">
+            <a:spAutoFit/>
+          </a:bodyPr>
+          <a:lstStyle/>
+          <a:p>
+            <a:r>
+              <a:rPr lang="en-US" sz="600" dirty="0">
+                <a:latin typeface="Calibri" panose="020F0502020204030204" pitchFamily="34" charset="0"/>
+                <a:cs typeface="Calibri" panose="020F0502020204030204" pitchFamily="34" charset="0"/>
+              </a:rPr>
+              <a:t>pop</a:t>
+            </a:r>
+          </a:p>
+        </p:txBody>
+      </p:sp>
+      <p:sp>
+        <p:nvSpPr>
+          <p:cNvPr id="25" name="TextBox 24">
+            <a:extLst>
+              <a:ext uri="{FF2B5EF4-FFF2-40B4-BE49-F238E27FC236}">
+                <a16:creationId xmlns:a16="http://schemas.microsoft.com/office/drawing/2014/main" id="{6E2E4B6F-C159-490F-A341-151A14FBA2D3}"/>
+              </a:ext>
+            </a:extLst>
+          </p:cNvPr>
+          <p:cNvSpPr txBox="1"/>
+          <p:nvPr/>
+        </p:nvSpPr>
+        <p:spPr>
+          <a:xfrm rot="325649">
+            <a:off x="7422993" y="2722162"/>
+            <a:ext cx="449645" cy="184666"/>
+          </a:xfrm>
+          <a:prstGeom prst="rect">
+            <a:avLst/>
+          </a:prstGeom>
+          <a:noFill/>
+        </p:spPr>
+        <p:txBody>
+          <a:bodyPr wrap="square" rtlCol="0">
+            <a:spAutoFit/>
+          </a:bodyPr>
+          <a:lstStyle/>
+          <a:p>
+            <a:r>
+              <a:rPr lang="en-US" sz="600" dirty="0">
+                <a:latin typeface="Calibri" panose="020F0502020204030204" pitchFamily="34" charset="0"/>
+                <a:cs typeface="Calibri" panose="020F0502020204030204" pitchFamily="34" charset="0"/>
+              </a:rPr>
+              <a:t>per cap</a:t>
+            </a:r>
+          </a:p>
+        </p:txBody>
+      </p:sp>
+      <p:sp>
+        <p:nvSpPr>
+          <p:cNvPr id="2" name="Title 1">
+            <a:extLst>
+              <a:ext uri="{FF2B5EF4-FFF2-40B4-BE49-F238E27FC236}">
+                <a16:creationId xmlns:a16="http://schemas.microsoft.com/office/drawing/2014/main" id="{2982E734-8D75-4819-A9B1-84D214F32330}"/>
+              </a:ext>
+            </a:extLst>
+          </p:cNvPr>
+          <p:cNvSpPr>
+            <a:spLocks noGrp="1"/>
+          </p:cNvSpPr>
+          <p:nvPr>
+            <p:ph type="title"/>
+          </p:nvPr>
+        </p:nvSpPr>
+        <p:spPr>
+          <a:xfrm>
+            <a:off x="173182" y="198872"/>
+            <a:ext cx="11687892" cy="550065"/>
+          </a:xfrm>
+        </p:spPr>
+        <p:txBody>
+          <a:bodyPr>
+            <a:normAutofit fontScale="90000"/>
+          </a:bodyPr>
+          <a:lstStyle/>
+          <a:p>
+            <a:r>
+              <a:rPr lang="en-US" b="1" dirty="0"/>
+              <a:t>Conclusion</a:t>
+            </a:r>
+          </a:p>
+        </p:txBody>
+      </p:sp>
+      <p:sp>
+        <p:nvSpPr>
+          <p:cNvPr id="7" name="TextBox 6">
+            <a:extLst>
+              <a:ext uri="{FF2B5EF4-FFF2-40B4-BE49-F238E27FC236}">
+                <a16:creationId xmlns:a16="http://schemas.microsoft.com/office/drawing/2014/main" id="{EED8D7C6-D7D6-4738-8A26-300A9BF1554A}"/>
+              </a:ext>
+            </a:extLst>
+          </p:cNvPr>
+          <p:cNvSpPr txBox="1"/>
+          <p:nvPr/>
+        </p:nvSpPr>
+        <p:spPr>
+          <a:xfrm>
+            <a:off x="173183" y="956048"/>
+            <a:ext cx="4287982" cy="4031873"/>
+          </a:xfrm>
+          <a:prstGeom prst="rect">
+            <a:avLst/>
+          </a:prstGeom>
+          <a:noFill/>
+        </p:spPr>
+        <p:txBody>
+          <a:bodyPr wrap="square">
+            <a:spAutoFit/>
+          </a:bodyPr>
+          <a:lstStyle/>
+          <a:p>
+            <a:r>
+              <a:rPr lang="en-US" sz="1600" dirty="0">
+                <a:latin typeface="Calibri" panose="020F0502020204030204" pitchFamily="34" charset="0"/>
+                <a:cs typeface="Calibri" panose="020F0502020204030204" pitchFamily="34" charset="0"/>
+              </a:rPr>
+              <a:t>When looking for a place to build a new micro or neighborhood brewery, we can see two advantages:</a:t>
+            </a:r>
+          </a:p>
+          <a:p>
+            <a:endParaRPr lang="en-US" sz="1600" dirty="0">
+              <a:latin typeface="Calibri" panose="020F0502020204030204" pitchFamily="34" charset="0"/>
+              <a:cs typeface="Calibri" panose="020F0502020204030204" pitchFamily="34" charset="0"/>
+            </a:endParaRPr>
+          </a:p>
+          <a:p>
+            <a:pPr marL="285750" indent="-285750">
+              <a:buFont typeface="Arial" panose="020B0604020202020204" pitchFamily="34" charset="0"/>
+              <a:buChar char="•"/>
+            </a:pPr>
+            <a:r>
+              <a:rPr lang="en-US" sz="1600" dirty="0">
+                <a:latin typeface="Calibri" panose="020F0502020204030204" pitchFamily="34" charset="0"/>
+                <a:cs typeface="Calibri" panose="020F0502020204030204" pitchFamily="34" charset="0"/>
+              </a:rPr>
+              <a:t>high population and high per capita breweries</a:t>
+            </a:r>
+          </a:p>
+          <a:p>
+            <a:endParaRPr lang="en-US" sz="1600" dirty="0">
+              <a:latin typeface="Calibri" panose="020F0502020204030204" pitchFamily="34" charset="0"/>
+              <a:cs typeface="Calibri" panose="020F0502020204030204" pitchFamily="34" charset="0"/>
+            </a:endParaRPr>
+          </a:p>
+          <a:p>
+            <a:pPr marL="285750" indent="-285750">
+              <a:buFont typeface="Arial" panose="020B0604020202020204" pitchFamily="34" charset="0"/>
+              <a:buChar char="•"/>
+            </a:pPr>
+            <a:r>
+              <a:rPr lang="en-US" sz="1600" dirty="0">
+                <a:latin typeface="Calibri" panose="020F0502020204030204" pitchFamily="34" charset="0"/>
+                <a:cs typeface="Calibri" panose="020F0502020204030204" pitchFamily="34" charset="0"/>
+              </a:rPr>
+              <a:t>high population and low per capita breweries</a:t>
+            </a:r>
+          </a:p>
+          <a:p>
+            <a:endParaRPr lang="en-US" sz="1600" dirty="0">
+              <a:latin typeface="Calibri" panose="020F0502020204030204" pitchFamily="34" charset="0"/>
+              <a:cs typeface="Calibri" panose="020F0502020204030204" pitchFamily="34" charset="0"/>
+            </a:endParaRPr>
+          </a:p>
+          <a:p>
+            <a:r>
+              <a:rPr lang="en-US" sz="1600" dirty="0">
+                <a:latin typeface="Calibri" panose="020F0502020204030204" pitchFamily="34" charset="0"/>
+                <a:cs typeface="Calibri" panose="020F0502020204030204" pitchFamily="34" charset="0"/>
+              </a:rPr>
+              <a:t>For the first option, there will be stiff competition, but a beer thirsty population and often-times considered a beer destination.</a:t>
+            </a:r>
+          </a:p>
+          <a:p>
+            <a:endParaRPr lang="en-US" sz="1600" dirty="0">
+              <a:latin typeface="Calibri" panose="020F0502020204030204" pitchFamily="34" charset="0"/>
+              <a:cs typeface="Calibri" panose="020F0502020204030204" pitchFamily="34" charset="0"/>
+            </a:endParaRPr>
+          </a:p>
+          <a:p>
+            <a:r>
+              <a:rPr lang="en-US" sz="1600" dirty="0">
+                <a:latin typeface="Calibri" panose="020F0502020204030204" pitchFamily="34" charset="0"/>
+                <a:cs typeface="Calibri" panose="020F0502020204030204" pitchFamily="34" charset="0"/>
+              </a:rPr>
+              <a:t>With the second option, you could establish a market with little or no competition that could eventually attract both patrons and competition to establish a new beer destination.</a:t>
+            </a:r>
+          </a:p>
+        </p:txBody>
+      </p:sp>
+      <p:grpSp>
+        <p:nvGrpSpPr>
+          <p:cNvPr id="27" name="Group 26">
+            <a:extLst>
+              <a:ext uri="{FF2B5EF4-FFF2-40B4-BE49-F238E27FC236}">
+                <a16:creationId xmlns:a16="http://schemas.microsoft.com/office/drawing/2014/main" id="{4D442500-337D-4CD1-AD67-A8E44E5CDF2E}"/>
+              </a:ext>
+            </a:extLst>
+          </p:cNvPr>
+          <p:cNvGrpSpPr/>
+          <p:nvPr/>
+        </p:nvGrpSpPr>
+        <p:grpSpPr>
+          <a:xfrm>
+            <a:off x="7531064" y="3274604"/>
+            <a:ext cx="938795" cy="799926"/>
+            <a:chOff x="7531064" y="3274604"/>
+            <a:chExt cx="938795" cy="799926"/>
+          </a:xfrm>
+        </p:grpSpPr>
+        <p:sp>
+          <p:nvSpPr>
+            <p:cNvPr id="9" name="Oval 8">
+              <a:extLst>
+                <a:ext uri="{FF2B5EF4-FFF2-40B4-BE49-F238E27FC236}">
+                  <a16:creationId xmlns:a16="http://schemas.microsoft.com/office/drawing/2014/main" id="{9381880F-9DA2-420F-AFEF-20498C703020}"/>
+                </a:ext>
+              </a:extLst>
+            </p:cNvPr>
+            <p:cNvSpPr/>
+            <p:nvPr/>
+          </p:nvSpPr>
+          <p:spPr>
+            <a:xfrm>
+              <a:off x="7531064" y="3274604"/>
+              <a:ext cx="912415" cy="799926"/>
+            </a:xfrm>
+            <a:prstGeom prst="ellipse">
+              <a:avLst/>
+            </a:prstGeom>
+            <a:noFill/>
+            <a:ln>
+              <a:solidFill>
+                <a:srgbClr val="7030A0"/>
+              </a:solidFill>
+            </a:ln>
+          </p:spPr>
+          <p:style>
+            <a:lnRef idx="2">
+              <a:schemeClr val="accent1">
+                <a:shade val="50000"/>
+              </a:schemeClr>
+            </a:lnRef>
+            <a:fillRef idx="1">
+              <a:schemeClr val="accent1"/>
+            </a:fillRef>
+            <a:effectRef idx="0">
+              <a:schemeClr val="accent1"/>
+            </a:effectRef>
+            <a:fontRef idx="minor">
+              <a:schemeClr val="lt1"/>
+            </a:fontRef>
+          </p:style>
+          <p:txBody>
+            <a:bodyPr rtlCol="0" anchor="ctr"/>
+            <a:lstStyle/>
+            <a:p>
+              <a:pPr algn="ctr"/>
+              <a:endParaRPr lang="en-US"/>
+            </a:p>
+          </p:txBody>
+        </p:sp>
+        <p:cxnSp>
+          <p:nvCxnSpPr>
+            <p:cNvPr id="11" name="Straight Arrow Connector 10">
+              <a:extLst>
+                <a:ext uri="{FF2B5EF4-FFF2-40B4-BE49-F238E27FC236}">
+                  <a16:creationId xmlns:a16="http://schemas.microsoft.com/office/drawing/2014/main" id="{61F60CB4-6A94-4CE8-A6C1-FC8DCBEF5A53}"/>
+                </a:ext>
+              </a:extLst>
+            </p:cNvPr>
+            <p:cNvCxnSpPr/>
+            <p:nvPr/>
+          </p:nvCxnSpPr>
+          <p:spPr>
+            <a:xfrm>
+              <a:off x="7987272" y="3542487"/>
+              <a:ext cx="0" cy="264160"/>
+            </a:xfrm>
+            <a:prstGeom prst="straightConnector1">
+              <a:avLst/>
+            </a:prstGeom>
+            <a:ln>
+              <a:tailEnd type="triangle"/>
+            </a:ln>
+          </p:spPr>
+          <p:style>
+            <a:lnRef idx="1">
+              <a:schemeClr val="accent1"/>
+            </a:lnRef>
+            <a:fillRef idx="0">
+              <a:schemeClr val="accent1"/>
+            </a:fillRef>
+            <a:effectRef idx="0">
+              <a:schemeClr val="accent1"/>
+            </a:effectRef>
+            <a:fontRef idx="minor">
+              <a:schemeClr val="tx1"/>
+            </a:fontRef>
+          </p:style>
+        </p:cxnSp>
+        <p:cxnSp>
+          <p:nvCxnSpPr>
+            <p:cNvPr id="12" name="Straight Arrow Connector 11">
+              <a:extLst>
+                <a:ext uri="{FF2B5EF4-FFF2-40B4-BE49-F238E27FC236}">
+                  <a16:creationId xmlns:a16="http://schemas.microsoft.com/office/drawing/2014/main" id="{81F24BD0-6722-46AF-9666-BE6B80C75DFB}"/>
+                </a:ext>
+              </a:extLst>
+            </p:cNvPr>
+            <p:cNvCxnSpPr>
+              <a:cxnSpLocks/>
+            </p:cNvCxnSpPr>
+            <p:nvPr/>
+          </p:nvCxnSpPr>
+          <p:spPr>
+            <a:xfrm flipV="1">
+              <a:off x="7706360" y="3539134"/>
+              <a:ext cx="0" cy="237033"/>
+            </a:xfrm>
+            <a:prstGeom prst="straightConnector1">
+              <a:avLst/>
+            </a:prstGeom>
+            <a:ln>
+              <a:tailEnd type="triangle"/>
+            </a:ln>
+          </p:spPr>
+          <p:style>
+            <a:lnRef idx="1">
+              <a:schemeClr val="accent1"/>
+            </a:lnRef>
+            <a:fillRef idx="0">
+              <a:schemeClr val="accent1"/>
+            </a:fillRef>
+            <a:effectRef idx="0">
+              <a:schemeClr val="accent1"/>
+            </a:effectRef>
+            <a:fontRef idx="minor">
+              <a:schemeClr val="tx1"/>
+            </a:fontRef>
+          </p:style>
+        </p:cxnSp>
+        <p:sp>
+          <p:nvSpPr>
+            <p:cNvPr id="14" name="TextBox 13">
+              <a:extLst>
+                <a:ext uri="{FF2B5EF4-FFF2-40B4-BE49-F238E27FC236}">
+                  <a16:creationId xmlns:a16="http://schemas.microsoft.com/office/drawing/2014/main" id="{06DFC703-519D-455E-8B2F-586297DAC851}"/>
+                </a:ext>
+              </a:extLst>
+            </p:cNvPr>
+            <p:cNvSpPr txBox="1"/>
+            <p:nvPr/>
+          </p:nvSpPr>
+          <p:spPr>
+            <a:xfrm>
+              <a:off x="7671664" y="3566845"/>
+              <a:ext cx="364369" cy="215444"/>
+            </a:xfrm>
+            <a:prstGeom prst="rect">
+              <a:avLst/>
+            </a:prstGeom>
+            <a:noFill/>
+          </p:spPr>
+          <p:txBody>
+            <a:bodyPr wrap="square" rtlCol="0">
+              <a:spAutoFit/>
+            </a:bodyPr>
+            <a:lstStyle/>
+            <a:p>
+              <a:r>
+                <a:rPr lang="en-US" sz="800" dirty="0">
+                  <a:latin typeface="Calibri" panose="020F0502020204030204" pitchFamily="34" charset="0"/>
+                  <a:cs typeface="Calibri" panose="020F0502020204030204" pitchFamily="34" charset="0"/>
+                </a:rPr>
+                <a:t>pop</a:t>
+              </a:r>
+            </a:p>
+          </p:txBody>
+        </p:sp>
+        <p:sp>
+          <p:nvSpPr>
+            <p:cNvPr id="15" name="TextBox 14">
+              <a:extLst>
+                <a:ext uri="{FF2B5EF4-FFF2-40B4-BE49-F238E27FC236}">
+                  <a16:creationId xmlns:a16="http://schemas.microsoft.com/office/drawing/2014/main" id="{CF40F323-7960-439B-9EEF-8654605DDF15}"/>
+                </a:ext>
+              </a:extLst>
+            </p:cNvPr>
+            <p:cNvSpPr txBox="1"/>
+            <p:nvPr/>
+          </p:nvSpPr>
+          <p:spPr>
+            <a:xfrm>
+              <a:off x="7962040" y="3549928"/>
+              <a:ext cx="507819" cy="215444"/>
+            </a:xfrm>
+            <a:prstGeom prst="rect">
+              <a:avLst/>
+            </a:prstGeom>
+            <a:noFill/>
+          </p:spPr>
+          <p:txBody>
+            <a:bodyPr wrap="square" rtlCol="0">
+              <a:spAutoFit/>
+            </a:bodyPr>
+            <a:lstStyle/>
+            <a:p>
+              <a:r>
+                <a:rPr lang="en-US" sz="800" dirty="0">
+                  <a:latin typeface="Calibri" panose="020F0502020204030204" pitchFamily="34" charset="0"/>
+                  <a:cs typeface="Calibri" panose="020F0502020204030204" pitchFamily="34" charset="0"/>
+                </a:rPr>
+                <a:t>per cap</a:t>
+              </a:r>
+            </a:p>
+          </p:txBody>
+        </p:sp>
+      </p:grpSp>
+      <p:sp>
+        <p:nvSpPr>
+          <p:cNvPr id="21" name="Oval 20">
+            <a:extLst>
+              <a:ext uri="{FF2B5EF4-FFF2-40B4-BE49-F238E27FC236}">
+                <a16:creationId xmlns:a16="http://schemas.microsoft.com/office/drawing/2014/main" id="{96671549-7C91-434C-9364-F07AF67C960B}"/>
+              </a:ext>
+            </a:extLst>
+          </p:cNvPr>
+          <p:cNvSpPr/>
+          <p:nvPr/>
+        </p:nvSpPr>
+        <p:spPr>
+          <a:xfrm rot="325649">
+            <a:off x="7148590" y="2498017"/>
+            <a:ext cx="656392" cy="575468"/>
+          </a:xfrm>
+          <a:prstGeom prst="ellipse">
+            <a:avLst/>
+          </a:prstGeom>
+          <a:noFill/>
+          <a:ln>
+            <a:solidFill>
+              <a:srgbClr val="00B050"/>
+            </a:solidFill>
+          </a:ln>
+        </p:spPr>
+        <p:style>
+          <a:lnRef idx="2">
+            <a:schemeClr val="accent1">
+              <a:shade val="50000"/>
+            </a:schemeClr>
+          </a:lnRef>
+          <a:fillRef idx="1">
+            <a:schemeClr val="accent1"/>
+          </a:fillRef>
+          <a:effectRef idx="0">
+            <a:schemeClr val="accent1"/>
+          </a:effectRef>
+          <a:fontRef idx="minor">
+            <a:schemeClr val="lt1"/>
+          </a:fontRef>
+        </p:style>
+        <p:txBody>
+          <a:bodyPr rtlCol="0" anchor="ctr"/>
+          <a:lstStyle/>
+          <a:p>
+            <a:pPr algn="ctr"/>
+            <a:endParaRPr lang="en-US"/>
+          </a:p>
+        </p:txBody>
+      </p:sp>
+      <p:cxnSp>
+        <p:nvCxnSpPr>
+          <p:cNvPr id="23" name="Straight Arrow Connector 22">
+            <a:extLst>
+              <a:ext uri="{FF2B5EF4-FFF2-40B4-BE49-F238E27FC236}">
+                <a16:creationId xmlns:a16="http://schemas.microsoft.com/office/drawing/2014/main" id="{14EBFB09-39D8-49B4-8974-F6823EBC6195}"/>
+              </a:ext>
+            </a:extLst>
+          </p:cNvPr>
+          <p:cNvCxnSpPr>
+            <a:cxnSpLocks/>
+          </p:cNvCxnSpPr>
+          <p:nvPr/>
+        </p:nvCxnSpPr>
+        <p:spPr>
+          <a:xfrm rot="325649" flipV="1">
+            <a:off x="7256315" y="2651502"/>
+            <a:ext cx="0" cy="209879"/>
+          </a:xfrm>
+          <a:prstGeom prst="straightConnector1">
+            <a:avLst/>
+          </a:prstGeom>
+          <a:ln>
+            <a:solidFill>
+              <a:srgbClr val="00B0F0"/>
+            </a:solidFill>
+            <a:tailEnd type="triangle"/>
+          </a:ln>
+        </p:spPr>
+        <p:style>
+          <a:lnRef idx="1">
+            <a:schemeClr val="accent1"/>
+          </a:lnRef>
+          <a:fillRef idx="0">
+            <a:schemeClr val="accent1"/>
+          </a:fillRef>
+          <a:effectRef idx="0">
+            <a:schemeClr val="accent1"/>
+          </a:effectRef>
+          <a:fontRef idx="minor">
+            <a:schemeClr val="tx1"/>
+          </a:fontRef>
+        </p:style>
+      </p:cxnSp>
+      <p:cxnSp>
+        <p:nvCxnSpPr>
+          <p:cNvPr id="28" name="Straight Arrow Connector 27">
+            <a:extLst>
+              <a:ext uri="{FF2B5EF4-FFF2-40B4-BE49-F238E27FC236}">
+                <a16:creationId xmlns:a16="http://schemas.microsoft.com/office/drawing/2014/main" id="{375E0A3C-B7A4-4917-8B3B-1BE3FC8547AC}"/>
+              </a:ext>
+            </a:extLst>
+          </p:cNvPr>
+          <p:cNvCxnSpPr>
+            <a:cxnSpLocks/>
+          </p:cNvCxnSpPr>
+          <p:nvPr/>
+        </p:nvCxnSpPr>
+        <p:spPr>
+          <a:xfrm rot="325649" flipV="1">
+            <a:off x="7466860" y="2672546"/>
+            <a:ext cx="0" cy="209879"/>
+          </a:xfrm>
+          <a:prstGeom prst="straightConnector1">
+            <a:avLst/>
+          </a:prstGeom>
+          <a:ln>
+            <a:solidFill>
+              <a:srgbClr val="00B0F0"/>
+            </a:solidFill>
+            <a:tailEnd type="triangle"/>
+          </a:ln>
+        </p:spPr>
+        <p:style>
+          <a:lnRef idx="1">
+            <a:schemeClr val="accent1"/>
+          </a:lnRef>
+          <a:fillRef idx="0">
+            <a:schemeClr val="accent1"/>
+          </a:fillRef>
+          <a:effectRef idx="0">
+            <a:schemeClr val="accent1"/>
+          </a:effectRef>
+          <a:fontRef idx="minor">
+            <a:schemeClr val="tx1"/>
+          </a:fontRef>
+        </p:style>
+      </p:cxnSp>
+      <p:graphicFrame>
+        <p:nvGraphicFramePr>
+          <p:cNvPr id="34" name="Table 33">
+            <a:extLst>
+              <a:ext uri="{FF2B5EF4-FFF2-40B4-BE49-F238E27FC236}">
+                <a16:creationId xmlns:a16="http://schemas.microsoft.com/office/drawing/2014/main" id="{0ABBA29F-FD11-4A0D-BC46-CFF0DF00A79A}"/>
+              </a:ext>
+            </a:extLst>
+          </p:cNvPr>
+          <p:cNvGraphicFramePr>
+            <a:graphicFrameLocks noGrp="1"/>
+          </p:cNvGraphicFramePr>
+          <p:nvPr>
+            <p:extLst>
+              <p:ext uri="{D42A27DB-BD31-4B8C-83A1-F6EECF244321}">
+                <p14:modId xmlns:p14="http://schemas.microsoft.com/office/powerpoint/2010/main" val="3620750854"/>
+              </p:ext>
+            </p:extLst>
+          </p:nvPr>
+        </p:nvGraphicFramePr>
+        <p:xfrm>
+          <a:off x="173180" y="5370259"/>
+          <a:ext cx="11687894" cy="988993"/>
+        </p:xfrm>
+        <a:graphic>
+          <a:graphicData uri="http://schemas.openxmlformats.org/drawingml/2006/table">
+            <a:tbl>
+              <a:tblPr/>
+              <a:tblGrid>
+                <a:gridCol w="1031285">
+                  <a:extLst>
+                    <a:ext uri="{9D8B030D-6E8A-4147-A177-3AD203B41FA5}">
+                      <a16:colId xmlns:a16="http://schemas.microsoft.com/office/drawing/2014/main" val="864989951"/>
+                    </a:ext>
+                  </a:extLst>
+                </a:gridCol>
+                <a:gridCol w="1031285">
+                  <a:extLst>
+                    <a:ext uri="{9D8B030D-6E8A-4147-A177-3AD203B41FA5}">
+                      <a16:colId xmlns:a16="http://schemas.microsoft.com/office/drawing/2014/main" val="3740901743"/>
+                    </a:ext>
+                  </a:extLst>
+                </a:gridCol>
+                <a:gridCol w="1160195">
+                  <a:extLst>
+                    <a:ext uri="{9D8B030D-6E8A-4147-A177-3AD203B41FA5}">
+                      <a16:colId xmlns:a16="http://schemas.microsoft.com/office/drawing/2014/main" val="1393622334"/>
+                    </a:ext>
+                  </a:extLst>
+                </a:gridCol>
+                <a:gridCol w="1654352">
+                  <a:extLst>
+                    <a:ext uri="{9D8B030D-6E8A-4147-A177-3AD203B41FA5}">
+                      <a16:colId xmlns:a16="http://schemas.microsoft.com/office/drawing/2014/main" val="2514580663"/>
+                    </a:ext>
+                  </a:extLst>
+                </a:gridCol>
+                <a:gridCol w="1031285">
+                  <a:extLst>
+                    <a:ext uri="{9D8B030D-6E8A-4147-A177-3AD203B41FA5}">
+                      <a16:colId xmlns:a16="http://schemas.microsoft.com/office/drawing/2014/main" val="952771562"/>
+                    </a:ext>
+                  </a:extLst>
+                </a:gridCol>
+                <a:gridCol w="1654352">
+                  <a:extLst>
+                    <a:ext uri="{9D8B030D-6E8A-4147-A177-3AD203B41FA5}">
+                      <a16:colId xmlns:a16="http://schemas.microsoft.com/office/drawing/2014/main" val="3293578926"/>
+                    </a:ext>
+                  </a:extLst>
+                </a:gridCol>
+                <a:gridCol w="1031285">
+                  <a:extLst>
+                    <a:ext uri="{9D8B030D-6E8A-4147-A177-3AD203B41FA5}">
+                      <a16:colId xmlns:a16="http://schemas.microsoft.com/office/drawing/2014/main" val="1128875992"/>
+                    </a:ext>
+                  </a:extLst>
+                </a:gridCol>
+                <a:gridCol w="1031285">
+                  <a:extLst>
+                    <a:ext uri="{9D8B030D-6E8A-4147-A177-3AD203B41FA5}">
+                      <a16:colId xmlns:a16="http://schemas.microsoft.com/office/drawing/2014/main" val="2696303242"/>
+                    </a:ext>
+                  </a:extLst>
+                </a:gridCol>
+                <a:gridCol w="1031285">
+                  <a:extLst>
+                    <a:ext uri="{9D8B030D-6E8A-4147-A177-3AD203B41FA5}">
+                      <a16:colId xmlns:a16="http://schemas.microsoft.com/office/drawing/2014/main" val="2365483248"/>
+                    </a:ext>
+                  </a:extLst>
+                </a:gridCol>
+                <a:gridCol w="1031285">
+                  <a:extLst>
+                    <a:ext uri="{9D8B030D-6E8A-4147-A177-3AD203B41FA5}">
+                      <a16:colId xmlns:a16="http://schemas.microsoft.com/office/drawing/2014/main" val="2927055311"/>
+                    </a:ext>
+                  </a:extLst>
+                </a:gridCol>
+              </a:tblGrid>
+              <a:tr h="368852">
+                <a:tc>
+                  <a:txBody>
+                    <a:bodyPr/>
+                    <a:lstStyle/>
+                    <a:p>
+                      <a:pPr algn="l" fontAlgn="t"/>
+                      <a:r>
+                        <a:rPr lang="en-US" sz="1200" b="1" i="0" u="none" strike="noStrike" dirty="0">
+                          <a:solidFill>
+                            <a:srgbClr val="000000"/>
+                          </a:solidFill>
+                          <a:effectLst/>
+                          <a:latin typeface="Segoe UI" panose="020B0502040204020203" pitchFamily="34" charset="0"/>
+                        </a:rPr>
+                        <a:t>State</a:t>
+                      </a:r>
+                    </a:p>
+                  </a:txBody>
+                  <a:tcPr marL="12719" marR="12719" marT="12719" marB="0" anchor="b">
+                    <a:lnL w="6350" cap="flat" cmpd="sng" algn="ctr">
+                      <a:solidFill>
+                        <a:srgbClr val="AEAAAA"/>
+                      </a:solidFill>
+                      <a:prstDash val="solid"/>
+                      <a:round/>
+                      <a:headEnd type="none" w="med" len="med"/>
+                      <a:tailEnd type="none" w="med" len="med"/>
+                    </a:lnL>
+                    <a:lnR w="6350" cap="flat" cmpd="sng" algn="ctr">
+                      <a:solidFill>
+                        <a:srgbClr val="AEAAAA"/>
+                      </a:solidFill>
+                      <a:prstDash val="solid"/>
+                      <a:round/>
+                      <a:headEnd type="none" w="med" len="med"/>
+                      <a:tailEnd type="none" w="med" len="med"/>
+                    </a:lnR>
+                    <a:lnT w="6350" cap="flat" cmpd="sng" algn="ctr">
+                      <a:solidFill>
+                        <a:srgbClr val="AEAAAA"/>
+                      </a:solidFill>
+                      <a:prstDash val="solid"/>
+                      <a:round/>
+                      <a:headEnd type="none" w="med" len="med"/>
+                      <a:tailEnd type="none" w="med" len="med"/>
+                    </a:lnT>
+                    <a:lnB w="6350" cap="flat" cmpd="sng" algn="ctr">
+                      <a:solidFill>
+                        <a:srgbClr val="AEAAAA"/>
+                      </a:solidFill>
+                      <a:prstDash val="solid"/>
+                      <a:round/>
+                      <a:headEnd type="none" w="med" len="med"/>
+                      <a:tailEnd type="none" w="med" len="med"/>
+                    </a:lnB>
+                  </a:tcPr>
+                </a:tc>
+                <a:tc>
+                  <a:txBody>
+                    <a:bodyPr/>
+                    <a:lstStyle/>
+                    <a:p>
+                      <a:pPr algn="r" fontAlgn="t"/>
+                      <a:r>
+                        <a:rPr lang="en-US" sz="1200" b="1" i="0" u="none" strike="noStrike" dirty="0">
+                          <a:solidFill>
+                            <a:srgbClr val="000000"/>
+                          </a:solidFill>
+                          <a:effectLst/>
+                          <a:latin typeface="Segoe UI" panose="020B0502040204020203" pitchFamily="34" charset="0"/>
+                        </a:rPr>
+                        <a:t>Population</a:t>
+                      </a:r>
+                    </a:p>
+                  </a:txBody>
+                  <a:tcPr marL="12719" marR="12719" marT="12719" marB="0" anchor="b">
+                    <a:lnL w="6350" cap="flat" cmpd="sng" algn="ctr">
+                      <a:solidFill>
+                        <a:srgbClr val="AEAAAA"/>
+                      </a:solidFill>
+                      <a:prstDash val="solid"/>
+                      <a:round/>
+                      <a:headEnd type="none" w="med" len="med"/>
+                      <a:tailEnd type="none" w="med" len="med"/>
+                    </a:lnL>
+                    <a:lnR w="6350" cap="flat" cmpd="sng" algn="ctr">
+                      <a:solidFill>
+                        <a:srgbClr val="AEAAAA"/>
+                      </a:solidFill>
+                      <a:prstDash val="solid"/>
+                      <a:round/>
+                      <a:headEnd type="none" w="med" len="med"/>
+                      <a:tailEnd type="none" w="med" len="med"/>
+                    </a:lnR>
+                    <a:lnT w="6350" cap="flat" cmpd="sng" algn="ctr">
+                      <a:solidFill>
+                        <a:srgbClr val="AEAAAA"/>
+                      </a:solidFill>
+                      <a:prstDash val="solid"/>
+                      <a:round/>
+                      <a:headEnd type="none" w="med" len="med"/>
+                      <a:tailEnd type="none" w="med" len="med"/>
+                    </a:lnT>
+                    <a:lnB w="6350" cap="flat" cmpd="sng" algn="ctr">
+                      <a:solidFill>
+                        <a:srgbClr val="AEAAAA"/>
+                      </a:solidFill>
+                      <a:prstDash val="solid"/>
+                      <a:round/>
+                      <a:headEnd type="none" w="med" len="med"/>
+                      <a:tailEnd type="none" w="med" len="med"/>
+                    </a:lnB>
+                  </a:tcPr>
+                </a:tc>
+                <a:tc>
+                  <a:txBody>
+                    <a:bodyPr/>
+                    <a:lstStyle/>
+                    <a:p>
+                      <a:pPr marL="0" algn="r" defTabSz="914400" rtl="0" eaLnBrk="1" fontAlgn="t" latinLnBrk="0" hangingPunct="1"/>
+                      <a:endParaRPr lang="en-US" sz="1200" b="1" i="0" u="none" strike="noStrike" kern="1200" dirty="0">
+                        <a:solidFill>
+                          <a:srgbClr val="000000"/>
+                        </a:solidFill>
+                        <a:effectLst/>
+                        <a:latin typeface="Segoe UI" panose="020B0502040204020203" pitchFamily="34" charset="0"/>
+                        <a:ea typeface="+mn-ea"/>
+                        <a:cs typeface="+mn-cs"/>
+                      </a:endParaRPr>
+                    </a:p>
+                    <a:p>
+                      <a:pPr marL="0" algn="r" defTabSz="914400" rtl="0" eaLnBrk="1" fontAlgn="t" latinLnBrk="0" hangingPunct="1"/>
+                      <a:r>
+                        <a:rPr lang="en-US" sz="1200" b="1" i="0" u="none" strike="noStrike" kern="1200" dirty="0">
+                          <a:solidFill>
+                            <a:srgbClr val="000000"/>
+                          </a:solidFill>
+                          <a:effectLst/>
+                          <a:latin typeface="Segoe UI" panose="020B0502040204020203" pitchFamily="34" charset="0"/>
+                          <a:ea typeface="+mn-ea"/>
+                          <a:cs typeface="+mn-cs"/>
+                        </a:rPr>
+                        <a:t>Breweries</a:t>
+                      </a:r>
+                    </a:p>
+                  </a:txBody>
+                  <a:tcPr marL="12719" marR="12719" marT="12719" marB="0">
+                    <a:lnL w="6350" cap="flat" cmpd="sng" algn="ctr">
+                      <a:solidFill>
+                        <a:srgbClr val="AEAAAA"/>
+                      </a:solidFill>
+                      <a:prstDash val="solid"/>
+                      <a:round/>
+                      <a:headEnd type="none" w="med" len="med"/>
+                      <a:tailEnd type="none" w="med" len="med"/>
+                    </a:lnL>
+                    <a:lnR w="6350" cap="flat" cmpd="sng" algn="ctr">
+                      <a:solidFill>
+                        <a:srgbClr val="AEAAAA"/>
+                      </a:solidFill>
+                      <a:prstDash val="solid"/>
+                      <a:round/>
+                      <a:headEnd type="none" w="med" len="med"/>
+                      <a:tailEnd type="none" w="med" len="med"/>
+                    </a:lnR>
+                    <a:lnT w="6350" cap="flat" cmpd="sng" algn="ctr">
+                      <a:solidFill>
+                        <a:srgbClr val="AEAAAA"/>
+                      </a:solidFill>
+                      <a:prstDash val="solid"/>
+                      <a:round/>
+                      <a:headEnd type="none" w="med" len="med"/>
+                      <a:tailEnd type="none" w="med" len="med"/>
+                    </a:lnT>
+                    <a:lnB w="6350" cap="flat" cmpd="sng" algn="ctr">
+                      <a:solidFill>
+                        <a:srgbClr val="AEAAAA"/>
+                      </a:solidFill>
+                      <a:prstDash val="solid"/>
+                      <a:round/>
+                      <a:headEnd type="none" w="med" len="med"/>
+                      <a:tailEnd type="none" w="med" len="med"/>
+                    </a:lnB>
+                  </a:tcPr>
+                </a:tc>
+                <a:tc>
+                  <a:txBody>
+                    <a:bodyPr/>
+                    <a:lstStyle/>
+                    <a:p>
+                      <a:pPr marL="0" algn="r" defTabSz="914400" rtl="0" eaLnBrk="1" fontAlgn="t" latinLnBrk="0" hangingPunct="1"/>
+                      <a:endParaRPr lang="en-US" sz="1200" b="1" i="0" u="none" strike="noStrike" kern="1200" dirty="0">
+                        <a:solidFill>
+                          <a:srgbClr val="000000"/>
+                        </a:solidFill>
+                        <a:effectLst/>
+                        <a:latin typeface="Segoe UI" panose="020B0502040204020203" pitchFamily="34" charset="0"/>
+                        <a:ea typeface="+mn-ea"/>
+                        <a:cs typeface="+mn-cs"/>
+                      </a:endParaRPr>
+                    </a:p>
+                    <a:p>
+                      <a:pPr marL="0" algn="r" defTabSz="914400" rtl="0" eaLnBrk="1" fontAlgn="t" latinLnBrk="0" hangingPunct="1"/>
+                      <a:r>
+                        <a:rPr lang="en-US" sz="1200" b="1" i="0" u="none" strike="noStrike" kern="1200" dirty="0">
+                          <a:solidFill>
+                            <a:srgbClr val="000000"/>
+                          </a:solidFill>
+                          <a:effectLst/>
+                          <a:latin typeface="Segoe UI" panose="020B0502040204020203" pitchFamily="34" charset="0"/>
+                          <a:ea typeface="+mn-ea"/>
+                          <a:cs typeface="+mn-cs"/>
+                        </a:rPr>
+                        <a:t>Breweries Per Capita</a:t>
+                      </a:r>
+                    </a:p>
+                  </a:txBody>
+                  <a:tcPr marL="12719" marR="12719" marT="12719" marB="0">
+                    <a:lnL w="6350" cap="flat" cmpd="sng" algn="ctr">
+                      <a:solidFill>
+                        <a:srgbClr val="AEAAAA"/>
+                      </a:solidFill>
+                      <a:prstDash val="solid"/>
+                      <a:round/>
+                      <a:headEnd type="none" w="med" len="med"/>
+                      <a:tailEnd type="none" w="med" len="med"/>
+                    </a:lnL>
+                    <a:lnR w="6350" cap="flat" cmpd="sng" algn="ctr">
+                      <a:solidFill>
+                        <a:srgbClr val="AEAAAA"/>
+                      </a:solidFill>
+                      <a:prstDash val="solid"/>
+                      <a:round/>
+                      <a:headEnd type="none" w="med" len="med"/>
+                      <a:tailEnd type="none" w="med" len="med"/>
+                    </a:lnR>
+                    <a:lnT w="6350" cap="flat" cmpd="sng" algn="ctr">
+                      <a:solidFill>
+                        <a:srgbClr val="AEAAAA"/>
+                      </a:solidFill>
+                      <a:prstDash val="solid"/>
+                      <a:round/>
+                      <a:headEnd type="none" w="med" len="med"/>
+                      <a:tailEnd type="none" w="med" len="med"/>
+                    </a:lnT>
+                    <a:lnB w="6350" cap="flat" cmpd="sng" algn="ctr">
+                      <a:solidFill>
+                        <a:srgbClr val="AEAAAA"/>
+                      </a:solidFill>
+                      <a:prstDash val="solid"/>
+                      <a:round/>
+                      <a:headEnd type="none" w="med" len="med"/>
+                      <a:tailEnd type="none" w="med" len="med"/>
+                    </a:lnB>
+                  </a:tcPr>
+                </a:tc>
+                <a:tc>
+                  <a:txBody>
+                    <a:bodyPr/>
+                    <a:lstStyle/>
+                    <a:p>
+                      <a:pPr algn="r" fontAlgn="t"/>
+                      <a:endParaRPr lang="en-US" sz="1200" b="1" i="0" u="none" strike="noStrike">
+                        <a:solidFill>
+                          <a:srgbClr val="000000"/>
+                        </a:solidFill>
+                        <a:effectLst/>
+                        <a:latin typeface="Segoe UI" panose="020B0502040204020203" pitchFamily="34" charset="0"/>
+                      </a:endParaRPr>
+                    </a:p>
+                    <a:p>
+                      <a:pPr algn="r" fontAlgn="t"/>
+                      <a:r>
+                        <a:rPr lang="en-US" sz="1200" b="1" i="0" u="none" strike="noStrike">
+                          <a:solidFill>
+                            <a:srgbClr val="000000"/>
+                          </a:solidFill>
+                          <a:effectLst/>
+                          <a:latin typeface="Segoe UI" panose="020B0502040204020203" pitchFamily="34" charset="0"/>
+                        </a:rPr>
+                        <a:t>Beers</a:t>
+                      </a:r>
+                    </a:p>
+                  </a:txBody>
+                  <a:tcPr marL="12719" marR="12719" marT="12719" marB="0">
+                    <a:lnL w="6350" cap="flat" cmpd="sng" algn="ctr">
+                      <a:solidFill>
+                        <a:srgbClr val="AEAAAA"/>
+                      </a:solidFill>
+                      <a:prstDash val="solid"/>
+                      <a:round/>
+                      <a:headEnd type="none" w="med" len="med"/>
+                      <a:tailEnd type="none" w="med" len="med"/>
+                    </a:lnL>
+                    <a:lnR w="6350" cap="flat" cmpd="sng" algn="ctr">
+                      <a:solidFill>
+                        <a:srgbClr val="AEAAAA"/>
+                      </a:solidFill>
+                      <a:prstDash val="solid"/>
+                      <a:round/>
+                      <a:headEnd type="none" w="med" len="med"/>
+                      <a:tailEnd type="none" w="med" len="med"/>
+                    </a:lnR>
+                    <a:lnT w="6350" cap="flat" cmpd="sng" algn="ctr">
+                      <a:solidFill>
+                        <a:srgbClr val="AEAAAA"/>
+                      </a:solidFill>
+                      <a:prstDash val="solid"/>
+                      <a:round/>
+                      <a:headEnd type="none" w="med" len="med"/>
+                      <a:tailEnd type="none" w="med" len="med"/>
+                    </a:lnT>
+                    <a:lnB w="6350" cap="flat" cmpd="sng" algn="ctr">
+                      <a:solidFill>
+                        <a:srgbClr val="AEAAAA"/>
+                      </a:solidFill>
+                      <a:prstDash val="solid"/>
+                      <a:round/>
+                      <a:headEnd type="none" w="med" len="med"/>
+                      <a:tailEnd type="none" w="med" len="med"/>
+                    </a:lnB>
+                  </a:tcPr>
+                </a:tc>
+                <a:tc>
+                  <a:txBody>
+                    <a:bodyPr/>
+                    <a:lstStyle/>
+                    <a:p>
+                      <a:pPr algn="r" fontAlgn="t"/>
+                      <a:endParaRPr lang="en-US" sz="1200" b="1" i="0" u="none" strike="noStrike" dirty="0">
+                        <a:solidFill>
+                          <a:srgbClr val="000000"/>
+                        </a:solidFill>
+                        <a:effectLst/>
+                        <a:latin typeface="Segoe UI" panose="020B0502040204020203" pitchFamily="34" charset="0"/>
+                      </a:endParaRPr>
+                    </a:p>
+                    <a:p>
+                      <a:pPr algn="r" fontAlgn="t"/>
+                      <a:r>
+                        <a:rPr lang="en-US" sz="1200" b="1" i="0" u="none" strike="noStrike" dirty="0">
+                          <a:solidFill>
+                            <a:srgbClr val="000000"/>
+                          </a:solidFill>
+                          <a:effectLst/>
+                          <a:latin typeface="Segoe UI" panose="020B0502040204020203" pitchFamily="34" charset="0"/>
+                        </a:rPr>
+                        <a:t>Beers Per Capita</a:t>
+                      </a:r>
+                    </a:p>
+                  </a:txBody>
+                  <a:tcPr marL="12719" marR="12719" marT="12719" marB="0">
+                    <a:lnL w="6350" cap="flat" cmpd="sng" algn="ctr">
+                      <a:solidFill>
+                        <a:srgbClr val="AEAAAA"/>
+                      </a:solidFill>
+                      <a:prstDash val="solid"/>
+                      <a:round/>
+                      <a:headEnd type="none" w="med" len="med"/>
+                      <a:tailEnd type="none" w="med" len="med"/>
+                    </a:lnL>
+                    <a:lnR w="6350" cap="flat" cmpd="sng" algn="ctr">
+                      <a:solidFill>
+                        <a:srgbClr val="AEAAAA"/>
+                      </a:solidFill>
+                      <a:prstDash val="solid"/>
+                      <a:round/>
+                      <a:headEnd type="none" w="med" len="med"/>
+                      <a:tailEnd type="none" w="med" len="med"/>
+                    </a:lnR>
+                    <a:lnT w="6350" cap="flat" cmpd="sng" algn="ctr">
+                      <a:solidFill>
+                        <a:srgbClr val="AEAAAA"/>
+                      </a:solidFill>
+                      <a:prstDash val="solid"/>
+                      <a:round/>
+                      <a:headEnd type="none" w="med" len="med"/>
+                      <a:tailEnd type="none" w="med" len="med"/>
+                    </a:lnT>
+                    <a:lnB w="6350" cap="flat" cmpd="sng" algn="ctr">
+                      <a:solidFill>
+                        <a:srgbClr val="AEAAAA"/>
+                      </a:solidFill>
+                      <a:prstDash val="solid"/>
+                      <a:round/>
+                      <a:headEnd type="none" w="med" len="med"/>
+                      <a:tailEnd type="none" w="med" len="med"/>
+                    </a:lnB>
+                  </a:tcPr>
+                </a:tc>
+                <a:tc>
+                  <a:txBody>
+                    <a:bodyPr/>
+                    <a:lstStyle/>
+                    <a:p>
+                      <a:pPr algn="r" fontAlgn="t"/>
+                      <a:endParaRPr lang="en-US" sz="1200" b="1" i="0" u="none" strike="noStrike">
+                        <a:solidFill>
+                          <a:srgbClr val="000000"/>
+                        </a:solidFill>
+                        <a:effectLst/>
+                        <a:latin typeface="Segoe UI" panose="020B0502040204020203" pitchFamily="34" charset="0"/>
+                      </a:endParaRPr>
+                    </a:p>
+                    <a:p>
+                      <a:pPr algn="r" fontAlgn="t"/>
+                      <a:r>
+                        <a:rPr lang="en-US" sz="1200" b="1" i="0" u="none" strike="noStrike">
+                          <a:solidFill>
+                            <a:srgbClr val="000000"/>
+                          </a:solidFill>
+                          <a:effectLst/>
+                          <a:latin typeface="Segoe UI" panose="020B0502040204020203" pitchFamily="34" charset="0"/>
+                        </a:rPr>
+                        <a:t>Median ABV</a:t>
+                      </a:r>
+                    </a:p>
+                  </a:txBody>
+                  <a:tcPr marL="12719" marR="12719" marT="12719" marB="0">
+                    <a:lnL w="6350" cap="flat" cmpd="sng" algn="ctr">
+                      <a:solidFill>
+                        <a:srgbClr val="AEAAAA"/>
+                      </a:solidFill>
+                      <a:prstDash val="solid"/>
+                      <a:round/>
+                      <a:headEnd type="none" w="med" len="med"/>
+                      <a:tailEnd type="none" w="med" len="med"/>
+                    </a:lnL>
+                    <a:lnR w="6350" cap="flat" cmpd="sng" algn="ctr">
+                      <a:solidFill>
+                        <a:srgbClr val="AEAAAA"/>
+                      </a:solidFill>
+                      <a:prstDash val="solid"/>
+                      <a:round/>
+                      <a:headEnd type="none" w="med" len="med"/>
+                      <a:tailEnd type="none" w="med" len="med"/>
+                    </a:lnR>
+                    <a:lnT w="6350" cap="flat" cmpd="sng" algn="ctr">
+                      <a:solidFill>
+                        <a:srgbClr val="AEAAAA"/>
+                      </a:solidFill>
+                      <a:prstDash val="solid"/>
+                      <a:round/>
+                      <a:headEnd type="none" w="med" len="med"/>
+                      <a:tailEnd type="none" w="med" len="med"/>
+                    </a:lnT>
+                    <a:lnB w="6350" cap="flat" cmpd="sng" algn="ctr">
+                      <a:solidFill>
+                        <a:srgbClr val="AEAAAA"/>
+                      </a:solidFill>
+                      <a:prstDash val="solid"/>
+                      <a:round/>
+                      <a:headEnd type="none" w="med" len="med"/>
+                      <a:tailEnd type="none" w="med" len="med"/>
+                    </a:lnB>
+                  </a:tcPr>
+                </a:tc>
+                <a:tc>
+                  <a:txBody>
+                    <a:bodyPr/>
+                    <a:lstStyle/>
+                    <a:p>
+                      <a:pPr algn="r" fontAlgn="t"/>
+                      <a:endParaRPr lang="en-US" sz="1200" b="1" i="0" u="none" strike="noStrike">
+                        <a:solidFill>
+                          <a:srgbClr val="000000"/>
+                        </a:solidFill>
+                        <a:effectLst/>
+                        <a:latin typeface="Segoe UI" panose="020B0502040204020203" pitchFamily="34" charset="0"/>
+                      </a:endParaRPr>
+                    </a:p>
+                    <a:p>
+                      <a:pPr algn="r" fontAlgn="t"/>
+                      <a:r>
+                        <a:rPr lang="en-US" sz="1200" b="1" i="0" u="none" strike="noStrike">
+                          <a:solidFill>
+                            <a:srgbClr val="000000"/>
+                          </a:solidFill>
+                          <a:effectLst/>
+                          <a:latin typeface="Segoe UI" panose="020B0502040204020203" pitchFamily="34" charset="0"/>
+                        </a:rPr>
+                        <a:t>Max ABV</a:t>
+                      </a:r>
+                    </a:p>
+                  </a:txBody>
+                  <a:tcPr marL="12719" marR="12719" marT="12719" marB="0">
+                    <a:lnL w="6350" cap="flat" cmpd="sng" algn="ctr">
+                      <a:solidFill>
+                        <a:srgbClr val="AEAAAA"/>
+                      </a:solidFill>
+                      <a:prstDash val="solid"/>
+                      <a:round/>
+                      <a:headEnd type="none" w="med" len="med"/>
+                      <a:tailEnd type="none" w="med" len="med"/>
+                    </a:lnL>
+                    <a:lnR w="6350" cap="flat" cmpd="sng" algn="ctr">
+                      <a:solidFill>
+                        <a:srgbClr val="AEAAAA"/>
+                      </a:solidFill>
+                      <a:prstDash val="solid"/>
+                      <a:round/>
+                      <a:headEnd type="none" w="med" len="med"/>
+                      <a:tailEnd type="none" w="med" len="med"/>
+                    </a:lnR>
+                    <a:lnT w="6350" cap="flat" cmpd="sng" algn="ctr">
+                      <a:solidFill>
+                        <a:srgbClr val="AEAAAA"/>
+                      </a:solidFill>
+                      <a:prstDash val="solid"/>
+                      <a:round/>
+                      <a:headEnd type="none" w="med" len="med"/>
+                      <a:tailEnd type="none" w="med" len="med"/>
+                    </a:lnT>
+                    <a:lnB w="6350" cap="flat" cmpd="sng" algn="ctr">
+                      <a:solidFill>
+                        <a:srgbClr val="AEAAAA"/>
+                      </a:solidFill>
+                      <a:prstDash val="solid"/>
+                      <a:round/>
+                      <a:headEnd type="none" w="med" len="med"/>
+                      <a:tailEnd type="none" w="med" len="med"/>
+                    </a:lnB>
+                  </a:tcPr>
+                </a:tc>
+                <a:tc>
+                  <a:txBody>
+                    <a:bodyPr/>
+                    <a:lstStyle/>
+                    <a:p>
+                      <a:pPr algn="r" fontAlgn="t"/>
+                      <a:endParaRPr lang="en-US" sz="1200" b="1" i="0" u="none" strike="noStrike">
+                        <a:solidFill>
+                          <a:srgbClr val="000000"/>
+                        </a:solidFill>
+                        <a:effectLst/>
+                        <a:latin typeface="Segoe UI" panose="020B0502040204020203" pitchFamily="34" charset="0"/>
+                      </a:endParaRPr>
+                    </a:p>
+                    <a:p>
+                      <a:pPr algn="r" fontAlgn="t"/>
+                      <a:r>
+                        <a:rPr lang="en-US" sz="1200" b="1" i="0" u="none" strike="noStrike">
+                          <a:solidFill>
+                            <a:srgbClr val="000000"/>
+                          </a:solidFill>
+                          <a:effectLst/>
+                          <a:latin typeface="Segoe UI" panose="020B0502040204020203" pitchFamily="34" charset="0"/>
+                        </a:rPr>
+                        <a:t>Median IBU</a:t>
+                      </a:r>
+                    </a:p>
+                  </a:txBody>
+                  <a:tcPr marL="12719" marR="12719" marT="12719" marB="0">
+                    <a:lnL w="6350" cap="flat" cmpd="sng" algn="ctr">
+                      <a:solidFill>
+                        <a:srgbClr val="AEAAAA"/>
+                      </a:solidFill>
+                      <a:prstDash val="solid"/>
+                      <a:round/>
+                      <a:headEnd type="none" w="med" len="med"/>
+                      <a:tailEnd type="none" w="med" len="med"/>
+                    </a:lnL>
+                    <a:lnR w="6350" cap="flat" cmpd="sng" algn="ctr">
+                      <a:solidFill>
+                        <a:srgbClr val="AEAAAA"/>
+                      </a:solidFill>
+                      <a:prstDash val="solid"/>
+                      <a:round/>
+                      <a:headEnd type="none" w="med" len="med"/>
+                      <a:tailEnd type="none" w="med" len="med"/>
+                    </a:lnR>
+                    <a:lnT w="6350" cap="flat" cmpd="sng" algn="ctr">
+                      <a:solidFill>
+                        <a:srgbClr val="AEAAAA"/>
+                      </a:solidFill>
+                      <a:prstDash val="solid"/>
+                      <a:round/>
+                      <a:headEnd type="none" w="med" len="med"/>
+                      <a:tailEnd type="none" w="med" len="med"/>
+                    </a:lnT>
+                    <a:lnB w="6350" cap="flat" cmpd="sng" algn="ctr">
+                      <a:solidFill>
+                        <a:srgbClr val="AEAAAA"/>
+                      </a:solidFill>
+                      <a:prstDash val="solid"/>
+                      <a:round/>
+                      <a:headEnd type="none" w="med" len="med"/>
+                      <a:tailEnd type="none" w="med" len="med"/>
+                    </a:lnB>
+                  </a:tcPr>
+                </a:tc>
+                <a:tc>
+                  <a:txBody>
+                    <a:bodyPr/>
+                    <a:lstStyle/>
+                    <a:p>
+                      <a:pPr algn="r" fontAlgn="t"/>
+                      <a:endParaRPr lang="en-US" sz="1200" b="1" i="0" u="none" strike="noStrike">
+                        <a:solidFill>
+                          <a:srgbClr val="000000"/>
+                        </a:solidFill>
+                        <a:effectLst/>
+                        <a:latin typeface="Segoe UI" panose="020B0502040204020203" pitchFamily="34" charset="0"/>
+                      </a:endParaRPr>
+                    </a:p>
+                    <a:p>
+                      <a:pPr algn="r" fontAlgn="t"/>
+                      <a:r>
+                        <a:rPr lang="en-US" sz="1200" b="1" i="0" u="none" strike="noStrike">
+                          <a:solidFill>
+                            <a:srgbClr val="000000"/>
+                          </a:solidFill>
+                          <a:effectLst/>
+                          <a:latin typeface="Segoe UI" panose="020B0502040204020203" pitchFamily="34" charset="0"/>
+                        </a:rPr>
+                        <a:t>Max IBU </a:t>
+                      </a:r>
+                    </a:p>
+                  </a:txBody>
+                  <a:tcPr marL="12719" marR="12719" marT="12719" marB="0">
+                    <a:lnL w="6350" cap="flat" cmpd="sng" algn="ctr">
+                      <a:solidFill>
+                        <a:srgbClr val="AEAAAA"/>
+                      </a:solidFill>
+                      <a:prstDash val="solid"/>
+                      <a:round/>
+                      <a:headEnd type="none" w="med" len="med"/>
+                      <a:tailEnd type="none" w="med" len="med"/>
+                    </a:lnL>
+                    <a:lnR w="6350" cap="flat" cmpd="sng" algn="ctr">
+                      <a:solidFill>
+                        <a:srgbClr val="AEAAAA"/>
+                      </a:solidFill>
+                      <a:prstDash val="solid"/>
+                      <a:round/>
+                      <a:headEnd type="none" w="med" len="med"/>
+                      <a:tailEnd type="none" w="med" len="med"/>
+                    </a:lnR>
+                    <a:lnT w="6350" cap="flat" cmpd="sng" algn="ctr">
+                      <a:solidFill>
+                        <a:srgbClr val="AEAAAA"/>
+                      </a:solidFill>
+                      <a:prstDash val="solid"/>
+                      <a:round/>
+                      <a:headEnd type="none" w="med" len="med"/>
+                      <a:tailEnd type="none" w="med" len="med"/>
+                    </a:lnT>
+                    <a:lnB w="6350" cap="flat" cmpd="sng" algn="ctr">
+                      <a:solidFill>
+                        <a:srgbClr val="AEAAAA"/>
+                      </a:solidFill>
+                      <a:prstDash val="solid"/>
+                      <a:round/>
+                      <a:headEnd type="none" w="med" len="med"/>
+                      <a:tailEnd type="none" w="med" len="med"/>
+                    </a:lnB>
+                  </a:tcPr>
+                </a:tc>
+                <a:extLst>
+                  <a:ext uri="{0D108BD9-81ED-4DB2-BD59-A6C34878D82A}">
+                    <a16:rowId xmlns:a16="http://schemas.microsoft.com/office/drawing/2014/main" val="277929664"/>
+                  </a:ext>
+                </a:extLst>
+              </a:tr>
+              <a:tr h="305257">
+                <a:tc>
+                  <a:txBody>
+                    <a:bodyPr/>
+                    <a:lstStyle/>
+                    <a:p>
+                      <a:pPr algn="l" fontAlgn="ctr"/>
+                      <a:r>
+                        <a:rPr lang="en-US" sz="1200" b="0" i="0" u="none" strike="noStrike">
+                          <a:solidFill>
+                            <a:srgbClr val="000000"/>
+                          </a:solidFill>
+                          <a:effectLst/>
+                          <a:latin typeface="Segoe UI" panose="020B0502040204020203" pitchFamily="34" charset="0"/>
+                        </a:rPr>
+                        <a:t>Colorado</a:t>
+                      </a:r>
+                    </a:p>
+                  </a:txBody>
+                  <a:tcPr marL="12719" marR="12719" marT="12719" marB="0" anchor="ctr">
+                    <a:lnL w="6350" cap="flat" cmpd="sng" algn="ctr">
+                      <a:solidFill>
+                        <a:srgbClr val="AEAAAA"/>
+                      </a:solidFill>
+                      <a:prstDash val="solid"/>
+                      <a:round/>
+                      <a:headEnd type="none" w="med" len="med"/>
+                      <a:tailEnd type="none" w="med" len="med"/>
+                    </a:lnL>
+                    <a:lnR w="6350" cap="flat" cmpd="sng" algn="ctr">
+                      <a:solidFill>
+                        <a:srgbClr val="AEAAAA"/>
+                      </a:solidFill>
+                      <a:prstDash val="solid"/>
+                      <a:round/>
+                      <a:headEnd type="none" w="med" len="med"/>
+                      <a:tailEnd type="none" w="med" len="med"/>
+                    </a:lnR>
+                    <a:lnT w="6350" cap="flat" cmpd="sng" algn="ctr">
+                      <a:solidFill>
+                        <a:srgbClr val="AEAAAA"/>
+                      </a:solidFill>
+                      <a:prstDash val="solid"/>
+                      <a:round/>
+                      <a:headEnd type="none" w="med" len="med"/>
+                      <a:tailEnd type="none" w="med" len="med"/>
+                    </a:lnT>
+                    <a:lnB w="6350" cap="flat" cmpd="sng" algn="ctr">
+                      <a:solidFill>
+                        <a:srgbClr val="AEAAAA"/>
+                      </a:solidFill>
+                      <a:prstDash val="solid"/>
+                      <a:round/>
+                      <a:headEnd type="none" w="med" len="med"/>
+                      <a:tailEnd type="none" w="med" len="med"/>
+                    </a:lnB>
+                  </a:tcPr>
+                </a:tc>
+                <a:tc>
+                  <a:txBody>
+                    <a:bodyPr/>
+                    <a:lstStyle/>
+                    <a:p>
+                      <a:pPr algn="r" fontAlgn="ctr"/>
+                      <a:r>
+                        <a:rPr lang="en-US" sz="1200" b="0" i="0" u="none" strike="noStrike">
+                          <a:solidFill>
+                            <a:srgbClr val="000000"/>
+                          </a:solidFill>
+                          <a:effectLst/>
+                          <a:latin typeface="Segoe UI" panose="020B0502040204020203" pitchFamily="34" charset="0"/>
+                        </a:rPr>
+                        <a:t>5,555,200</a:t>
+                      </a:r>
+                    </a:p>
+                  </a:txBody>
+                  <a:tcPr marL="12719" marR="12719" marT="12719" marB="0" anchor="ctr">
+                    <a:lnL w="6350" cap="flat" cmpd="sng" algn="ctr">
+                      <a:solidFill>
+                        <a:srgbClr val="AEAAAA"/>
+                      </a:solidFill>
+                      <a:prstDash val="solid"/>
+                      <a:round/>
+                      <a:headEnd type="none" w="med" len="med"/>
+                      <a:tailEnd type="none" w="med" len="med"/>
+                    </a:lnL>
+                    <a:lnR w="6350" cap="flat" cmpd="sng" algn="ctr">
+                      <a:solidFill>
+                        <a:srgbClr val="AEAAAA"/>
+                      </a:solidFill>
+                      <a:prstDash val="solid"/>
+                      <a:round/>
+                      <a:headEnd type="none" w="med" len="med"/>
+                      <a:tailEnd type="none" w="med" len="med"/>
+                    </a:lnR>
+                    <a:lnT w="6350" cap="flat" cmpd="sng" algn="ctr">
+                      <a:solidFill>
+                        <a:srgbClr val="AEAAAA"/>
+                      </a:solidFill>
+                      <a:prstDash val="solid"/>
+                      <a:round/>
+                      <a:headEnd type="none" w="med" len="med"/>
+                      <a:tailEnd type="none" w="med" len="med"/>
+                    </a:lnT>
+                    <a:lnB w="6350" cap="flat" cmpd="sng" algn="ctr">
+                      <a:solidFill>
+                        <a:srgbClr val="AEAAAA"/>
+                      </a:solidFill>
+                      <a:prstDash val="solid"/>
+                      <a:round/>
+                      <a:headEnd type="none" w="med" len="med"/>
+                      <a:tailEnd type="none" w="med" len="med"/>
+                    </a:lnB>
+                  </a:tcPr>
+                </a:tc>
+                <a:tc>
+                  <a:txBody>
+                    <a:bodyPr/>
+                    <a:lstStyle/>
+                    <a:p>
+                      <a:pPr algn="r" fontAlgn="ctr"/>
+                      <a:r>
+                        <a:rPr lang="en-US" sz="1200" b="0" i="0" u="none" strike="noStrike">
+                          <a:solidFill>
+                            <a:srgbClr val="000000"/>
+                          </a:solidFill>
+                          <a:effectLst/>
+                          <a:latin typeface="Segoe UI" panose="020B0502040204020203" pitchFamily="34" charset="0"/>
+                        </a:rPr>
+                        <a:t>47</a:t>
+                      </a:r>
+                    </a:p>
+                  </a:txBody>
+                  <a:tcPr marL="12719" marR="12719" marT="12719" marB="0" anchor="ctr">
+                    <a:lnL w="6350" cap="flat" cmpd="sng" algn="ctr">
+                      <a:solidFill>
+                        <a:srgbClr val="AEAAAA"/>
+                      </a:solidFill>
+                      <a:prstDash val="solid"/>
+                      <a:round/>
+                      <a:headEnd type="none" w="med" len="med"/>
+                      <a:tailEnd type="none" w="med" len="med"/>
+                    </a:lnL>
+                    <a:lnR w="6350" cap="flat" cmpd="sng" algn="ctr">
+                      <a:solidFill>
+                        <a:srgbClr val="AEAAAA"/>
+                      </a:solidFill>
+                      <a:prstDash val="solid"/>
+                      <a:round/>
+                      <a:headEnd type="none" w="med" len="med"/>
+                      <a:tailEnd type="none" w="med" len="med"/>
+                    </a:lnR>
+                    <a:lnT w="6350" cap="flat" cmpd="sng" algn="ctr">
+                      <a:solidFill>
+                        <a:srgbClr val="AEAAAA"/>
+                      </a:solidFill>
+                      <a:prstDash val="solid"/>
+                      <a:round/>
+                      <a:headEnd type="none" w="med" len="med"/>
+                      <a:tailEnd type="none" w="med" len="med"/>
+                    </a:lnT>
+                    <a:lnB w="6350" cap="flat" cmpd="sng" algn="ctr">
+                      <a:solidFill>
+                        <a:srgbClr val="AEAAAA"/>
+                      </a:solidFill>
+                      <a:prstDash val="solid"/>
+                      <a:round/>
+                      <a:headEnd type="none" w="med" len="med"/>
+                      <a:tailEnd type="none" w="med" len="med"/>
+                    </a:lnB>
+                  </a:tcPr>
+                </a:tc>
+                <a:tc>
+                  <a:txBody>
+                    <a:bodyPr/>
+                    <a:lstStyle/>
+                    <a:p>
+                      <a:pPr algn="r" fontAlgn="ctr"/>
+                      <a:r>
+                        <a:rPr lang="en-US" sz="1200" b="0" i="0" u="none" strike="noStrike">
+                          <a:solidFill>
+                            <a:srgbClr val="000000"/>
+                          </a:solidFill>
+                          <a:effectLst/>
+                          <a:latin typeface="Segoe UI" panose="020B0502040204020203" pitchFamily="34" charset="0"/>
+                        </a:rPr>
+                        <a:t>8.46</a:t>
+                      </a:r>
+                    </a:p>
+                  </a:txBody>
+                  <a:tcPr marL="12719" marR="12719" marT="12719" marB="0" anchor="ctr">
+                    <a:lnL w="6350" cap="flat" cmpd="sng" algn="ctr">
+                      <a:solidFill>
+                        <a:srgbClr val="AEAAAA"/>
+                      </a:solidFill>
+                      <a:prstDash val="solid"/>
+                      <a:round/>
+                      <a:headEnd type="none" w="med" len="med"/>
+                      <a:tailEnd type="none" w="med" len="med"/>
+                    </a:lnL>
+                    <a:lnR w="6350" cap="flat" cmpd="sng" algn="ctr">
+                      <a:solidFill>
+                        <a:srgbClr val="AEAAAA"/>
+                      </a:solidFill>
+                      <a:prstDash val="solid"/>
+                      <a:round/>
+                      <a:headEnd type="none" w="med" len="med"/>
+                      <a:tailEnd type="none" w="med" len="med"/>
+                    </a:lnR>
+                    <a:lnT w="6350" cap="flat" cmpd="sng" algn="ctr">
+                      <a:solidFill>
+                        <a:srgbClr val="AEAAAA"/>
+                      </a:solidFill>
+                      <a:prstDash val="solid"/>
+                      <a:round/>
+                      <a:headEnd type="none" w="med" len="med"/>
+                      <a:tailEnd type="none" w="med" len="med"/>
+                    </a:lnT>
+                    <a:lnB w="6350" cap="flat" cmpd="sng" algn="ctr">
+                      <a:solidFill>
+                        <a:srgbClr val="AEAAAA"/>
+                      </a:solidFill>
+                      <a:prstDash val="solid"/>
+                      <a:round/>
+                      <a:headEnd type="none" w="med" len="med"/>
+                      <a:tailEnd type="none" w="med" len="med"/>
+                    </a:lnB>
+                  </a:tcPr>
+                </a:tc>
+                <a:tc>
+                  <a:txBody>
+                    <a:bodyPr/>
+                    <a:lstStyle/>
+                    <a:p>
+                      <a:pPr algn="r" fontAlgn="ctr"/>
+                      <a:r>
+                        <a:rPr lang="en-US" sz="1200" b="0" i="0" u="none" strike="noStrike">
+                          <a:solidFill>
+                            <a:srgbClr val="000000"/>
+                          </a:solidFill>
+                          <a:effectLst/>
+                          <a:latin typeface="Segoe UI" panose="020B0502040204020203" pitchFamily="34" charset="0"/>
+                        </a:rPr>
+                        <a:t>265</a:t>
+                      </a:r>
+                    </a:p>
+                  </a:txBody>
+                  <a:tcPr marL="12719" marR="12719" marT="12719" marB="0" anchor="ctr">
+                    <a:lnL w="6350" cap="flat" cmpd="sng" algn="ctr">
+                      <a:solidFill>
+                        <a:srgbClr val="AEAAAA"/>
+                      </a:solidFill>
+                      <a:prstDash val="solid"/>
+                      <a:round/>
+                      <a:headEnd type="none" w="med" len="med"/>
+                      <a:tailEnd type="none" w="med" len="med"/>
+                    </a:lnL>
+                    <a:lnR w="6350" cap="flat" cmpd="sng" algn="ctr">
+                      <a:solidFill>
+                        <a:srgbClr val="AEAAAA"/>
+                      </a:solidFill>
+                      <a:prstDash val="solid"/>
+                      <a:round/>
+                      <a:headEnd type="none" w="med" len="med"/>
+                      <a:tailEnd type="none" w="med" len="med"/>
+                    </a:lnR>
+                    <a:lnT w="6350" cap="flat" cmpd="sng" algn="ctr">
+                      <a:solidFill>
+                        <a:srgbClr val="AEAAAA"/>
+                      </a:solidFill>
+                      <a:prstDash val="solid"/>
+                      <a:round/>
+                      <a:headEnd type="none" w="med" len="med"/>
+                      <a:tailEnd type="none" w="med" len="med"/>
+                    </a:lnT>
+                    <a:lnB w="6350" cap="flat" cmpd="sng" algn="ctr">
+                      <a:solidFill>
+                        <a:srgbClr val="AEAAAA"/>
+                      </a:solidFill>
+                      <a:prstDash val="solid"/>
+                      <a:round/>
+                      <a:headEnd type="none" w="med" len="med"/>
+                      <a:tailEnd type="none" w="med" len="med"/>
+                    </a:lnB>
+                  </a:tcPr>
+                </a:tc>
+                <a:tc>
+                  <a:txBody>
+                    <a:bodyPr/>
+                    <a:lstStyle/>
+                    <a:p>
+                      <a:pPr algn="r" fontAlgn="ctr"/>
+                      <a:r>
+                        <a:rPr lang="en-US" sz="1200" b="0" i="0" u="none" strike="noStrike">
+                          <a:solidFill>
+                            <a:srgbClr val="000000"/>
+                          </a:solidFill>
+                          <a:effectLst/>
+                          <a:latin typeface="Segoe UI" panose="020B0502040204020203" pitchFamily="34" charset="0"/>
+                        </a:rPr>
+                        <a:t>47.70</a:t>
+                      </a:r>
+                    </a:p>
+                  </a:txBody>
+                  <a:tcPr marL="12719" marR="12719" marT="12719" marB="0" anchor="ctr">
+                    <a:lnL w="6350" cap="flat" cmpd="sng" algn="ctr">
+                      <a:solidFill>
+                        <a:srgbClr val="AEAAAA"/>
+                      </a:solidFill>
+                      <a:prstDash val="solid"/>
+                      <a:round/>
+                      <a:headEnd type="none" w="med" len="med"/>
+                      <a:tailEnd type="none" w="med" len="med"/>
+                    </a:lnL>
+                    <a:lnR w="6350" cap="flat" cmpd="sng" algn="ctr">
+                      <a:solidFill>
+                        <a:srgbClr val="AEAAAA"/>
+                      </a:solidFill>
+                      <a:prstDash val="solid"/>
+                      <a:round/>
+                      <a:headEnd type="none" w="med" len="med"/>
+                      <a:tailEnd type="none" w="med" len="med"/>
+                    </a:lnR>
+                    <a:lnT w="6350" cap="flat" cmpd="sng" algn="ctr">
+                      <a:solidFill>
+                        <a:srgbClr val="AEAAAA"/>
+                      </a:solidFill>
+                      <a:prstDash val="solid"/>
+                      <a:round/>
+                      <a:headEnd type="none" w="med" len="med"/>
+                      <a:tailEnd type="none" w="med" len="med"/>
+                    </a:lnT>
+                    <a:lnB w="6350" cap="flat" cmpd="sng" algn="ctr">
+                      <a:solidFill>
+                        <a:srgbClr val="AEAAAA"/>
+                      </a:solidFill>
+                      <a:prstDash val="solid"/>
+                      <a:round/>
+                      <a:headEnd type="none" w="med" len="med"/>
+                      <a:tailEnd type="none" w="med" len="med"/>
+                    </a:lnB>
+                  </a:tcPr>
+                </a:tc>
+                <a:tc>
+                  <a:txBody>
+                    <a:bodyPr/>
+                    <a:lstStyle/>
+                    <a:p>
+                      <a:pPr algn="r" fontAlgn="ctr"/>
+                      <a:r>
+                        <a:rPr lang="en-US" sz="1200" b="0" i="0" u="none" strike="noStrike">
+                          <a:solidFill>
+                            <a:srgbClr val="000000"/>
+                          </a:solidFill>
+                          <a:effectLst/>
+                          <a:latin typeface="Segoe UI" panose="020B0502040204020203" pitchFamily="34" charset="0"/>
+                        </a:rPr>
+                        <a:t>0.06</a:t>
+                      </a:r>
+                    </a:p>
+                  </a:txBody>
+                  <a:tcPr marL="12719" marR="12719" marT="12719" marB="0" anchor="ctr">
+                    <a:lnL w="6350" cap="flat" cmpd="sng" algn="ctr">
+                      <a:solidFill>
+                        <a:srgbClr val="AEAAAA"/>
+                      </a:solidFill>
+                      <a:prstDash val="solid"/>
+                      <a:round/>
+                      <a:headEnd type="none" w="med" len="med"/>
+                      <a:tailEnd type="none" w="med" len="med"/>
+                    </a:lnL>
+                    <a:lnR w="6350" cap="flat" cmpd="sng" algn="ctr">
+                      <a:solidFill>
+                        <a:srgbClr val="AEAAAA"/>
+                      </a:solidFill>
+                      <a:prstDash val="solid"/>
+                      <a:round/>
+                      <a:headEnd type="none" w="med" len="med"/>
+                      <a:tailEnd type="none" w="med" len="med"/>
+                    </a:lnR>
+                    <a:lnT w="6350" cap="flat" cmpd="sng" algn="ctr">
+                      <a:solidFill>
+                        <a:srgbClr val="AEAAAA"/>
+                      </a:solidFill>
+                      <a:prstDash val="solid"/>
+                      <a:round/>
+                      <a:headEnd type="none" w="med" len="med"/>
+                      <a:tailEnd type="none" w="med" len="med"/>
+                    </a:lnT>
+                    <a:lnB w="6350" cap="flat" cmpd="sng" algn="ctr">
+                      <a:solidFill>
+                        <a:srgbClr val="AEAAAA"/>
+                      </a:solidFill>
+                      <a:prstDash val="solid"/>
+                      <a:round/>
+                      <a:headEnd type="none" w="med" len="med"/>
+                      <a:tailEnd type="none" w="med" len="med"/>
+                    </a:lnB>
+                  </a:tcPr>
+                </a:tc>
+                <a:tc>
+                  <a:txBody>
+                    <a:bodyPr/>
+                    <a:lstStyle/>
+                    <a:p>
+                      <a:pPr algn="r" fontAlgn="ctr"/>
+                      <a:r>
+                        <a:rPr lang="en-US" sz="1200" b="0" i="0" u="none" strike="noStrike">
+                          <a:solidFill>
+                            <a:srgbClr val="000000"/>
+                          </a:solidFill>
+                          <a:effectLst/>
+                          <a:latin typeface="Segoe UI" panose="020B0502040204020203" pitchFamily="34" charset="0"/>
+                        </a:rPr>
+                        <a:t>0.128</a:t>
+                      </a:r>
+                    </a:p>
+                  </a:txBody>
+                  <a:tcPr marL="12719" marR="12719" marT="12719" marB="0" anchor="ctr">
+                    <a:lnL w="6350" cap="flat" cmpd="sng" algn="ctr">
+                      <a:solidFill>
+                        <a:srgbClr val="AEAAAA"/>
+                      </a:solidFill>
+                      <a:prstDash val="solid"/>
+                      <a:round/>
+                      <a:headEnd type="none" w="med" len="med"/>
+                      <a:tailEnd type="none" w="med" len="med"/>
+                    </a:lnL>
+                    <a:lnR w="6350" cap="flat" cmpd="sng" algn="ctr">
+                      <a:solidFill>
+                        <a:srgbClr val="AEAAAA"/>
+                      </a:solidFill>
+                      <a:prstDash val="solid"/>
+                      <a:round/>
+                      <a:headEnd type="none" w="med" len="med"/>
+                      <a:tailEnd type="none" w="med" len="med"/>
+                    </a:lnR>
+                    <a:lnT w="6350" cap="flat" cmpd="sng" algn="ctr">
+                      <a:solidFill>
+                        <a:srgbClr val="AEAAAA"/>
+                      </a:solidFill>
+                      <a:prstDash val="solid"/>
+                      <a:round/>
+                      <a:headEnd type="none" w="med" len="med"/>
+                      <a:tailEnd type="none" w="med" len="med"/>
+                    </a:lnT>
+                    <a:lnB w="6350" cap="flat" cmpd="sng" algn="ctr">
+                      <a:solidFill>
+                        <a:srgbClr val="AEAAAA"/>
+                      </a:solidFill>
+                      <a:prstDash val="solid"/>
+                      <a:round/>
+                      <a:headEnd type="none" w="med" len="med"/>
+                      <a:tailEnd type="none" w="med" len="med"/>
+                    </a:lnB>
+                  </a:tcPr>
+                </a:tc>
+                <a:tc>
+                  <a:txBody>
+                    <a:bodyPr/>
+                    <a:lstStyle/>
+                    <a:p>
+                      <a:pPr algn="r" fontAlgn="ctr"/>
+                      <a:r>
+                        <a:rPr lang="en-US" sz="1200" b="0" i="0" u="none" strike="noStrike">
+                          <a:solidFill>
+                            <a:srgbClr val="000000"/>
+                          </a:solidFill>
+                          <a:effectLst/>
+                          <a:latin typeface="Segoe UI" panose="020B0502040204020203" pitchFamily="34" charset="0"/>
+                        </a:rPr>
+                        <a:t>36</a:t>
+                      </a:r>
+                    </a:p>
+                  </a:txBody>
+                  <a:tcPr marL="12719" marR="12719" marT="12719" marB="0" anchor="ctr">
+                    <a:lnL w="6350" cap="flat" cmpd="sng" algn="ctr">
+                      <a:solidFill>
+                        <a:srgbClr val="AEAAAA"/>
+                      </a:solidFill>
+                      <a:prstDash val="solid"/>
+                      <a:round/>
+                      <a:headEnd type="none" w="med" len="med"/>
+                      <a:tailEnd type="none" w="med" len="med"/>
+                    </a:lnL>
+                    <a:lnR w="6350" cap="flat" cmpd="sng" algn="ctr">
+                      <a:solidFill>
+                        <a:srgbClr val="AEAAAA"/>
+                      </a:solidFill>
+                      <a:prstDash val="solid"/>
+                      <a:round/>
+                      <a:headEnd type="none" w="med" len="med"/>
+                      <a:tailEnd type="none" w="med" len="med"/>
+                    </a:lnR>
+                    <a:lnT w="6350" cap="flat" cmpd="sng" algn="ctr">
+                      <a:solidFill>
+                        <a:srgbClr val="AEAAAA"/>
+                      </a:solidFill>
+                      <a:prstDash val="solid"/>
+                      <a:round/>
+                      <a:headEnd type="none" w="med" len="med"/>
+                      <a:tailEnd type="none" w="med" len="med"/>
+                    </a:lnT>
+                    <a:lnB w="6350" cap="flat" cmpd="sng" algn="ctr">
+                      <a:solidFill>
+                        <a:srgbClr val="AEAAAA"/>
+                      </a:solidFill>
+                      <a:prstDash val="solid"/>
+                      <a:round/>
+                      <a:headEnd type="none" w="med" len="med"/>
+                      <a:tailEnd type="none" w="med" len="med"/>
+                    </a:lnB>
+                  </a:tcPr>
+                </a:tc>
+                <a:tc>
+                  <a:txBody>
+                    <a:bodyPr/>
+                    <a:lstStyle/>
+                    <a:p>
+                      <a:pPr algn="r" fontAlgn="ctr"/>
+                      <a:r>
+                        <a:rPr lang="en-US" sz="1200" b="0" i="0" u="none" strike="noStrike">
+                          <a:solidFill>
+                            <a:srgbClr val="000000"/>
+                          </a:solidFill>
+                          <a:effectLst/>
+                          <a:latin typeface="Segoe UI" panose="020B0502040204020203" pitchFamily="34" charset="0"/>
+                        </a:rPr>
+                        <a:t>104</a:t>
+                      </a:r>
+                    </a:p>
+                  </a:txBody>
+                  <a:tcPr marL="12719" marR="12719" marT="12719" marB="0" anchor="ctr">
+                    <a:lnL w="6350" cap="flat" cmpd="sng" algn="ctr">
+                      <a:solidFill>
+                        <a:srgbClr val="AEAAAA"/>
+                      </a:solidFill>
+                      <a:prstDash val="solid"/>
+                      <a:round/>
+                      <a:headEnd type="none" w="med" len="med"/>
+                      <a:tailEnd type="none" w="med" len="med"/>
+                    </a:lnL>
+                    <a:lnR w="6350" cap="flat" cmpd="sng" algn="ctr">
+                      <a:solidFill>
+                        <a:srgbClr val="AEAAAA"/>
+                      </a:solidFill>
+                      <a:prstDash val="solid"/>
+                      <a:round/>
+                      <a:headEnd type="none" w="med" len="med"/>
+                      <a:tailEnd type="none" w="med" len="med"/>
+                    </a:lnR>
+                    <a:lnT w="6350" cap="flat" cmpd="sng" algn="ctr">
+                      <a:solidFill>
+                        <a:srgbClr val="AEAAAA"/>
+                      </a:solidFill>
+                      <a:prstDash val="solid"/>
+                      <a:round/>
+                      <a:headEnd type="none" w="med" len="med"/>
+                      <a:tailEnd type="none" w="med" len="med"/>
+                    </a:lnT>
+                    <a:lnB w="6350" cap="flat" cmpd="sng" algn="ctr">
+                      <a:solidFill>
+                        <a:srgbClr val="AEAAAA"/>
+                      </a:solidFill>
+                      <a:prstDash val="solid"/>
+                      <a:round/>
+                      <a:headEnd type="none" w="med" len="med"/>
+                      <a:tailEnd type="none" w="med" len="med"/>
+                    </a:lnB>
+                  </a:tcPr>
+                </a:tc>
+                <a:extLst>
+                  <a:ext uri="{0D108BD9-81ED-4DB2-BD59-A6C34878D82A}">
+                    <a16:rowId xmlns:a16="http://schemas.microsoft.com/office/drawing/2014/main" val="1663544801"/>
+                  </a:ext>
+                </a:extLst>
+              </a:tr>
+              <a:tr h="305257">
+                <a:tc>
+                  <a:txBody>
+                    <a:bodyPr/>
+                    <a:lstStyle/>
+                    <a:p>
+                      <a:pPr algn="l" fontAlgn="ctr"/>
+                      <a:r>
+                        <a:rPr lang="en-US" sz="1200" b="0" i="0" u="none" strike="noStrike" dirty="0">
+                          <a:solidFill>
+                            <a:srgbClr val="000000"/>
+                          </a:solidFill>
+                          <a:effectLst/>
+                          <a:latin typeface="Segoe UI" panose="020B0502040204020203" pitchFamily="34" charset="0"/>
+                        </a:rPr>
+                        <a:t>Texas</a:t>
+                      </a:r>
+                    </a:p>
+                  </a:txBody>
+                  <a:tcPr marL="12719" marR="12719" marT="12719" marB="0" anchor="ctr">
+                    <a:lnL w="6350" cap="flat" cmpd="sng" algn="ctr">
+                      <a:solidFill>
+                        <a:srgbClr val="AEAAAA"/>
+                      </a:solidFill>
+                      <a:prstDash val="solid"/>
+                      <a:round/>
+                      <a:headEnd type="none" w="med" len="med"/>
+                      <a:tailEnd type="none" w="med" len="med"/>
+                    </a:lnL>
+                    <a:lnR w="6350" cap="flat" cmpd="sng" algn="ctr">
+                      <a:solidFill>
+                        <a:srgbClr val="AEAAAA"/>
+                      </a:solidFill>
+                      <a:prstDash val="solid"/>
+                      <a:round/>
+                      <a:headEnd type="none" w="med" len="med"/>
+                      <a:tailEnd type="none" w="med" len="med"/>
+                    </a:lnR>
+                    <a:lnT w="6350" cap="flat" cmpd="sng" algn="ctr">
+                      <a:solidFill>
+                        <a:srgbClr val="AEAAAA"/>
+                      </a:solidFill>
+                      <a:prstDash val="solid"/>
+                      <a:round/>
+                      <a:headEnd type="none" w="med" len="med"/>
+                      <a:tailEnd type="none" w="med" len="med"/>
+                    </a:lnT>
+                    <a:lnB w="6350" cap="flat" cmpd="sng" algn="ctr">
+                      <a:solidFill>
+                        <a:srgbClr val="AEAAAA"/>
+                      </a:solidFill>
+                      <a:prstDash val="solid"/>
+                      <a:round/>
+                      <a:headEnd type="none" w="med" len="med"/>
+                      <a:tailEnd type="none" w="med" len="med"/>
+                    </a:lnB>
+                  </a:tcPr>
+                </a:tc>
+                <a:tc>
+                  <a:txBody>
+                    <a:bodyPr/>
+                    <a:lstStyle/>
+                    <a:p>
+                      <a:pPr algn="r" fontAlgn="ctr"/>
+                      <a:r>
+                        <a:rPr lang="en-US" sz="1200" b="0" i="0" u="none" strike="noStrike">
+                          <a:solidFill>
+                            <a:srgbClr val="000000"/>
+                          </a:solidFill>
+                          <a:effectLst/>
+                          <a:latin typeface="Segoe UI" panose="020B0502040204020203" pitchFamily="34" charset="0"/>
+                        </a:rPr>
+                        <a:t>28,024,000</a:t>
+                      </a:r>
+                    </a:p>
+                  </a:txBody>
+                  <a:tcPr marL="12719" marR="12719" marT="12719" marB="0" anchor="ctr">
+                    <a:lnL w="6350" cap="flat" cmpd="sng" algn="ctr">
+                      <a:solidFill>
+                        <a:srgbClr val="AEAAAA"/>
+                      </a:solidFill>
+                      <a:prstDash val="solid"/>
+                      <a:round/>
+                      <a:headEnd type="none" w="med" len="med"/>
+                      <a:tailEnd type="none" w="med" len="med"/>
+                    </a:lnL>
+                    <a:lnR w="6350" cap="flat" cmpd="sng" algn="ctr">
+                      <a:solidFill>
+                        <a:srgbClr val="AEAAAA"/>
+                      </a:solidFill>
+                      <a:prstDash val="solid"/>
+                      <a:round/>
+                      <a:headEnd type="none" w="med" len="med"/>
+                      <a:tailEnd type="none" w="med" len="med"/>
+                    </a:lnR>
+                    <a:lnT w="6350" cap="flat" cmpd="sng" algn="ctr">
+                      <a:solidFill>
+                        <a:srgbClr val="AEAAAA"/>
+                      </a:solidFill>
+                      <a:prstDash val="solid"/>
+                      <a:round/>
+                      <a:headEnd type="none" w="med" len="med"/>
+                      <a:tailEnd type="none" w="med" len="med"/>
+                    </a:lnT>
+                    <a:lnB w="6350" cap="flat" cmpd="sng" algn="ctr">
+                      <a:solidFill>
+                        <a:srgbClr val="AEAAAA"/>
+                      </a:solidFill>
+                      <a:prstDash val="solid"/>
+                      <a:round/>
+                      <a:headEnd type="none" w="med" len="med"/>
+                      <a:tailEnd type="none" w="med" len="med"/>
+                    </a:lnB>
+                  </a:tcPr>
+                </a:tc>
+                <a:tc>
+                  <a:txBody>
+                    <a:bodyPr/>
+                    <a:lstStyle/>
+                    <a:p>
+                      <a:pPr algn="r" fontAlgn="ctr"/>
+                      <a:r>
+                        <a:rPr lang="en-US" sz="1200" b="0" i="0" u="none" strike="noStrike" dirty="0">
+                          <a:solidFill>
+                            <a:srgbClr val="000000"/>
+                          </a:solidFill>
+                          <a:effectLst/>
+                          <a:latin typeface="Segoe UI" panose="020B0502040204020203" pitchFamily="34" charset="0"/>
+                        </a:rPr>
+                        <a:t>28</a:t>
+                      </a:r>
+                    </a:p>
+                  </a:txBody>
+                  <a:tcPr marL="12719" marR="12719" marT="12719" marB="0" anchor="ctr">
+                    <a:lnL w="6350" cap="flat" cmpd="sng" algn="ctr">
+                      <a:solidFill>
+                        <a:srgbClr val="AEAAAA"/>
+                      </a:solidFill>
+                      <a:prstDash val="solid"/>
+                      <a:round/>
+                      <a:headEnd type="none" w="med" len="med"/>
+                      <a:tailEnd type="none" w="med" len="med"/>
+                    </a:lnL>
+                    <a:lnR w="6350" cap="flat" cmpd="sng" algn="ctr">
+                      <a:solidFill>
+                        <a:srgbClr val="AEAAAA"/>
+                      </a:solidFill>
+                      <a:prstDash val="solid"/>
+                      <a:round/>
+                      <a:headEnd type="none" w="med" len="med"/>
+                      <a:tailEnd type="none" w="med" len="med"/>
+                    </a:lnR>
+                    <a:lnT w="6350" cap="flat" cmpd="sng" algn="ctr">
+                      <a:solidFill>
+                        <a:srgbClr val="AEAAAA"/>
+                      </a:solidFill>
+                      <a:prstDash val="solid"/>
+                      <a:round/>
+                      <a:headEnd type="none" w="med" len="med"/>
+                      <a:tailEnd type="none" w="med" len="med"/>
+                    </a:lnT>
+                    <a:lnB w="6350" cap="flat" cmpd="sng" algn="ctr">
+                      <a:solidFill>
+                        <a:srgbClr val="AEAAAA"/>
+                      </a:solidFill>
+                      <a:prstDash val="solid"/>
+                      <a:round/>
+                      <a:headEnd type="none" w="med" len="med"/>
+                      <a:tailEnd type="none" w="med" len="med"/>
+                    </a:lnB>
+                  </a:tcPr>
+                </a:tc>
+                <a:tc>
+                  <a:txBody>
+                    <a:bodyPr/>
+                    <a:lstStyle/>
+                    <a:p>
+                      <a:pPr algn="r" fontAlgn="ctr"/>
+                      <a:r>
+                        <a:rPr lang="en-US" sz="1200" b="0" i="0" u="none" strike="noStrike">
+                          <a:solidFill>
+                            <a:srgbClr val="000000"/>
+                          </a:solidFill>
+                          <a:effectLst/>
+                          <a:latin typeface="Segoe UI" panose="020B0502040204020203" pitchFamily="34" charset="0"/>
+                        </a:rPr>
+                        <a:t>1.00</a:t>
+                      </a:r>
+                    </a:p>
+                  </a:txBody>
+                  <a:tcPr marL="12719" marR="12719" marT="12719" marB="0" anchor="ctr">
+                    <a:lnL w="6350" cap="flat" cmpd="sng" algn="ctr">
+                      <a:solidFill>
+                        <a:srgbClr val="AEAAAA"/>
+                      </a:solidFill>
+                      <a:prstDash val="solid"/>
+                      <a:round/>
+                      <a:headEnd type="none" w="med" len="med"/>
+                      <a:tailEnd type="none" w="med" len="med"/>
+                    </a:lnL>
+                    <a:lnR w="6350" cap="flat" cmpd="sng" algn="ctr">
+                      <a:solidFill>
+                        <a:srgbClr val="AEAAAA"/>
+                      </a:solidFill>
+                      <a:prstDash val="solid"/>
+                      <a:round/>
+                      <a:headEnd type="none" w="med" len="med"/>
+                      <a:tailEnd type="none" w="med" len="med"/>
+                    </a:lnR>
+                    <a:lnT w="6350" cap="flat" cmpd="sng" algn="ctr">
+                      <a:solidFill>
+                        <a:srgbClr val="AEAAAA"/>
+                      </a:solidFill>
+                      <a:prstDash val="solid"/>
+                      <a:round/>
+                      <a:headEnd type="none" w="med" len="med"/>
+                      <a:tailEnd type="none" w="med" len="med"/>
+                    </a:lnT>
+                    <a:lnB w="6350" cap="flat" cmpd="sng" algn="ctr">
+                      <a:solidFill>
+                        <a:srgbClr val="AEAAAA"/>
+                      </a:solidFill>
+                      <a:prstDash val="solid"/>
+                      <a:round/>
+                      <a:headEnd type="none" w="med" len="med"/>
+                      <a:tailEnd type="none" w="med" len="med"/>
+                    </a:lnB>
+                  </a:tcPr>
+                </a:tc>
+                <a:tc>
+                  <a:txBody>
+                    <a:bodyPr/>
+                    <a:lstStyle/>
+                    <a:p>
+                      <a:pPr algn="r" fontAlgn="ctr"/>
+                      <a:r>
+                        <a:rPr lang="en-US" sz="1200" b="0" i="0" u="none" strike="noStrike">
+                          <a:solidFill>
+                            <a:srgbClr val="000000"/>
+                          </a:solidFill>
+                          <a:effectLst/>
+                          <a:latin typeface="Segoe UI" panose="020B0502040204020203" pitchFamily="34" charset="0"/>
+                        </a:rPr>
+                        <a:t>130</a:t>
+                      </a:r>
+                    </a:p>
+                  </a:txBody>
+                  <a:tcPr marL="12719" marR="12719" marT="12719" marB="0" anchor="ctr">
+                    <a:lnL w="6350" cap="flat" cmpd="sng" algn="ctr">
+                      <a:solidFill>
+                        <a:srgbClr val="AEAAAA"/>
+                      </a:solidFill>
+                      <a:prstDash val="solid"/>
+                      <a:round/>
+                      <a:headEnd type="none" w="med" len="med"/>
+                      <a:tailEnd type="none" w="med" len="med"/>
+                    </a:lnL>
+                    <a:lnR w="6350" cap="flat" cmpd="sng" algn="ctr">
+                      <a:solidFill>
+                        <a:srgbClr val="AEAAAA"/>
+                      </a:solidFill>
+                      <a:prstDash val="solid"/>
+                      <a:round/>
+                      <a:headEnd type="none" w="med" len="med"/>
+                      <a:tailEnd type="none" w="med" len="med"/>
+                    </a:lnR>
+                    <a:lnT w="6350" cap="flat" cmpd="sng" algn="ctr">
+                      <a:solidFill>
+                        <a:srgbClr val="AEAAAA"/>
+                      </a:solidFill>
+                      <a:prstDash val="solid"/>
+                      <a:round/>
+                      <a:headEnd type="none" w="med" len="med"/>
+                      <a:tailEnd type="none" w="med" len="med"/>
+                    </a:lnT>
+                    <a:lnB w="6350" cap="flat" cmpd="sng" algn="ctr">
+                      <a:solidFill>
+                        <a:srgbClr val="AEAAAA"/>
+                      </a:solidFill>
+                      <a:prstDash val="solid"/>
+                      <a:round/>
+                      <a:headEnd type="none" w="med" len="med"/>
+                      <a:tailEnd type="none" w="med" len="med"/>
+                    </a:lnB>
+                  </a:tcPr>
+                </a:tc>
+                <a:tc>
+                  <a:txBody>
+                    <a:bodyPr/>
+                    <a:lstStyle/>
+                    <a:p>
+                      <a:pPr algn="r" fontAlgn="ctr"/>
+                      <a:r>
+                        <a:rPr lang="en-US" sz="1200" b="0" i="0" u="none" strike="noStrike">
+                          <a:solidFill>
+                            <a:srgbClr val="000000"/>
+                          </a:solidFill>
+                          <a:effectLst/>
+                          <a:latin typeface="Segoe UI" panose="020B0502040204020203" pitchFamily="34" charset="0"/>
+                        </a:rPr>
+                        <a:t>4.64</a:t>
+                      </a:r>
+                    </a:p>
+                  </a:txBody>
+                  <a:tcPr marL="12719" marR="12719" marT="12719" marB="0" anchor="ctr">
+                    <a:lnL w="6350" cap="flat" cmpd="sng" algn="ctr">
+                      <a:solidFill>
+                        <a:srgbClr val="AEAAAA"/>
+                      </a:solidFill>
+                      <a:prstDash val="solid"/>
+                      <a:round/>
+                      <a:headEnd type="none" w="med" len="med"/>
+                      <a:tailEnd type="none" w="med" len="med"/>
+                    </a:lnL>
+                    <a:lnR w="6350" cap="flat" cmpd="sng" algn="ctr">
+                      <a:solidFill>
+                        <a:srgbClr val="AEAAAA"/>
+                      </a:solidFill>
+                      <a:prstDash val="solid"/>
+                      <a:round/>
+                      <a:headEnd type="none" w="med" len="med"/>
+                      <a:tailEnd type="none" w="med" len="med"/>
+                    </a:lnR>
+                    <a:lnT w="6350" cap="flat" cmpd="sng" algn="ctr">
+                      <a:solidFill>
+                        <a:srgbClr val="AEAAAA"/>
+                      </a:solidFill>
+                      <a:prstDash val="solid"/>
+                      <a:round/>
+                      <a:headEnd type="none" w="med" len="med"/>
+                      <a:tailEnd type="none" w="med" len="med"/>
+                    </a:lnT>
+                    <a:lnB w="6350" cap="flat" cmpd="sng" algn="ctr">
+                      <a:solidFill>
+                        <a:srgbClr val="AEAAAA"/>
+                      </a:solidFill>
+                      <a:prstDash val="solid"/>
+                      <a:round/>
+                      <a:headEnd type="none" w="med" len="med"/>
+                      <a:tailEnd type="none" w="med" len="med"/>
+                    </a:lnB>
+                  </a:tcPr>
+                </a:tc>
+                <a:tc>
+                  <a:txBody>
+                    <a:bodyPr/>
+                    <a:lstStyle/>
+                    <a:p>
+                      <a:pPr algn="r" fontAlgn="ctr"/>
+                      <a:r>
+                        <a:rPr lang="en-US" sz="1200" b="0" i="0" u="none" strike="noStrike">
+                          <a:solidFill>
+                            <a:srgbClr val="000000"/>
+                          </a:solidFill>
+                          <a:effectLst/>
+                          <a:latin typeface="Segoe UI" panose="020B0502040204020203" pitchFamily="34" charset="0"/>
+                        </a:rPr>
+                        <a:t>0.055</a:t>
+                      </a:r>
+                    </a:p>
+                  </a:txBody>
+                  <a:tcPr marL="12719" marR="12719" marT="12719" marB="0" anchor="ctr">
+                    <a:lnL w="6350" cap="flat" cmpd="sng" algn="ctr">
+                      <a:solidFill>
+                        <a:srgbClr val="AEAAAA"/>
+                      </a:solidFill>
+                      <a:prstDash val="solid"/>
+                      <a:round/>
+                      <a:headEnd type="none" w="med" len="med"/>
+                      <a:tailEnd type="none" w="med" len="med"/>
+                    </a:lnL>
+                    <a:lnR w="6350" cap="flat" cmpd="sng" algn="ctr">
+                      <a:solidFill>
+                        <a:srgbClr val="AEAAAA"/>
+                      </a:solidFill>
+                      <a:prstDash val="solid"/>
+                      <a:round/>
+                      <a:headEnd type="none" w="med" len="med"/>
+                      <a:tailEnd type="none" w="med" len="med"/>
+                    </a:lnR>
+                    <a:lnT w="6350" cap="flat" cmpd="sng" algn="ctr">
+                      <a:solidFill>
+                        <a:srgbClr val="AEAAAA"/>
+                      </a:solidFill>
+                      <a:prstDash val="solid"/>
+                      <a:round/>
+                      <a:headEnd type="none" w="med" len="med"/>
+                      <a:tailEnd type="none" w="med" len="med"/>
+                    </a:lnT>
+                    <a:lnB w="6350" cap="flat" cmpd="sng" algn="ctr">
+                      <a:solidFill>
+                        <a:srgbClr val="AEAAAA"/>
+                      </a:solidFill>
+                      <a:prstDash val="solid"/>
+                      <a:round/>
+                      <a:headEnd type="none" w="med" len="med"/>
+                      <a:tailEnd type="none" w="med" len="med"/>
+                    </a:lnB>
+                  </a:tcPr>
+                </a:tc>
+                <a:tc>
+                  <a:txBody>
+                    <a:bodyPr/>
+                    <a:lstStyle/>
+                    <a:p>
+                      <a:pPr algn="r" fontAlgn="ctr"/>
+                      <a:r>
+                        <a:rPr lang="en-US" sz="1200" b="0" i="0" u="none" strike="noStrike">
+                          <a:solidFill>
+                            <a:srgbClr val="000000"/>
+                          </a:solidFill>
+                          <a:effectLst/>
+                          <a:latin typeface="Segoe UI" panose="020B0502040204020203" pitchFamily="34" charset="0"/>
+                        </a:rPr>
+                        <a:t>0.099</a:t>
+                      </a:r>
+                    </a:p>
+                  </a:txBody>
+                  <a:tcPr marL="12719" marR="12719" marT="12719" marB="0" anchor="ctr">
+                    <a:lnL w="6350" cap="flat" cmpd="sng" algn="ctr">
+                      <a:solidFill>
+                        <a:srgbClr val="AEAAAA"/>
+                      </a:solidFill>
+                      <a:prstDash val="solid"/>
+                      <a:round/>
+                      <a:headEnd type="none" w="med" len="med"/>
+                      <a:tailEnd type="none" w="med" len="med"/>
+                    </a:lnL>
+                    <a:lnR w="6350" cap="flat" cmpd="sng" algn="ctr">
+                      <a:solidFill>
+                        <a:srgbClr val="AEAAAA"/>
+                      </a:solidFill>
+                      <a:prstDash val="solid"/>
+                      <a:round/>
+                      <a:headEnd type="none" w="med" len="med"/>
+                      <a:tailEnd type="none" w="med" len="med"/>
+                    </a:lnR>
+                    <a:lnT w="6350" cap="flat" cmpd="sng" algn="ctr">
+                      <a:solidFill>
+                        <a:srgbClr val="AEAAAA"/>
+                      </a:solidFill>
+                      <a:prstDash val="solid"/>
+                      <a:round/>
+                      <a:headEnd type="none" w="med" len="med"/>
+                      <a:tailEnd type="none" w="med" len="med"/>
+                    </a:lnT>
+                    <a:lnB w="6350" cap="flat" cmpd="sng" algn="ctr">
+                      <a:solidFill>
+                        <a:srgbClr val="AEAAAA"/>
+                      </a:solidFill>
+                      <a:prstDash val="solid"/>
+                      <a:round/>
+                      <a:headEnd type="none" w="med" len="med"/>
+                      <a:tailEnd type="none" w="med" len="med"/>
+                    </a:lnB>
+                  </a:tcPr>
+                </a:tc>
+                <a:tc>
+                  <a:txBody>
+                    <a:bodyPr/>
+                    <a:lstStyle/>
+                    <a:p>
+                      <a:pPr algn="r" fontAlgn="ctr"/>
+                      <a:r>
+                        <a:rPr lang="en-US" sz="1200" b="0" i="0" u="none" strike="noStrike">
+                          <a:solidFill>
+                            <a:srgbClr val="000000"/>
+                          </a:solidFill>
+                          <a:effectLst/>
+                          <a:latin typeface="Segoe UI" panose="020B0502040204020203" pitchFamily="34" charset="0"/>
+                        </a:rPr>
+                        <a:t>33</a:t>
+                      </a:r>
+                    </a:p>
+                  </a:txBody>
+                  <a:tcPr marL="12719" marR="12719" marT="12719" marB="0" anchor="ctr">
+                    <a:lnL w="6350" cap="flat" cmpd="sng" algn="ctr">
+                      <a:solidFill>
+                        <a:srgbClr val="AEAAAA"/>
+                      </a:solidFill>
+                      <a:prstDash val="solid"/>
+                      <a:round/>
+                      <a:headEnd type="none" w="med" len="med"/>
+                      <a:tailEnd type="none" w="med" len="med"/>
+                    </a:lnL>
+                    <a:lnR w="6350" cap="flat" cmpd="sng" algn="ctr">
+                      <a:solidFill>
+                        <a:srgbClr val="AEAAAA"/>
+                      </a:solidFill>
+                      <a:prstDash val="solid"/>
+                      <a:round/>
+                      <a:headEnd type="none" w="med" len="med"/>
+                      <a:tailEnd type="none" w="med" len="med"/>
+                    </a:lnR>
+                    <a:lnT w="6350" cap="flat" cmpd="sng" algn="ctr">
+                      <a:solidFill>
+                        <a:srgbClr val="AEAAAA"/>
+                      </a:solidFill>
+                      <a:prstDash val="solid"/>
+                      <a:round/>
+                      <a:headEnd type="none" w="med" len="med"/>
+                      <a:tailEnd type="none" w="med" len="med"/>
+                    </a:lnT>
+                    <a:lnB w="6350" cap="flat" cmpd="sng" algn="ctr">
+                      <a:solidFill>
+                        <a:srgbClr val="AEAAAA"/>
+                      </a:solidFill>
+                      <a:prstDash val="solid"/>
+                      <a:round/>
+                      <a:headEnd type="none" w="med" len="med"/>
+                      <a:tailEnd type="none" w="med" len="med"/>
+                    </a:lnB>
+                  </a:tcPr>
+                </a:tc>
+                <a:tc>
+                  <a:txBody>
+                    <a:bodyPr/>
+                    <a:lstStyle/>
+                    <a:p>
+                      <a:pPr algn="r" fontAlgn="ctr"/>
+                      <a:r>
+                        <a:rPr lang="en-US" sz="1200" b="0" i="0" u="none" strike="noStrike" dirty="0">
+                          <a:solidFill>
+                            <a:srgbClr val="000000"/>
+                          </a:solidFill>
+                          <a:effectLst/>
+                          <a:latin typeface="Segoe UI" panose="020B0502040204020203" pitchFamily="34" charset="0"/>
+                        </a:rPr>
+                        <a:t>118 </a:t>
+                      </a:r>
+                    </a:p>
+                  </a:txBody>
+                  <a:tcPr marL="12719" marR="12719" marT="12719" marB="0" anchor="ctr">
+                    <a:lnL w="6350" cap="flat" cmpd="sng" algn="ctr">
+                      <a:solidFill>
+                        <a:srgbClr val="AEAAAA"/>
+                      </a:solidFill>
+                      <a:prstDash val="solid"/>
+                      <a:round/>
+                      <a:headEnd type="none" w="med" len="med"/>
+                      <a:tailEnd type="none" w="med" len="med"/>
+                    </a:lnL>
+                    <a:lnR w="6350" cap="flat" cmpd="sng" algn="ctr">
+                      <a:solidFill>
+                        <a:srgbClr val="AEAAAA"/>
+                      </a:solidFill>
+                      <a:prstDash val="solid"/>
+                      <a:round/>
+                      <a:headEnd type="none" w="med" len="med"/>
+                      <a:tailEnd type="none" w="med" len="med"/>
+                    </a:lnR>
+                    <a:lnT w="6350" cap="flat" cmpd="sng" algn="ctr">
+                      <a:solidFill>
+                        <a:srgbClr val="AEAAAA"/>
+                      </a:solidFill>
+                      <a:prstDash val="solid"/>
+                      <a:round/>
+                      <a:headEnd type="none" w="med" len="med"/>
+                      <a:tailEnd type="none" w="med" len="med"/>
+                    </a:lnT>
+                    <a:lnB w="6350" cap="flat" cmpd="sng" algn="ctr">
+                      <a:solidFill>
+                        <a:srgbClr val="AEAAAA"/>
+                      </a:solidFill>
+                      <a:prstDash val="solid"/>
+                      <a:round/>
+                      <a:headEnd type="none" w="med" len="med"/>
+                      <a:tailEnd type="none" w="med" len="med"/>
+                    </a:lnB>
+                  </a:tcPr>
+                </a:tc>
+                <a:extLst>
+                  <a:ext uri="{0D108BD9-81ED-4DB2-BD59-A6C34878D82A}">
+                    <a16:rowId xmlns:a16="http://schemas.microsoft.com/office/drawing/2014/main" val="1189033033"/>
+                  </a:ext>
+                </a:extLst>
+              </a:tr>
+            </a:tbl>
+          </a:graphicData>
+        </a:graphic>
+      </p:graphicFrame>
+    </p:spTree>
+    <p:extLst>
+      <p:ext uri="{BB962C8B-B14F-4D97-AF65-F5344CB8AC3E}">
+        <p14:creationId xmlns:p14="http://schemas.microsoft.com/office/powerpoint/2010/main" val="4256059162"/>
+      </p:ext>
+    </p:extLst>
+  </p:cSld>
+  <p:clrMapOvr>
+    <a:masterClrMapping/>
+  </p:clrMapOvr>
+</p:sld>
+</file>
+
+<file path=ppt/slides/slide11.xml><?xml version="1.0" encoding="utf-8"?>
 <p:sld xmlns:a="http://schemas.openxmlformats.org/drawingml/2006/main" xmlns:r="http://schemas.openxmlformats.org/officeDocument/2006/relationships" xmlns:p="http://schemas.openxmlformats.org/presentationml/2006/main">
   <p:cSld>
     <p:spTree>
@@ -3424,17 +6021,2914 @@
           <a:p>
             <a:r>
               <a:rPr lang="en-US" b="1" dirty="0"/>
-              <a:t>Brewery Statistics per State</a:t>
+              <a:t>Conclusion</a:t>
             </a:r>
           </a:p>
         </p:txBody>
       </p:sp>
+      <p:sp>
+        <p:nvSpPr>
+          <p:cNvPr id="7" name="TextBox 6">
+            <a:extLst>
+              <a:ext uri="{FF2B5EF4-FFF2-40B4-BE49-F238E27FC236}">
+                <a16:creationId xmlns:a16="http://schemas.microsoft.com/office/drawing/2014/main" id="{EED8D7C6-D7D6-4738-8A26-300A9BF1554A}"/>
+              </a:ext>
+            </a:extLst>
+          </p:cNvPr>
+          <p:cNvSpPr txBox="1"/>
+          <p:nvPr/>
+        </p:nvSpPr>
+        <p:spPr>
+          <a:xfrm>
+            <a:off x="173183" y="956048"/>
+            <a:ext cx="7028895" cy="1323439"/>
+          </a:xfrm>
+          <a:prstGeom prst="rect">
+            <a:avLst/>
+          </a:prstGeom>
+          <a:noFill/>
+        </p:spPr>
+        <p:txBody>
+          <a:bodyPr wrap="square">
+            <a:spAutoFit/>
+          </a:bodyPr>
+          <a:lstStyle/>
+          <a:p>
+            <a:r>
+              <a:rPr lang="en-US" sz="1600" dirty="0">
+                <a:latin typeface="Calibri" panose="020F0502020204030204" pitchFamily="34" charset="0"/>
+                <a:cs typeface="Calibri" panose="020F0502020204030204" pitchFamily="34" charset="0"/>
+              </a:rPr>
+              <a:t>When exploring beer types in these two markets, we’ve identified both the most popular and least popular by state. </a:t>
+            </a:r>
+          </a:p>
+          <a:p>
+            <a:endParaRPr lang="en-US" sz="1600" dirty="0">
+              <a:latin typeface="Calibri" panose="020F0502020204030204" pitchFamily="34" charset="0"/>
+              <a:cs typeface="Calibri" panose="020F0502020204030204" pitchFamily="34" charset="0"/>
+            </a:endParaRPr>
+          </a:p>
+          <a:p>
+            <a:r>
+              <a:rPr lang="en-US" sz="1600" dirty="0">
+                <a:latin typeface="Calibri" panose="020F0502020204030204" pitchFamily="34" charset="0"/>
+                <a:cs typeface="Calibri" panose="020F0502020204030204" pitchFamily="34" charset="0"/>
+              </a:rPr>
+              <a:t>Further analysis needed in order to determine what factors influence their popularity and how they compare to actual production and consumption. </a:t>
+            </a:r>
+          </a:p>
+        </p:txBody>
+      </p:sp>
+      <p:graphicFrame>
+        <p:nvGraphicFramePr>
+          <p:cNvPr id="4" name="Table 3">
+            <a:extLst>
+              <a:ext uri="{FF2B5EF4-FFF2-40B4-BE49-F238E27FC236}">
+                <a16:creationId xmlns:a16="http://schemas.microsoft.com/office/drawing/2014/main" id="{3304D79D-8F7B-4483-B6EB-6579BEB1C5CD}"/>
+              </a:ext>
+            </a:extLst>
+          </p:cNvPr>
+          <p:cNvGraphicFramePr>
+            <a:graphicFrameLocks noGrp="1"/>
+          </p:cNvGraphicFramePr>
+          <p:nvPr>
+            <p:extLst>
+              <p:ext uri="{D42A27DB-BD31-4B8C-83A1-F6EECF244321}">
+                <p14:modId xmlns:p14="http://schemas.microsoft.com/office/powerpoint/2010/main" val="1415939036"/>
+              </p:ext>
+            </p:extLst>
+          </p:nvPr>
+        </p:nvGraphicFramePr>
+        <p:xfrm>
+          <a:off x="7550870" y="969037"/>
+          <a:ext cx="4310204" cy="1656323"/>
+        </p:xfrm>
+        <a:graphic>
+          <a:graphicData uri="http://schemas.openxmlformats.org/drawingml/2006/table">
+            <a:tbl>
+              <a:tblPr/>
+              <a:tblGrid>
+                <a:gridCol w="1063054">
+                  <a:extLst>
+                    <a:ext uri="{9D8B030D-6E8A-4147-A177-3AD203B41FA5}">
+                      <a16:colId xmlns:a16="http://schemas.microsoft.com/office/drawing/2014/main" val="1737484360"/>
+                    </a:ext>
+                  </a:extLst>
+                </a:gridCol>
+                <a:gridCol w="2358049">
+                  <a:extLst>
+                    <a:ext uri="{9D8B030D-6E8A-4147-A177-3AD203B41FA5}">
+                      <a16:colId xmlns:a16="http://schemas.microsoft.com/office/drawing/2014/main" val="4002680569"/>
+                    </a:ext>
+                  </a:extLst>
+                </a:gridCol>
+                <a:gridCol w="889101">
+                  <a:extLst>
+                    <a:ext uri="{9D8B030D-6E8A-4147-A177-3AD203B41FA5}">
+                      <a16:colId xmlns:a16="http://schemas.microsoft.com/office/drawing/2014/main" val="705513120"/>
+                    </a:ext>
+                  </a:extLst>
+                </a:gridCol>
+              </a:tblGrid>
+              <a:tr h="204587">
+                <a:tc gridSpan="3">
+                  <a:txBody>
+                    <a:bodyPr/>
+                    <a:lstStyle/>
+                    <a:p>
+                      <a:pPr algn="l" fontAlgn="t"/>
+                      <a:r>
+                        <a:rPr lang="en-US" sz="800" b="1" i="0" u="none" strike="noStrike">
+                          <a:solidFill>
+                            <a:srgbClr val="000000"/>
+                          </a:solidFill>
+                          <a:effectLst/>
+                          <a:latin typeface="Segoe UI" panose="020B0502040204020203" pitchFamily="34" charset="0"/>
+                        </a:rPr>
+                        <a:t>Most popular beer types in CO and TX</a:t>
+                      </a:r>
+                    </a:p>
+                  </a:txBody>
+                  <a:tcPr marL="102293" marR="102293" marT="51147" marB="51147">
+                    <a:lnL w="6350" cap="flat" cmpd="sng" algn="ctr">
+                      <a:solidFill>
+                        <a:srgbClr val="AEAAAA"/>
+                      </a:solidFill>
+                      <a:prstDash val="solid"/>
+                      <a:round/>
+                      <a:headEnd type="none" w="med" len="med"/>
+                      <a:tailEnd type="none" w="med" len="med"/>
+                    </a:lnL>
+                    <a:lnR w="6350" cap="flat" cmpd="sng" algn="ctr">
+                      <a:solidFill>
+                        <a:srgbClr val="AEAAAA"/>
+                      </a:solidFill>
+                      <a:prstDash val="solid"/>
+                      <a:round/>
+                      <a:headEnd type="none" w="med" len="med"/>
+                      <a:tailEnd type="none" w="med" len="med"/>
+                    </a:lnR>
+                    <a:lnT w="6350" cap="flat" cmpd="sng" algn="ctr">
+                      <a:solidFill>
+                        <a:srgbClr val="AEAAAA"/>
+                      </a:solidFill>
+                      <a:prstDash val="solid"/>
+                      <a:round/>
+                      <a:headEnd type="none" w="med" len="med"/>
+                      <a:tailEnd type="none" w="med" len="med"/>
+                    </a:lnT>
+                    <a:lnB w="6350" cap="flat" cmpd="sng" algn="ctr">
+                      <a:solidFill>
+                        <a:srgbClr val="AEAAAA"/>
+                      </a:solidFill>
+                      <a:prstDash val="solid"/>
+                      <a:round/>
+                      <a:headEnd type="none" w="med" len="med"/>
+                      <a:tailEnd type="none" w="med" len="med"/>
+                    </a:lnB>
+                  </a:tcPr>
+                </a:tc>
+                <a:tc hMerge="1">
+                  <a:txBody>
+                    <a:bodyPr/>
+                    <a:lstStyle/>
+                    <a:p>
+                      <a:endParaRPr lang="en-US"/>
+                    </a:p>
+                  </a:txBody>
+                  <a:tcPr/>
+                </a:tc>
+                <a:tc hMerge="1">
+                  <a:txBody>
+                    <a:bodyPr/>
+                    <a:lstStyle/>
+                    <a:p>
+                      <a:endParaRPr lang="en-US"/>
+                    </a:p>
+                  </a:txBody>
+                  <a:tcPr/>
+                </a:tc>
+                <a:extLst>
+                  <a:ext uri="{0D108BD9-81ED-4DB2-BD59-A6C34878D82A}">
+                    <a16:rowId xmlns:a16="http://schemas.microsoft.com/office/drawing/2014/main" val="3342364828"/>
+                  </a:ext>
+                </a:extLst>
+              </a:tr>
+              <a:tr h="204587">
+                <a:tc>
+                  <a:txBody>
+                    <a:bodyPr/>
+                    <a:lstStyle/>
+                    <a:p>
+                      <a:pPr algn="l" fontAlgn="t"/>
+                      <a:r>
+                        <a:rPr lang="en-US" sz="800" b="1" i="0" u="none" strike="noStrike">
+                          <a:solidFill>
+                            <a:srgbClr val="000000"/>
+                          </a:solidFill>
+                          <a:effectLst/>
+                          <a:latin typeface="Segoe UI" panose="020B0502040204020203" pitchFamily="34" charset="0"/>
+                        </a:rPr>
+                        <a:t>State</a:t>
+                      </a:r>
+                    </a:p>
+                  </a:txBody>
+                  <a:tcPr marL="8524" marR="8524" marT="8524" marB="0">
+                    <a:lnL w="6350" cap="flat" cmpd="sng" algn="ctr">
+                      <a:solidFill>
+                        <a:srgbClr val="AEAAAA"/>
+                      </a:solidFill>
+                      <a:prstDash val="solid"/>
+                      <a:round/>
+                      <a:headEnd type="none" w="med" len="med"/>
+                      <a:tailEnd type="none" w="med" len="med"/>
+                    </a:lnL>
+                    <a:lnR w="6350" cap="flat" cmpd="sng" algn="ctr">
+                      <a:solidFill>
+                        <a:srgbClr val="AEAAAA"/>
+                      </a:solidFill>
+                      <a:prstDash val="solid"/>
+                      <a:round/>
+                      <a:headEnd type="none" w="med" len="med"/>
+                      <a:tailEnd type="none" w="med" len="med"/>
+                    </a:lnR>
+                    <a:lnT w="6350" cap="flat" cmpd="sng" algn="ctr">
+                      <a:solidFill>
+                        <a:srgbClr val="AEAAAA"/>
+                      </a:solidFill>
+                      <a:prstDash val="solid"/>
+                      <a:round/>
+                      <a:headEnd type="none" w="med" len="med"/>
+                      <a:tailEnd type="none" w="med" len="med"/>
+                    </a:lnT>
+                    <a:lnB w="6350" cap="flat" cmpd="sng" algn="ctr">
+                      <a:solidFill>
+                        <a:srgbClr val="AEAAAA"/>
+                      </a:solidFill>
+                      <a:prstDash val="solid"/>
+                      <a:round/>
+                      <a:headEnd type="none" w="med" len="med"/>
+                      <a:tailEnd type="none" w="med" len="med"/>
+                    </a:lnB>
+                  </a:tcPr>
+                </a:tc>
+                <a:tc>
+                  <a:txBody>
+                    <a:bodyPr/>
+                    <a:lstStyle/>
+                    <a:p>
+                      <a:pPr algn="l" fontAlgn="t"/>
+                      <a:r>
+                        <a:rPr lang="en-US" sz="800" b="1" i="0" u="none" strike="noStrike">
+                          <a:solidFill>
+                            <a:srgbClr val="000000"/>
+                          </a:solidFill>
+                          <a:effectLst/>
+                          <a:latin typeface="Segoe UI" panose="020B0502040204020203" pitchFamily="34" charset="0"/>
+                        </a:rPr>
+                        <a:t>Most Popular Beers</a:t>
+                      </a:r>
+                    </a:p>
+                  </a:txBody>
+                  <a:tcPr marL="8524" marR="8524" marT="8524" marB="0">
+                    <a:lnL w="6350" cap="flat" cmpd="sng" algn="ctr">
+                      <a:solidFill>
+                        <a:srgbClr val="AEAAAA"/>
+                      </a:solidFill>
+                      <a:prstDash val="solid"/>
+                      <a:round/>
+                      <a:headEnd type="none" w="med" len="med"/>
+                      <a:tailEnd type="none" w="med" len="med"/>
+                    </a:lnL>
+                    <a:lnR w="6350" cap="flat" cmpd="sng" algn="ctr">
+                      <a:solidFill>
+                        <a:srgbClr val="AEAAAA"/>
+                      </a:solidFill>
+                      <a:prstDash val="solid"/>
+                      <a:round/>
+                      <a:headEnd type="none" w="med" len="med"/>
+                      <a:tailEnd type="none" w="med" len="med"/>
+                    </a:lnR>
+                    <a:lnT w="6350" cap="flat" cmpd="sng" algn="ctr">
+                      <a:solidFill>
+                        <a:srgbClr val="AEAAAA"/>
+                      </a:solidFill>
+                      <a:prstDash val="solid"/>
+                      <a:round/>
+                      <a:headEnd type="none" w="med" len="med"/>
+                      <a:tailEnd type="none" w="med" len="med"/>
+                    </a:lnT>
+                    <a:lnB w="6350" cap="flat" cmpd="sng" algn="ctr">
+                      <a:solidFill>
+                        <a:srgbClr val="AEAAAA"/>
+                      </a:solidFill>
+                      <a:prstDash val="solid"/>
+                      <a:round/>
+                      <a:headEnd type="none" w="med" len="med"/>
+                      <a:tailEnd type="none" w="med" len="med"/>
+                    </a:lnB>
+                  </a:tcPr>
+                </a:tc>
+                <a:tc>
+                  <a:txBody>
+                    <a:bodyPr/>
+                    <a:lstStyle/>
+                    <a:p>
+                      <a:pPr algn="r" fontAlgn="t"/>
+                      <a:r>
+                        <a:rPr lang="en-US" sz="800" b="1" i="0" u="none" strike="noStrike">
+                          <a:solidFill>
+                            <a:srgbClr val="000000"/>
+                          </a:solidFill>
+                          <a:effectLst/>
+                          <a:latin typeface="Segoe UI" panose="020B0502040204020203" pitchFamily="34" charset="0"/>
+                        </a:rPr>
+                        <a:t>Count</a:t>
+                      </a:r>
+                    </a:p>
+                  </a:txBody>
+                  <a:tcPr marL="8524" marR="8524" marT="8524" marB="0">
+                    <a:lnL w="6350" cap="flat" cmpd="sng" algn="ctr">
+                      <a:solidFill>
+                        <a:srgbClr val="AEAAAA"/>
+                      </a:solidFill>
+                      <a:prstDash val="solid"/>
+                      <a:round/>
+                      <a:headEnd type="none" w="med" len="med"/>
+                      <a:tailEnd type="none" w="med" len="med"/>
+                    </a:lnL>
+                    <a:lnR w="6350" cap="flat" cmpd="sng" algn="ctr">
+                      <a:solidFill>
+                        <a:srgbClr val="AEAAAA"/>
+                      </a:solidFill>
+                      <a:prstDash val="solid"/>
+                      <a:round/>
+                      <a:headEnd type="none" w="med" len="med"/>
+                      <a:tailEnd type="none" w="med" len="med"/>
+                    </a:lnR>
+                    <a:lnT w="6350" cap="flat" cmpd="sng" algn="ctr">
+                      <a:solidFill>
+                        <a:srgbClr val="AEAAAA"/>
+                      </a:solidFill>
+                      <a:prstDash val="solid"/>
+                      <a:round/>
+                      <a:headEnd type="none" w="med" len="med"/>
+                      <a:tailEnd type="none" w="med" len="med"/>
+                    </a:lnT>
+                    <a:lnB w="6350" cap="flat" cmpd="sng" algn="ctr">
+                      <a:solidFill>
+                        <a:srgbClr val="AEAAAA"/>
+                      </a:solidFill>
+                      <a:prstDash val="solid"/>
+                      <a:round/>
+                      <a:headEnd type="none" w="med" len="med"/>
+                      <a:tailEnd type="none" w="med" len="med"/>
+                    </a:lnB>
+                  </a:tcPr>
+                </a:tc>
+                <a:extLst>
+                  <a:ext uri="{0D108BD9-81ED-4DB2-BD59-A6C34878D82A}">
+                    <a16:rowId xmlns:a16="http://schemas.microsoft.com/office/drawing/2014/main" val="3304946214"/>
+                  </a:ext>
+                </a:extLst>
+              </a:tr>
+              <a:tr h="204587">
+                <a:tc>
+                  <a:txBody>
+                    <a:bodyPr/>
+                    <a:lstStyle/>
+                    <a:p>
+                      <a:pPr algn="l" fontAlgn="ctr"/>
+                      <a:r>
+                        <a:rPr lang="en-US" sz="800" b="0" i="0" u="none" strike="noStrike">
+                          <a:solidFill>
+                            <a:srgbClr val="000000"/>
+                          </a:solidFill>
+                          <a:effectLst/>
+                          <a:latin typeface="Segoe UI" panose="020B0502040204020203" pitchFamily="34" charset="0"/>
+                        </a:rPr>
+                        <a:t>CO</a:t>
+                      </a:r>
+                    </a:p>
+                  </a:txBody>
+                  <a:tcPr marL="8524" marR="8524" marT="8524" marB="0" anchor="ctr">
+                    <a:lnL w="6350" cap="flat" cmpd="sng" algn="ctr">
+                      <a:solidFill>
+                        <a:srgbClr val="AEAAAA"/>
+                      </a:solidFill>
+                      <a:prstDash val="solid"/>
+                      <a:round/>
+                      <a:headEnd type="none" w="med" len="med"/>
+                      <a:tailEnd type="none" w="med" len="med"/>
+                    </a:lnL>
+                    <a:lnR w="6350" cap="flat" cmpd="sng" algn="ctr">
+                      <a:solidFill>
+                        <a:srgbClr val="AEAAAA"/>
+                      </a:solidFill>
+                      <a:prstDash val="solid"/>
+                      <a:round/>
+                      <a:headEnd type="none" w="med" len="med"/>
+                      <a:tailEnd type="none" w="med" len="med"/>
+                    </a:lnR>
+                    <a:lnT w="6350" cap="flat" cmpd="sng" algn="ctr">
+                      <a:solidFill>
+                        <a:srgbClr val="AEAAAA"/>
+                      </a:solidFill>
+                      <a:prstDash val="solid"/>
+                      <a:round/>
+                      <a:headEnd type="none" w="med" len="med"/>
+                      <a:tailEnd type="none" w="med" len="med"/>
+                    </a:lnT>
+                    <a:lnB w="6350" cap="flat" cmpd="sng" algn="ctr">
+                      <a:solidFill>
+                        <a:srgbClr val="AEAAAA"/>
+                      </a:solidFill>
+                      <a:prstDash val="solid"/>
+                      <a:round/>
+                      <a:headEnd type="none" w="med" len="med"/>
+                      <a:tailEnd type="none" w="med" len="med"/>
+                    </a:lnB>
+                  </a:tcPr>
+                </a:tc>
+                <a:tc>
+                  <a:txBody>
+                    <a:bodyPr/>
+                    <a:lstStyle/>
+                    <a:p>
+                      <a:pPr algn="l" fontAlgn="ctr"/>
+                      <a:r>
+                        <a:rPr lang="en-US" sz="800" b="0" i="0" u="none" strike="noStrike">
+                          <a:solidFill>
+                            <a:srgbClr val="000000"/>
+                          </a:solidFill>
+                          <a:effectLst/>
+                          <a:latin typeface="Segoe UI" panose="020B0502040204020203" pitchFamily="34" charset="0"/>
+                        </a:rPr>
+                        <a:t>American IPA</a:t>
+                      </a:r>
+                    </a:p>
+                  </a:txBody>
+                  <a:tcPr marL="8524" marR="8524" marT="8524" marB="0" anchor="ctr">
+                    <a:lnL w="6350" cap="flat" cmpd="sng" algn="ctr">
+                      <a:solidFill>
+                        <a:srgbClr val="AEAAAA"/>
+                      </a:solidFill>
+                      <a:prstDash val="solid"/>
+                      <a:round/>
+                      <a:headEnd type="none" w="med" len="med"/>
+                      <a:tailEnd type="none" w="med" len="med"/>
+                    </a:lnL>
+                    <a:lnR w="6350" cap="flat" cmpd="sng" algn="ctr">
+                      <a:solidFill>
+                        <a:srgbClr val="AEAAAA"/>
+                      </a:solidFill>
+                      <a:prstDash val="solid"/>
+                      <a:round/>
+                      <a:headEnd type="none" w="med" len="med"/>
+                      <a:tailEnd type="none" w="med" len="med"/>
+                    </a:lnR>
+                    <a:lnT w="6350" cap="flat" cmpd="sng" algn="ctr">
+                      <a:solidFill>
+                        <a:srgbClr val="AEAAAA"/>
+                      </a:solidFill>
+                      <a:prstDash val="solid"/>
+                      <a:round/>
+                      <a:headEnd type="none" w="med" len="med"/>
+                      <a:tailEnd type="none" w="med" len="med"/>
+                    </a:lnT>
+                    <a:lnB w="6350" cap="flat" cmpd="sng" algn="ctr">
+                      <a:solidFill>
+                        <a:srgbClr val="AEAAAA"/>
+                      </a:solidFill>
+                      <a:prstDash val="solid"/>
+                      <a:round/>
+                      <a:headEnd type="none" w="med" len="med"/>
+                      <a:tailEnd type="none" w="med" len="med"/>
+                    </a:lnB>
+                  </a:tcPr>
+                </a:tc>
+                <a:tc>
+                  <a:txBody>
+                    <a:bodyPr/>
+                    <a:lstStyle/>
+                    <a:p>
+                      <a:pPr algn="r" fontAlgn="ctr"/>
+                      <a:r>
+                        <a:rPr lang="en-US" sz="800" b="0" i="0" u="none" strike="noStrike">
+                          <a:solidFill>
+                            <a:srgbClr val="000000"/>
+                          </a:solidFill>
+                          <a:effectLst/>
+                          <a:latin typeface="Segoe UI" panose="020B0502040204020203" pitchFamily="34" charset="0"/>
+                        </a:rPr>
+                        <a:t>40</a:t>
+                      </a:r>
+                    </a:p>
+                  </a:txBody>
+                  <a:tcPr marL="8524" marR="8524" marT="8524" marB="0" anchor="ctr">
+                    <a:lnL w="6350" cap="flat" cmpd="sng" algn="ctr">
+                      <a:solidFill>
+                        <a:srgbClr val="AEAAAA"/>
+                      </a:solidFill>
+                      <a:prstDash val="solid"/>
+                      <a:round/>
+                      <a:headEnd type="none" w="med" len="med"/>
+                      <a:tailEnd type="none" w="med" len="med"/>
+                    </a:lnL>
+                    <a:lnR w="6350" cap="flat" cmpd="sng" algn="ctr">
+                      <a:solidFill>
+                        <a:srgbClr val="AEAAAA"/>
+                      </a:solidFill>
+                      <a:prstDash val="solid"/>
+                      <a:round/>
+                      <a:headEnd type="none" w="med" len="med"/>
+                      <a:tailEnd type="none" w="med" len="med"/>
+                    </a:lnR>
+                    <a:lnT w="6350" cap="flat" cmpd="sng" algn="ctr">
+                      <a:solidFill>
+                        <a:srgbClr val="AEAAAA"/>
+                      </a:solidFill>
+                      <a:prstDash val="solid"/>
+                      <a:round/>
+                      <a:headEnd type="none" w="med" len="med"/>
+                      <a:tailEnd type="none" w="med" len="med"/>
+                    </a:lnT>
+                    <a:lnB w="6350" cap="flat" cmpd="sng" algn="ctr">
+                      <a:solidFill>
+                        <a:srgbClr val="AEAAAA"/>
+                      </a:solidFill>
+                      <a:prstDash val="solid"/>
+                      <a:round/>
+                      <a:headEnd type="none" w="med" len="med"/>
+                      <a:tailEnd type="none" w="med" len="med"/>
+                    </a:lnB>
+                  </a:tcPr>
+                </a:tc>
+                <a:extLst>
+                  <a:ext uri="{0D108BD9-81ED-4DB2-BD59-A6C34878D82A}">
+                    <a16:rowId xmlns:a16="http://schemas.microsoft.com/office/drawing/2014/main" val="589581266"/>
+                  </a:ext>
+                </a:extLst>
+              </a:tr>
+              <a:tr h="204587">
+                <a:tc>
+                  <a:txBody>
+                    <a:bodyPr/>
+                    <a:lstStyle/>
+                    <a:p>
+                      <a:pPr algn="l" fontAlgn="ctr"/>
+                      <a:r>
+                        <a:rPr lang="en-US" sz="800" b="0" i="0" u="none" strike="noStrike">
+                          <a:solidFill>
+                            <a:srgbClr val="000000"/>
+                          </a:solidFill>
+                          <a:effectLst/>
+                          <a:latin typeface="Segoe UI" panose="020B0502040204020203" pitchFamily="34" charset="0"/>
+                        </a:rPr>
+                        <a:t>CO</a:t>
+                      </a:r>
+                    </a:p>
+                  </a:txBody>
+                  <a:tcPr marL="8524" marR="8524" marT="8524" marB="0" anchor="ctr">
+                    <a:lnL w="6350" cap="flat" cmpd="sng" algn="ctr">
+                      <a:solidFill>
+                        <a:srgbClr val="AEAAAA"/>
+                      </a:solidFill>
+                      <a:prstDash val="solid"/>
+                      <a:round/>
+                      <a:headEnd type="none" w="med" len="med"/>
+                      <a:tailEnd type="none" w="med" len="med"/>
+                    </a:lnL>
+                    <a:lnR w="6350" cap="flat" cmpd="sng" algn="ctr">
+                      <a:solidFill>
+                        <a:srgbClr val="AEAAAA"/>
+                      </a:solidFill>
+                      <a:prstDash val="solid"/>
+                      <a:round/>
+                      <a:headEnd type="none" w="med" len="med"/>
+                      <a:tailEnd type="none" w="med" len="med"/>
+                    </a:lnR>
+                    <a:lnT w="6350" cap="flat" cmpd="sng" algn="ctr">
+                      <a:solidFill>
+                        <a:srgbClr val="AEAAAA"/>
+                      </a:solidFill>
+                      <a:prstDash val="solid"/>
+                      <a:round/>
+                      <a:headEnd type="none" w="med" len="med"/>
+                      <a:tailEnd type="none" w="med" len="med"/>
+                    </a:lnT>
+                    <a:lnB w="6350" cap="flat" cmpd="sng" algn="ctr">
+                      <a:solidFill>
+                        <a:srgbClr val="AEAAAA"/>
+                      </a:solidFill>
+                      <a:prstDash val="solid"/>
+                      <a:round/>
+                      <a:headEnd type="none" w="med" len="med"/>
+                      <a:tailEnd type="none" w="med" len="med"/>
+                    </a:lnB>
+                  </a:tcPr>
+                </a:tc>
+                <a:tc>
+                  <a:txBody>
+                    <a:bodyPr/>
+                    <a:lstStyle/>
+                    <a:p>
+                      <a:pPr algn="l" fontAlgn="ctr"/>
+                      <a:r>
+                        <a:rPr lang="en-US" sz="800" b="0" i="0" u="none" strike="noStrike" dirty="0">
+                          <a:solidFill>
+                            <a:srgbClr val="000000"/>
+                          </a:solidFill>
+                          <a:effectLst/>
+                          <a:latin typeface="Segoe UI" panose="020B0502040204020203" pitchFamily="34" charset="0"/>
+                        </a:rPr>
+                        <a:t>American Pale Ale (APA)</a:t>
+                      </a:r>
+                    </a:p>
+                  </a:txBody>
+                  <a:tcPr marL="8524" marR="8524" marT="8524" marB="0" anchor="ctr">
+                    <a:lnL w="6350" cap="flat" cmpd="sng" algn="ctr">
+                      <a:solidFill>
+                        <a:srgbClr val="AEAAAA"/>
+                      </a:solidFill>
+                      <a:prstDash val="solid"/>
+                      <a:round/>
+                      <a:headEnd type="none" w="med" len="med"/>
+                      <a:tailEnd type="none" w="med" len="med"/>
+                    </a:lnL>
+                    <a:lnR w="6350" cap="flat" cmpd="sng" algn="ctr">
+                      <a:solidFill>
+                        <a:srgbClr val="AEAAAA"/>
+                      </a:solidFill>
+                      <a:prstDash val="solid"/>
+                      <a:round/>
+                      <a:headEnd type="none" w="med" len="med"/>
+                      <a:tailEnd type="none" w="med" len="med"/>
+                    </a:lnR>
+                    <a:lnT w="6350" cap="flat" cmpd="sng" algn="ctr">
+                      <a:solidFill>
+                        <a:srgbClr val="AEAAAA"/>
+                      </a:solidFill>
+                      <a:prstDash val="solid"/>
+                      <a:round/>
+                      <a:headEnd type="none" w="med" len="med"/>
+                      <a:tailEnd type="none" w="med" len="med"/>
+                    </a:lnT>
+                    <a:lnB w="6350" cap="flat" cmpd="sng" algn="ctr">
+                      <a:solidFill>
+                        <a:srgbClr val="AEAAAA"/>
+                      </a:solidFill>
+                      <a:prstDash val="solid"/>
+                      <a:round/>
+                      <a:headEnd type="none" w="med" len="med"/>
+                      <a:tailEnd type="none" w="med" len="med"/>
+                    </a:lnB>
+                  </a:tcPr>
+                </a:tc>
+                <a:tc>
+                  <a:txBody>
+                    <a:bodyPr/>
+                    <a:lstStyle/>
+                    <a:p>
+                      <a:pPr algn="r" fontAlgn="ctr"/>
+                      <a:r>
+                        <a:rPr lang="en-US" sz="800" b="0" i="0" u="none" strike="noStrike">
+                          <a:solidFill>
+                            <a:srgbClr val="000000"/>
+                          </a:solidFill>
+                          <a:effectLst/>
+                          <a:latin typeface="Segoe UI" panose="020B0502040204020203" pitchFamily="34" charset="0"/>
+                        </a:rPr>
+                        <a:t>40</a:t>
+                      </a:r>
+                    </a:p>
+                  </a:txBody>
+                  <a:tcPr marL="8524" marR="8524" marT="8524" marB="0" anchor="ctr">
+                    <a:lnL w="6350" cap="flat" cmpd="sng" algn="ctr">
+                      <a:solidFill>
+                        <a:srgbClr val="AEAAAA"/>
+                      </a:solidFill>
+                      <a:prstDash val="solid"/>
+                      <a:round/>
+                      <a:headEnd type="none" w="med" len="med"/>
+                      <a:tailEnd type="none" w="med" len="med"/>
+                    </a:lnL>
+                    <a:lnR w="6350" cap="flat" cmpd="sng" algn="ctr">
+                      <a:solidFill>
+                        <a:srgbClr val="AEAAAA"/>
+                      </a:solidFill>
+                      <a:prstDash val="solid"/>
+                      <a:round/>
+                      <a:headEnd type="none" w="med" len="med"/>
+                      <a:tailEnd type="none" w="med" len="med"/>
+                    </a:lnR>
+                    <a:lnT w="6350" cap="flat" cmpd="sng" algn="ctr">
+                      <a:solidFill>
+                        <a:srgbClr val="AEAAAA"/>
+                      </a:solidFill>
+                      <a:prstDash val="solid"/>
+                      <a:round/>
+                      <a:headEnd type="none" w="med" len="med"/>
+                      <a:tailEnd type="none" w="med" len="med"/>
+                    </a:lnT>
+                    <a:lnB w="6350" cap="flat" cmpd="sng" algn="ctr">
+                      <a:solidFill>
+                        <a:srgbClr val="AEAAAA"/>
+                      </a:solidFill>
+                      <a:prstDash val="solid"/>
+                      <a:round/>
+                      <a:headEnd type="none" w="med" len="med"/>
+                      <a:tailEnd type="none" w="med" len="med"/>
+                    </a:lnB>
+                  </a:tcPr>
+                </a:tc>
+                <a:extLst>
+                  <a:ext uri="{0D108BD9-81ED-4DB2-BD59-A6C34878D82A}">
+                    <a16:rowId xmlns:a16="http://schemas.microsoft.com/office/drawing/2014/main" val="261457575"/>
+                  </a:ext>
+                </a:extLst>
+              </a:tr>
+              <a:tr h="204587">
+                <a:tc>
+                  <a:txBody>
+                    <a:bodyPr/>
+                    <a:lstStyle/>
+                    <a:p>
+                      <a:pPr algn="l" fontAlgn="ctr"/>
+                      <a:r>
+                        <a:rPr lang="en-US" sz="800" b="0" i="0" u="none" strike="noStrike" dirty="0">
+                          <a:solidFill>
+                            <a:srgbClr val="000000"/>
+                          </a:solidFill>
+                          <a:effectLst/>
+                          <a:latin typeface="Segoe UI" panose="020B0502040204020203" pitchFamily="34" charset="0"/>
+                        </a:rPr>
+                        <a:t>CO</a:t>
+                      </a:r>
+                    </a:p>
+                  </a:txBody>
+                  <a:tcPr marL="8524" marR="8524" marT="8524" marB="0" anchor="ctr">
+                    <a:lnL w="6350" cap="flat" cmpd="sng" algn="ctr">
+                      <a:solidFill>
+                        <a:srgbClr val="AEAAAA"/>
+                      </a:solidFill>
+                      <a:prstDash val="solid"/>
+                      <a:round/>
+                      <a:headEnd type="none" w="med" len="med"/>
+                      <a:tailEnd type="none" w="med" len="med"/>
+                    </a:lnL>
+                    <a:lnR w="6350" cap="flat" cmpd="sng" algn="ctr">
+                      <a:solidFill>
+                        <a:srgbClr val="AEAAAA"/>
+                      </a:solidFill>
+                      <a:prstDash val="solid"/>
+                      <a:round/>
+                      <a:headEnd type="none" w="med" len="med"/>
+                      <a:tailEnd type="none" w="med" len="med"/>
+                    </a:lnR>
+                    <a:lnT w="6350" cap="flat" cmpd="sng" algn="ctr">
+                      <a:solidFill>
+                        <a:srgbClr val="AEAAAA"/>
+                      </a:solidFill>
+                      <a:prstDash val="solid"/>
+                      <a:round/>
+                      <a:headEnd type="none" w="med" len="med"/>
+                      <a:tailEnd type="none" w="med" len="med"/>
+                    </a:lnT>
+                    <a:lnB w="6350" cap="flat" cmpd="sng" algn="ctr">
+                      <a:solidFill>
+                        <a:srgbClr val="AEAAAA"/>
+                      </a:solidFill>
+                      <a:prstDash val="solid"/>
+                      <a:round/>
+                      <a:headEnd type="none" w="med" len="med"/>
+                      <a:tailEnd type="none" w="med" len="med"/>
+                    </a:lnB>
+                  </a:tcPr>
+                </a:tc>
+                <a:tc>
+                  <a:txBody>
+                    <a:bodyPr/>
+                    <a:lstStyle/>
+                    <a:p>
+                      <a:pPr algn="l" fontAlgn="ctr"/>
+                      <a:r>
+                        <a:rPr lang="en-US" sz="800" b="0" i="0" u="none" strike="noStrike">
+                          <a:solidFill>
+                            <a:srgbClr val="000000"/>
+                          </a:solidFill>
+                          <a:effectLst/>
+                          <a:latin typeface="Segoe UI" panose="020B0502040204020203" pitchFamily="34" charset="0"/>
+                        </a:rPr>
+                        <a:t>American Amber / Red Ale</a:t>
+                      </a:r>
+                    </a:p>
+                  </a:txBody>
+                  <a:tcPr marL="8524" marR="8524" marT="8524" marB="0" anchor="ctr">
+                    <a:lnL w="6350" cap="flat" cmpd="sng" algn="ctr">
+                      <a:solidFill>
+                        <a:srgbClr val="AEAAAA"/>
+                      </a:solidFill>
+                      <a:prstDash val="solid"/>
+                      <a:round/>
+                      <a:headEnd type="none" w="med" len="med"/>
+                      <a:tailEnd type="none" w="med" len="med"/>
+                    </a:lnL>
+                    <a:lnR w="6350" cap="flat" cmpd="sng" algn="ctr">
+                      <a:solidFill>
+                        <a:srgbClr val="AEAAAA"/>
+                      </a:solidFill>
+                      <a:prstDash val="solid"/>
+                      <a:round/>
+                      <a:headEnd type="none" w="med" len="med"/>
+                      <a:tailEnd type="none" w="med" len="med"/>
+                    </a:lnR>
+                    <a:lnT w="6350" cap="flat" cmpd="sng" algn="ctr">
+                      <a:solidFill>
+                        <a:srgbClr val="AEAAAA"/>
+                      </a:solidFill>
+                      <a:prstDash val="solid"/>
+                      <a:round/>
+                      <a:headEnd type="none" w="med" len="med"/>
+                      <a:tailEnd type="none" w="med" len="med"/>
+                    </a:lnT>
+                    <a:lnB w="6350" cap="flat" cmpd="sng" algn="ctr">
+                      <a:solidFill>
+                        <a:srgbClr val="AEAAAA"/>
+                      </a:solidFill>
+                      <a:prstDash val="solid"/>
+                      <a:round/>
+                      <a:headEnd type="none" w="med" len="med"/>
+                      <a:tailEnd type="none" w="med" len="med"/>
+                    </a:lnB>
+                  </a:tcPr>
+                </a:tc>
+                <a:tc>
+                  <a:txBody>
+                    <a:bodyPr/>
+                    <a:lstStyle/>
+                    <a:p>
+                      <a:pPr algn="r" fontAlgn="ctr"/>
+                      <a:r>
+                        <a:rPr lang="en-US" sz="800" b="0" i="0" u="none" strike="noStrike" dirty="0">
+                          <a:solidFill>
+                            <a:srgbClr val="000000"/>
+                          </a:solidFill>
+                          <a:effectLst/>
+                          <a:latin typeface="Segoe UI" panose="020B0502040204020203" pitchFamily="34" charset="0"/>
+                        </a:rPr>
+                        <a:t>19</a:t>
+                      </a:r>
+                    </a:p>
+                  </a:txBody>
+                  <a:tcPr marL="8524" marR="8524" marT="8524" marB="0" anchor="ctr">
+                    <a:lnL w="6350" cap="flat" cmpd="sng" algn="ctr">
+                      <a:solidFill>
+                        <a:srgbClr val="AEAAAA"/>
+                      </a:solidFill>
+                      <a:prstDash val="solid"/>
+                      <a:round/>
+                      <a:headEnd type="none" w="med" len="med"/>
+                      <a:tailEnd type="none" w="med" len="med"/>
+                    </a:lnL>
+                    <a:lnR w="6350" cap="flat" cmpd="sng" algn="ctr">
+                      <a:solidFill>
+                        <a:srgbClr val="AEAAAA"/>
+                      </a:solidFill>
+                      <a:prstDash val="solid"/>
+                      <a:round/>
+                      <a:headEnd type="none" w="med" len="med"/>
+                      <a:tailEnd type="none" w="med" len="med"/>
+                    </a:lnR>
+                    <a:lnT w="6350" cap="flat" cmpd="sng" algn="ctr">
+                      <a:solidFill>
+                        <a:srgbClr val="AEAAAA"/>
+                      </a:solidFill>
+                      <a:prstDash val="solid"/>
+                      <a:round/>
+                      <a:headEnd type="none" w="med" len="med"/>
+                      <a:tailEnd type="none" w="med" len="med"/>
+                    </a:lnT>
+                    <a:lnB w="6350" cap="flat" cmpd="sng" algn="ctr">
+                      <a:solidFill>
+                        <a:srgbClr val="AEAAAA"/>
+                      </a:solidFill>
+                      <a:prstDash val="solid"/>
+                      <a:round/>
+                      <a:headEnd type="none" w="med" len="med"/>
+                      <a:tailEnd type="none" w="med" len="med"/>
+                    </a:lnB>
+                  </a:tcPr>
+                </a:tc>
+                <a:extLst>
+                  <a:ext uri="{0D108BD9-81ED-4DB2-BD59-A6C34878D82A}">
+                    <a16:rowId xmlns:a16="http://schemas.microsoft.com/office/drawing/2014/main" val="286458345"/>
+                  </a:ext>
+                </a:extLst>
+              </a:tr>
+              <a:tr h="204587">
+                <a:tc>
+                  <a:txBody>
+                    <a:bodyPr/>
+                    <a:lstStyle/>
+                    <a:p>
+                      <a:pPr algn="l" fontAlgn="ctr"/>
+                      <a:r>
+                        <a:rPr lang="en-US" sz="800" b="0" i="0" u="none" strike="noStrike">
+                          <a:solidFill>
+                            <a:srgbClr val="000000"/>
+                          </a:solidFill>
+                          <a:effectLst/>
+                          <a:latin typeface="Segoe UI" panose="020B0502040204020203" pitchFamily="34" charset="0"/>
+                        </a:rPr>
+                        <a:t>TX</a:t>
+                      </a:r>
+                    </a:p>
+                  </a:txBody>
+                  <a:tcPr marL="8524" marR="8524" marT="8524" marB="0" anchor="ctr">
+                    <a:lnL w="6350" cap="flat" cmpd="sng" algn="ctr">
+                      <a:solidFill>
+                        <a:srgbClr val="AEAAAA"/>
+                      </a:solidFill>
+                      <a:prstDash val="solid"/>
+                      <a:round/>
+                      <a:headEnd type="none" w="med" len="med"/>
+                      <a:tailEnd type="none" w="med" len="med"/>
+                    </a:lnL>
+                    <a:lnR w="6350" cap="flat" cmpd="sng" algn="ctr">
+                      <a:solidFill>
+                        <a:srgbClr val="AEAAAA"/>
+                      </a:solidFill>
+                      <a:prstDash val="solid"/>
+                      <a:round/>
+                      <a:headEnd type="none" w="med" len="med"/>
+                      <a:tailEnd type="none" w="med" len="med"/>
+                    </a:lnR>
+                    <a:lnT w="6350" cap="flat" cmpd="sng" algn="ctr">
+                      <a:solidFill>
+                        <a:srgbClr val="AEAAAA"/>
+                      </a:solidFill>
+                      <a:prstDash val="solid"/>
+                      <a:round/>
+                      <a:headEnd type="none" w="med" len="med"/>
+                      <a:tailEnd type="none" w="med" len="med"/>
+                    </a:lnT>
+                    <a:lnB w="6350" cap="flat" cmpd="sng" algn="ctr">
+                      <a:solidFill>
+                        <a:srgbClr val="AEAAAA"/>
+                      </a:solidFill>
+                      <a:prstDash val="solid"/>
+                      <a:round/>
+                      <a:headEnd type="none" w="med" len="med"/>
+                      <a:tailEnd type="none" w="med" len="med"/>
+                    </a:lnB>
+                  </a:tcPr>
+                </a:tc>
+                <a:tc>
+                  <a:txBody>
+                    <a:bodyPr/>
+                    <a:lstStyle/>
+                    <a:p>
+                      <a:pPr algn="l" fontAlgn="ctr"/>
+                      <a:r>
+                        <a:rPr lang="en-US" sz="800" b="0" i="0" u="none" strike="noStrike">
+                          <a:solidFill>
+                            <a:srgbClr val="000000"/>
+                          </a:solidFill>
+                          <a:effectLst/>
+                          <a:latin typeface="Segoe UI" panose="020B0502040204020203" pitchFamily="34" charset="0"/>
+                        </a:rPr>
+                        <a:t>American Pale Ale (APA)</a:t>
+                      </a:r>
+                    </a:p>
+                  </a:txBody>
+                  <a:tcPr marL="8524" marR="8524" marT="8524" marB="0" anchor="ctr">
+                    <a:lnL w="6350" cap="flat" cmpd="sng" algn="ctr">
+                      <a:solidFill>
+                        <a:srgbClr val="AEAAAA"/>
+                      </a:solidFill>
+                      <a:prstDash val="solid"/>
+                      <a:round/>
+                      <a:headEnd type="none" w="med" len="med"/>
+                      <a:tailEnd type="none" w="med" len="med"/>
+                    </a:lnL>
+                    <a:lnR w="6350" cap="flat" cmpd="sng" algn="ctr">
+                      <a:solidFill>
+                        <a:srgbClr val="AEAAAA"/>
+                      </a:solidFill>
+                      <a:prstDash val="solid"/>
+                      <a:round/>
+                      <a:headEnd type="none" w="med" len="med"/>
+                      <a:tailEnd type="none" w="med" len="med"/>
+                    </a:lnR>
+                    <a:lnT w="6350" cap="flat" cmpd="sng" algn="ctr">
+                      <a:solidFill>
+                        <a:srgbClr val="AEAAAA"/>
+                      </a:solidFill>
+                      <a:prstDash val="solid"/>
+                      <a:round/>
+                      <a:headEnd type="none" w="med" len="med"/>
+                      <a:tailEnd type="none" w="med" len="med"/>
+                    </a:lnT>
+                    <a:lnB w="6350" cap="flat" cmpd="sng" algn="ctr">
+                      <a:solidFill>
+                        <a:srgbClr val="AEAAAA"/>
+                      </a:solidFill>
+                      <a:prstDash val="solid"/>
+                      <a:round/>
+                      <a:headEnd type="none" w="med" len="med"/>
+                      <a:tailEnd type="none" w="med" len="med"/>
+                    </a:lnB>
+                  </a:tcPr>
+                </a:tc>
+                <a:tc>
+                  <a:txBody>
+                    <a:bodyPr/>
+                    <a:lstStyle/>
+                    <a:p>
+                      <a:pPr algn="r" fontAlgn="ctr"/>
+                      <a:r>
+                        <a:rPr lang="en-US" sz="800" b="0" i="0" u="none" strike="noStrike">
+                          <a:solidFill>
+                            <a:srgbClr val="000000"/>
+                          </a:solidFill>
+                          <a:effectLst/>
+                          <a:latin typeface="Segoe UI" panose="020B0502040204020203" pitchFamily="34" charset="0"/>
+                        </a:rPr>
+                        <a:t>13</a:t>
+                      </a:r>
+                    </a:p>
+                  </a:txBody>
+                  <a:tcPr marL="8524" marR="8524" marT="8524" marB="0" anchor="ctr">
+                    <a:lnL w="6350" cap="flat" cmpd="sng" algn="ctr">
+                      <a:solidFill>
+                        <a:srgbClr val="AEAAAA"/>
+                      </a:solidFill>
+                      <a:prstDash val="solid"/>
+                      <a:round/>
+                      <a:headEnd type="none" w="med" len="med"/>
+                      <a:tailEnd type="none" w="med" len="med"/>
+                    </a:lnL>
+                    <a:lnR w="6350" cap="flat" cmpd="sng" algn="ctr">
+                      <a:solidFill>
+                        <a:srgbClr val="AEAAAA"/>
+                      </a:solidFill>
+                      <a:prstDash val="solid"/>
+                      <a:round/>
+                      <a:headEnd type="none" w="med" len="med"/>
+                      <a:tailEnd type="none" w="med" len="med"/>
+                    </a:lnR>
+                    <a:lnT w="6350" cap="flat" cmpd="sng" algn="ctr">
+                      <a:solidFill>
+                        <a:srgbClr val="AEAAAA"/>
+                      </a:solidFill>
+                      <a:prstDash val="solid"/>
+                      <a:round/>
+                      <a:headEnd type="none" w="med" len="med"/>
+                      <a:tailEnd type="none" w="med" len="med"/>
+                    </a:lnT>
+                    <a:lnB w="6350" cap="flat" cmpd="sng" algn="ctr">
+                      <a:solidFill>
+                        <a:srgbClr val="AEAAAA"/>
+                      </a:solidFill>
+                      <a:prstDash val="solid"/>
+                      <a:round/>
+                      <a:headEnd type="none" w="med" len="med"/>
+                      <a:tailEnd type="none" w="med" len="med"/>
+                    </a:lnB>
+                  </a:tcPr>
+                </a:tc>
+                <a:extLst>
+                  <a:ext uri="{0D108BD9-81ED-4DB2-BD59-A6C34878D82A}">
+                    <a16:rowId xmlns:a16="http://schemas.microsoft.com/office/drawing/2014/main" val="1058624438"/>
+                  </a:ext>
+                </a:extLst>
+              </a:tr>
+              <a:tr h="204587">
+                <a:tc>
+                  <a:txBody>
+                    <a:bodyPr/>
+                    <a:lstStyle/>
+                    <a:p>
+                      <a:pPr algn="l" fontAlgn="ctr"/>
+                      <a:r>
+                        <a:rPr lang="en-US" sz="800" b="0" i="0" u="none" strike="noStrike">
+                          <a:solidFill>
+                            <a:srgbClr val="000000"/>
+                          </a:solidFill>
+                          <a:effectLst/>
+                          <a:latin typeface="Segoe UI" panose="020B0502040204020203" pitchFamily="34" charset="0"/>
+                        </a:rPr>
+                        <a:t>TX</a:t>
+                      </a:r>
+                    </a:p>
+                  </a:txBody>
+                  <a:tcPr marL="8524" marR="8524" marT="8524" marB="0" anchor="ctr">
+                    <a:lnL w="6350" cap="flat" cmpd="sng" algn="ctr">
+                      <a:solidFill>
+                        <a:srgbClr val="AEAAAA"/>
+                      </a:solidFill>
+                      <a:prstDash val="solid"/>
+                      <a:round/>
+                      <a:headEnd type="none" w="med" len="med"/>
+                      <a:tailEnd type="none" w="med" len="med"/>
+                    </a:lnL>
+                    <a:lnR w="6350" cap="flat" cmpd="sng" algn="ctr">
+                      <a:solidFill>
+                        <a:srgbClr val="AEAAAA"/>
+                      </a:solidFill>
+                      <a:prstDash val="solid"/>
+                      <a:round/>
+                      <a:headEnd type="none" w="med" len="med"/>
+                      <a:tailEnd type="none" w="med" len="med"/>
+                    </a:lnR>
+                    <a:lnT w="6350" cap="flat" cmpd="sng" algn="ctr">
+                      <a:solidFill>
+                        <a:srgbClr val="AEAAAA"/>
+                      </a:solidFill>
+                      <a:prstDash val="solid"/>
+                      <a:round/>
+                      <a:headEnd type="none" w="med" len="med"/>
+                      <a:tailEnd type="none" w="med" len="med"/>
+                    </a:lnT>
+                    <a:lnB w="6350" cap="flat" cmpd="sng" algn="ctr">
+                      <a:solidFill>
+                        <a:srgbClr val="AEAAAA"/>
+                      </a:solidFill>
+                      <a:prstDash val="solid"/>
+                      <a:round/>
+                      <a:headEnd type="none" w="med" len="med"/>
+                      <a:tailEnd type="none" w="med" len="med"/>
+                    </a:lnB>
+                  </a:tcPr>
+                </a:tc>
+                <a:tc>
+                  <a:txBody>
+                    <a:bodyPr/>
+                    <a:lstStyle/>
+                    <a:p>
+                      <a:pPr algn="l" fontAlgn="ctr"/>
+                      <a:r>
+                        <a:rPr lang="en-US" sz="800" b="0" i="0" u="none" strike="noStrike">
+                          <a:solidFill>
+                            <a:srgbClr val="000000"/>
+                          </a:solidFill>
+                          <a:effectLst/>
+                          <a:latin typeface="Segoe UI" panose="020B0502040204020203" pitchFamily="34" charset="0"/>
+                        </a:rPr>
+                        <a:t>American IPA</a:t>
+                      </a:r>
+                    </a:p>
+                  </a:txBody>
+                  <a:tcPr marL="8524" marR="8524" marT="8524" marB="0" anchor="ctr">
+                    <a:lnL w="6350" cap="flat" cmpd="sng" algn="ctr">
+                      <a:solidFill>
+                        <a:srgbClr val="AEAAAA"/>
+                      </a:solidFill>
+                      <a:prstDash val="solid"/>
+                      <a:round/>
+                      <a:headEnd type="none" w="med" len="med"/>
+                      <a:tailEnd type="none" w="med" len="med"/>
+                    </a:lnL>
+                    <a:lnR w="6350" cap="flat" cmpd="sng" algn="ctr">
+                      <a:solidFill>
+                        <a:srgbClr val="AEAAAA"/>
+                      </a:solidFill>
+                      <a:prstDash val="solid"/>
+                      <a:round/>
+                      <a:headEnd type="none" w="med" len="med"/>
+                      <a:tailEnd type="none" w="med" len="med"/>
+                    </a:lnR>
+                    <a:lnT w="6350" cap="flat" cmpd="sng" algn="ctr">
+                      <a:solidFill>
+                        <a:srgbClr val="AEAAAA"/>
+                      </a:solidFill>
+                      <a:prstDash val="solid"/>
+                      <a:round/>
+                      <a:headEnd type="none" w="med" len="med"/>
+                      <a:tailEnd type="none" w="med" len="med"/>
+                    </a:lnT>
+                    <a:lnB w="6350" cap="flat" cmpd="sng" algn="ctr">
+                      <a:solidFill>
+                        <a:srgbClr val="AEAAAA"/>
+                      </a:solidFill>
+                      <a:prstDash val="solid"/>
+                      <a:round/>
+                      <a:headEnd type="none" w="med" len="med"/>
+                      <a:tailEnd type="none" w="med" len="med"/>
+                    </a:lnB>
+                  </a:tcPr>
+                </a:tc>
+                <a:tc>
+                  <a:txBody>
+                    <a:bodyPr/>
+                    <a:lstStyle/>
+                    <a:p>
+                      <a:pPr algn="r" fontAlgn="ctr"/>
+                      <a:r>
+                        <a:rPr lang="en-US" sz="800" b="0" i="0" u="none" strike="noStrike">
+                          <a:solidFill>
+                            <a:srgbClr val="000000"/>
+                          </a:solidFill>
+                          <a:effectLst/>
+                          <a:latin typeface="Segoe UI" panose="020B0502040204020203" pitchFamily="34" charset="0"/>
+                        </a:rPr>
+                        <a:t>12</a:t>
+                      </a:r>
+                    </a:p>
+                  </a:txBody>
+                  <a:tcPr marL="8524" marR="8524" marT="8524" marB="0" anchor="ctr">
+                    <a:lnL w="6350" cap="flat" cmpd="sng" algn="ctr">
+                      <a:solidFill>
+                        <a:srgbClr val="AEAAAA"/>
+                      </a:solidFill>
+                      <a:prstDash val="solid"/>
+                      <a:round/>
+                      <a:headEnd type="none" w="med" len="med"/>
+                      <a:tailEnd type="none" w="med" len="med"/>
+                    </a:lnL>
+                    <a:lnR w="6350" cap="flat" cmpd="sng" algn="ctr">
+                      <a:solidFill>
+                        <a:srgbClr val="AEAAAA"/>
+                      </a:solidFill>
+                      <a:prstDash val="solid"/>
+                      <a:round/>
+                      <a:headEnd type="none" w="med" len="med"/>
+                      <a:tailEnd type="none" w="med" len="med"/>
+                    </a:lnR>
+                    <a:lnT w="6350" cap="flat" cmpd="sng" algn="ctr">
+                      <a:solidFill>
+                        <a:srgbClr val="AEAAAA"/>
+                      </a:solidFill>
+                      <a:prstDash val="solid"/>
+                      <a:round/>
+                      <a:headEnd type="none" w="med" len="med"/>
+                      <a:tailEnd type="none" w="med" len="med"/>
+                    </a:lnT>
+                    <a:lnB w="6350" cap="flat" cmpd="sng" algn="ctr">
+                      <a:solidFill>
+                        <a:srgbClr val="AEAAAA"/>
+                      </a:solidFill>
+                      <a:prstDash val="solid"/>
+                      <a:round/>
+                      <a:headEnd type="none" w="med" len="med"/>
+                      <a:tailEnd type="none" w="med" len="med"/>
+                    </a:lnB>
+                  </a:tcPr>
+                </a:tc>
+                <a:extLst>
+                  <a:ext uri="{0D108BD9-81ED-4DB2-BD59-A6C34878D82A}">
+                    <a16:rowId xmlns:a16="http://schemas.microsoft.com/office/drawing/2014/main" val="1156886366"/>
+                  </a:ext>
+                </a:extLst>
+              </a:tr>
+              <a:tr h="204587">
+                <a:tc>
+                  <a:txBody>
+                    <a:bodyPr/>
+                    <a:lstStyle/>
+                    <a:p>
+                      <a:pPr algn="l" fontAlgn="ctr"/>
+                      <a:r>
+                        <a:rPr lang="en-US" sz="800" b="0" i="0" u="none" strike="noStrike">
+                          <a:solidFill>
+                            <a:srgbClr val="000000"/>
+                          </a:solidFill>
+                          <a:effectLst/>
+                          <a:latin typeface="Segoe UI" panose="020B0502040204020203" pitchFamily="34" charset="0"/>
+                        </a:rPr>
+                        <a:t>TX</a:t>
+                      </a:r>
+                    </a:p>
+                  </a:txBody>
+                  <a:tcPr marL="8524" marR="8524" marT="8524" marB="0" anchor="ctr">
+                    <a:lnL w="6350" cap="flat" cmpd="sng" algn="ctr">
+                      <a:solidFill>
+                        <a:srgbClr val="AEAAAA"/>
+                      </a:solidFill>
+                      <a:prstDash val="solid"/>
+                      <a:round/>
+                      <a:headEnd type="none" w="med" len="med"/>
+                      <a:tailEnd type="none" w="med" len="med"/>
+                    </a:lnL>
+                    <a:lnR w="6350" cap="flat" cmpd="sng" algn="ctr">
+                      <a:solidFill>
+                        <a:srgbClr val="AEAAAA"/>
+                      </a:solidFill>
+                      <a:prstDash val="solid"/>
+                      <a:round/>
+                      <a:headEnd type="none" w="med" len="med"/>
+                      <a:tailEnd type="none" w="med" len="med"/>
+                    </a:lnR>
+                    <a:lnT w="6350" cap="flat" cmpd="sng" algn="ctr">
+                      <a:solidFill>
+                        <a:srgbClr val="AEAAAA"/>
+                      </a:solidFill>
+                      <a:prstDash val="solid"/>
+                      <a:round/>
+                      <a:headEnd type="none" w="med" len="med"/>
+                      <a:tailEnd type="none" w="med" len="med"/>
+                    </a:lnT>
+                    <a:lnB w="6350" cap="flat" cmpd="sng" algn="ctr">
+                      <a:solidFill>
+                        <a:srgbClr val="AEAAAA"/>
+                      </a:solidFill>
+                      <a:prstDash val="solid"/>
+                      <a:round/>
+                      <a:headEnd type="none" w="med" len="med"/>
+                      <a:tailEnd type="none" w="med" len="med"/>
+                    </a:lnB>
+                  </a:tcPr>
+                </a:tc>
+                <a:tc>
+                  <a:txBody>
+                    <a:bodyPr/>
+                    <a:lstStyle/>
+                    <a:p>
+                      <a:pPr algn="l" fontAlgn="ctr"/>
+                      <a:r>
+                        <a:rPr lang="en-US" sz="800" b="0" i="0" u="none" strike="noStrike">
+                          <a:solidFill>
+                            <a:srgbClr val="000000"/>
+                          </a:solidFill>
+                          <a:effectLst/>
+                          <a:latin typeface="Segoe UI" panose="020B0502040204020203" pitchFamily="34" charset="0"/>
+                        </a:rPr>
+                        <a:t>American Blonde Ale</a:t>
+                      </a:r>
+                    </a:p>
+                  </a:txBody>
+                  <a:tcPr marL="8524" marR="8524" marT="8524" marB="0" anchor="ctr">
+                    <a:lnL w="6350" cap="flat" cmpd="sng" algn="ctr">
+                      <a:solidFill>
+                        <a:srgbClr val="AEAAAA"/>
+                      </a:solidFill>
+                      <a:prstDash val="solid"/>
+                      <a:round/>
+                      <a:headEnd type="none" w="med" len="med"/>
+                      <a:tailEnd type="none" w="med" len="med"/>
+                    </a:lnL>
+                    <a:lnR w="6350" cap="flat" cmpd="sng" algn="ctr">
+                      <a:solidFill>
+                        <a:srgbClr val="AEAAAA"/>
+                      </a:solidFill>
+                      <a:prstDash val="solid"/>
+                      <a:round/>
+                      <a:headEnd type="none" w="med" len="med"/>
+                      <a:tailEnd type="none" w="med" len="med"/>
+                    </a:lnR>
+                    <a:lnT w="6350" cap="flat" cmpd="sng" algn="ctr">
+                      <a:solidFill>
+                        <a:srgbClr val="AEAAAA"/>
+                      </a:solidFill>
+                      <a:prstDash val="solid"/>
+                      <a:round/>
+                      <a:headEnd type="none" w="med" len="med"/>
+                      <a:tailEnd type="none" w="med" len="med"/>
+                    </a:lnT>
+                    <a:lnB w="6350" cap="flat" cmpd="sng" algn="ctr">
+                      <a:solidFill>
+                        <a:srgbClr val="AEAAAA"/>
+                      </a:solidFill>
+                      <a:prstDash val="solid"/>
+                      <a:round/>
+                      <a:headEnd type="none" w="med" len="med"/>
+                      <a:tailEnd type="none" w="med" len="med"/>
+                    </a:lnB>
+                  </a:tcPr>
+                </a:tc>
+                <a:tc>
+                  <a:txBody>
+                    <a:bodyPr/>
+                    <a:lstStyle/>
+                    <a:p>
+                      <a:pPr algn="r" fontAlgn="ctr"/>
+                      <a:r>
+                        <a:rPr lang="en-US" sz="800" b="0" i="0" u="none" strike="noStrike" dirty="0">
+                          <a:solidFill>
+                            <a:srgbClr val="000000"/>
+                          </a:solidFill>
+                          <a:effectLst/>
+                          <a:latin typeface="Segoe UI" panose="020B0502040204020203" pitchFamily="34" charset="0"/>
+                        </a:rPr>
+                        <a:t>10</a:t>
+                      </a:r>
+                    </a:p>
+                  </a:txBody>
+                  <a:tcPr marL="8524" marR="8524" marT="8524" marB="0" anchor="ctr">
+                    <a:lnL w="6350" cap="flat" cmpd="sng" algn="ctr">
+                      <a:solidFill>
+                        <a:srgbClr val="AEAAAA"/>
+                      </a:solidFill>
+                      <a:prstDash val="solid"/>
+                      <a:round/>
+                      <a:headEnd type="none" w="med" len="med"/>
+                      <a:tailEnd type="none" w="med" len="med"/>
+                    </a:lnL>
+                    <a:lnR w="6350" cap="flat" cmpd="sng" algn="ctr">
+                      <a:solidFill>
+                        <a:srgbClr val="AEAAAA"/>
+                      </a:solidFill>
+                      <a:prstDash val="solid"/>
+                      <a:round/>
+                      <a:headEnd type="none" w="med" len="med"/>
+                      <a:tailEnd type="none" w="med" len="med"/>
+                    </a:lnR>
+                    <a:lnT w="6350" cap="flat" cmpd="sng" algn="ctr">
+                      <a:solidFill>
+                        <a:srgbClr val="AEAAAA"/>
+                      </a:solidFill>
+                      <a:prstDash val="solid"/>
+                      <a:round/>
+                      <a:headEnd type="none" w="med" len="med"/>
+                      <a:tailEnd type="none" w="med" len="med"/>
+                    </a:lnT>
+                    <a:lnB w="6350" cap="flat" cmpd="sng" algn="ctr">
+                      <a:solidFill>
+                        <a:srgbClr val="AEAAAA"/>
+                      </a:solidFill>
+                      <a:prstDash val="solid"/>
+                      <a:round/>
+                      <a:headEnd type="none" w="med" len="med"/>
+                      <a:tailEnd type="none" w="med" len="med"/>
+                    </a:lnB>
+                  </a:tcPr>
+                </a:tc>
+                <a:extLst>
+                  <a:ext uri="{0D108BD9-81ED-4DB2-BD59-A6C34878D82A}">
+                    <a16:rowId xmlns:a16="http://schemas.microsoft.com/office/drawing/2014/main" val="3878487401"/>
+                  </a:ext>
+                </a:extLst>
+              </a:tr>
+            </a:tbl>
+          </a:graphicData>
+        </a:graphic>
+      </p:graphicFrame>
+      <p:graphicFrame>
+        <p:nvGraphicFramePr>
+          <p:cNvPr id="8" name="Table 7">
+            <a:extLst>
+              <a:ext uri="{FF2B5EF4-FFF2-40B4-BE49-F238E27FC236}">
+                <a16:creationId xmlns:a16="http://schemas.microsoft.com/office/drawing/2014/main" id="{39A59984-D776-42A7-B2A6-84DD9D522F39}"/>
+              </a:ext>
+            </a:extLst>
+          </p:cNvPr>
+          <p:cNvGraphicFramePr>
+            <a:graphicFrameLocks noGrp="1"/>
+          </p:cNvGraphicFramePr>
+          <p:nvPr>
+            <p:extLst>
+              <p:ext uri="{D42A27DB-BD31-4B8C-83A1-F6EECF244321}">
+                <p14:modId xmlns:p14="http://schemas.microsoft.com/office/powerpoint/2010/main" val="4074087431"/>
+              </p:ext>
+            </p:extLst>
+          </p:nvPr>
+        </p:nvGraphicFramePr>
+        <p:xfrm>
+          <a:off x="7550870" y="2832471"/>
+          <a:ext cx="4310204" cy="1656323"/>
+        </p:xfrm>
+        <a:graphic>
+          <a:graphicData uri="http://schemas.openxmlformats.org/drawingml/2006/table">
+            <a:tbl>
+              <a:tblPr/>
+              <a:tblGrid>
+                <a:gridCol w="1063054">
+                  <a:extLst>
+                    <a:ext uri="{9D8B030D-6E8A-4147-A177-3AD203B41FA5}">
+                      <a16:colId xmlns:a16="http://schemas.microsoft.com/office/drawing/2014/main" val="458743111"/>
+                    </a:ext>
+                  </a:extLst>
+                </a:gridCol>
+                <a:gridCol w="2358049">
+                  <a:extLst>
+                    <a:ext uri="{9D8B030D-6E8A-4147-A177-3AD203B41FA5}">
+                      <a16:colId xmlns:a16="http://schemas.microsoft.com/office/drawing/2014/main" val="1044505405"/>
+                    </a:ext>
+                  </a:extLst>
+                </a:gridCol>
+                <a:gridCol w="889101">
+                  <a:extLst>
+                    <a:ext uri="{9D8B030D-6E8A-4147-A177-3AD203B41FA5}">
+                      <a16:colId xmlns:a16="http://schemas.microsoft.com/office/drawing/2014/main" val="1228899128"/>
+                    </a:ext>
+                  </a:extLst>
+                </a:gridCol>
+              </a:tblGrid>
+              <a:tr h="204587">
+                <a:tc gridSpan="3">
+                  <a:txBody>
+                    <a:bodyPr/>
+                    <a:lstStyle/>
+                    <a:p>
+                      <a:pPr algn="l" fontAlgn="t"/>
+                      <a:r>
+                        <a:rPr lang="en-US" sz="800" b="1" i="0" u="none" strike="noStrike">
+                          <a:solidFill>
+                            <a:srgbClr val="000000"/>
+                          </a:solidFill>
+                          <a:effectLst/>
+                          <a:latin typeface="Segoe UI" panose="020B0502040204020203" pitchFamily="34" charset="0"/>
+                        </a:rPr>
+                        <a:t>Least popular beer types in CO and TX</a:t>
+                      </a:r>
+                    </a:p>
+                  </a:txBody>
+                  <a:tcPr marL="102293" marR="102293" marT="51147" marB="51147">
+                    <a:lnL w="6350" cap="flat" cmpd="sng" algn="ctr">
+                      <a:solidFill>
+                        <a:srgbClr val="AEAAAA"/>
+                      </a:solidFill>
+                      <a:prstDash val="solid"/>
+                      <a:round/>
+                      <a:headEnd type="none" w="med" len="med"/>
+                      <a:tailEnd type="none" w="med" len="med"/>
+                    </a:lnL>
+                    <a:lnR w="6350" cap="flat" cmpd="sng" algn="ctr">
+                      <a:solidFill>
+                        <a:srgbClr val="AEAAAA"/>
+                      </a:solidFill>
+                      <a:prstDash val="solid"/>
+                      <a:round/>
+                      <a:headEnd type="none" w="med" len="med"/>
+                      <a:tailEnd type="none" w="med" len="med"/>
+                    </a:lnR>
+                    <a:lnT w="6350" cap="flat" cmpd="sng" algn="ctr">
+                      <a:solidFill>
+                        <a:srgbClr val="AEAAAA"/>
+                      </a:solidFill>
+                      <a:prstDash val="solid"/>
+                      <a:round/>
+                      <a:headEnd type="none" w="med" len="med"/>
+                      <a:tailEnd type="none" w="med" len="med"/>
+                    </a:lnT>
+                    <a:lnB w="6350" cap="flat" cmpd="sng" algn="ctr">
+                      <a:solidFill>
+                        <a:srgbClr val="AEAAAA"/>
+                      </a:solidFill>
+                      <a:prstDash val="solid"/>
+                      <a:round/>
+                      <a:headEnd type="none" w="med" len="med"/>
+                      <a:tailEnd type="none" w="med" len="med"/>
+                    </a:lnB>
+                  </a:tcPr>
+                </a:tc>
+                <a:tc hMerge="1">
+                  <a:txBody>
+                    <a:bodyPr/>
+                    <a:lstStyle/>
+                    <a:p>
+                      <a:endParaRPr lang="en-US"/>
+                    </a:p>
+                  </a:txBody>
+                  <a:tcPr/>
+                </a:tc>
+                <a:tc hMerge="1">
+                  <a:txBody>
+                    <a:bodyPr/>
+                    <a:lstStyle/>
+                    <a:p>
+                      <a:endParaRPr lang="en-US"/>
+                    </a:p>
+                  </a:txBody>
+                  <a:tcPr/>
+                </a:tc>
+                <a:extLst>
+                  <a:ext uri="{0D108BD9-81ED-4DB2-BD59-A6C34878D82A}">
+                    <a16:rowId xmlns:a16="http://schemas.microsoft.com/office/drawing/2014/main" val="3961388826"/>
+                  </a:ext>
+                </a:extLst>
+              </a:tr>
+              <a:tr h="204587">
+                <a:tc>
+                  <a:txBody>
+                    <a:bodyPr/>
+                    <a:lstStyle/>
+                    <a:p>
+                      <a:pPr algn="l" fontAlgn="t"/>
+                      <a:r>
+                        <a:rPr lang="en-US" sz="800" b="1" i="0" u="none" strike="noStrike" dirty="0">
+                          <a:solidFill>
+                            <a:srgbClr val="000000"/>
+                          </a:solidFill>
+                          <a:effectLst/>
+                          <a:latin typeface="Segoe UI" panose="020B0502040204020203" pitchFamily="34" charset="0"/>
+                        </a:rPr>
+                        <a:t>State</a:t>
+                      </a:r>
+                    </a:p>
+                  </a:txBody>
+                  <a:tcPr marL="8524" marR="8524" marT="8524" marB="0">
+                    <a:lnL w="6350" cap="flat" cmpd="sng" algn="ctr">
+                      <a:solidFill>
+                        <a:srgbClr val="AEAAAA"/>
+                      </a:solidFill>
+                      <a:prstDash val="solid"/>
+                      <a:round/>
+                      <a:headEnd type="none" w="med" len="med"/>
+                      <a:tailEnd type="none" w="med" len="med"/>
+                    </a:lnL>
+                    <a:lnR w="6350" cap="flat" cmpd="sng" algn="ctr">
+                      <a:solidFill>
+                        <a:srgbClr val="AEAAAA"/>
+                      </a:solidFill>
+                      <a:prstDash val="solid"/>
+                      <a:round/>
+                      <a:headEnd type="none" w="med" len="med"/>
+                      <a:tailEnd type="none" w="med" len="med"/>
+                    </a:lnR>
+                    <a:lnT w="6350" cap="flat" cmpd="sng" algn="ctr">
+                      <a:solidFill>
+                        <a:srgbClr val="AEAAAA"/>
+                      </a:solidFill>
+                      <a:prstDash val="solid"/>
+                      <a:round/>
+                      <a:headEnd type="none" w="med" len="med"/>
+                      <a:tailEnd type="none" w="med" len="med"/>
+                    </a:lnT>
+                    <a:lnB w="6350" cap="flat" cmpd="sng" algn="ctr">
+                      <a:solidFill>
+                        <a:srgbClr val="AEAAAA"/>
+                      </a:solidFill>
+                      <a:prstDash val="solid"/>
+                      <a:round/>
+                      <a:headEnd type="none" w="med" len="med"/>
+                      <a:tailEnd type="none" w="med" len="med"/>
+                    </a:lnB>
+                  </a:tcPr>
+                </a:tc>
+                <a:tc>
+                  <a:txBody>
+                    <a:bodyPr/>
+                    <a:lstStyle/>
+                    <a:p>
+                      <a:pPr algn="l" fontAlgn="t"/>
+                      <a:r>
+                        <a:rPr lang="en-US" sz="800" b="1" i="0" u="none" strike="noStrike">
+                          <a:solidFill>
+                            <a:srgbClr val="000000"/>
+                          </a:solidFill>
+                          <a:effectLst/>
+                          <a:latin typeface="Segoe UI" panose="020B0502040204020203" pitchFamily="34" charset="0"/>
+                        </a:rPr>
+                        <a:t>Least Popular Beers</a:t>
+                      </a:r>
+                    </a:p>
+                  </a:txBody>
+                  <a:tcPr marL="8524" marR="8524" marT="8524" marB="0">
+                    <a:lnL w="6350" cap="flat" cmpd="sng" algn="ctr">
+                      <a:solidFill>
+                        <a:srgbClr val="AEAAAA"/>
+                      </a:solidFill>
+                      <a:prstDash val="solid"/>
+                      <a:round/>
+                      <a:headEnd type="none" w="med" len="med"/>
+                      <a:tailEnd type="none" w="med" len="med"/>
+                    </a:lnL>
+                    <a:lnR w="6350" cap="flat" cmpd="sng" algn="ctr">
+                      <a:solidFill>
+                        <a:srgbClr val="AEAAAA"/>
+                      </a:solidFill>
+                      <a:prstDash val="solid"/>
+                      <a:round/>
+                      <a:headEnd type="none" w="med" len="med"/>
+                      <a:tailEnd type="none" w="med" len="med"/>
+                    </a:lnR>
+                    <a:lnT w="6350" cap="flat" cmpd="sng" algn="ctr">
+                      <a:solidFill>
+                        <a:srgbClr val="AEAAAA"/>
+                      </a:solidFill>
+                      <a:prstDash val="solid"/>
+                      <a:round/>
+                      <a:headEnd type="none" w="med" len="med"/>
+                      <a:tailEnd type="none" w="med" len="med"/>
+                    </a:lnT>
+                    <a:lnB w="6350" cap="flat" cmpd="sng" algn="ctr">
+                      <a:solidFill>
+                        <a:srgbClr val="AEAAAA"/>
+                      </a:solidFill>
+                      <a:prstDash val="solid"/>
+                      <a:round/>
+                      <a:headEnd type="none" w="med" len="med"/>
+                      <a:tailEnd type="none" w="med" len="med"/>
+                    </a:lnB>
+                  </a:tcPr>
+                </a:tc>
+                <a:tc>
+                  <a:txBody>
+                    <a:bodyPr/>
+                    <a:lstStyle/>
+                    <a:p>
+                      <a:pPr algn="r" fontAlgn="t"/>
+                      <a:r>
+                        <a:rPr lang="en-US" sz="800" b="1" i="0" u="none" strike="noStrike">
+                          <a:solidFill>
+                            <a:srgbClr val="000000"/>
+                          </a:solidFill>
+                          <a:effectLst/>
+                          <a:latin typeface="Segoe UI" panose="020B0502040204020203" pitchFamily="34" charset="0"/>
+                        </a:rPr>
+                        <a:t>      Count</a:t>
+                      </a:r>
+                    </a:p>
+                  </a:txBody>
+                  <a:tcPr marL="8524" marR="8524" marT="8524" marB="0">
+                    <a:lnL w="6350" cap="flat" cmpd="sng" algn="ctr">
+                      <a:solidFill>
+                        <a:srgbClr val="AEAAAA"/>
+                      </a:solidFill>
+                      <a:prstDash val="solid"/>
+                      <a:round/>
+                      <a:headEnd type="none" w="med" len="med"/>
+                      <a:tailEnd type="none" w="med" len="med"/>
+                    </a:lnL>
+                    <a:lnR w="6350" cap="flat" cmpd="sng" algn="ctr">
+                      <a:solidFill>
+                        <a:srgbClr val="AEAAAA"/>
+                      </a:solidFill>
+                      <a:prstDash val="solid"/>
+                      <a:round/>
+                      <a:headEnd type="none" w="med" len="med"/>
+                      <a:tailEnd type="none" w="med" len="med"/>
+                    </a:lnR>
+                    <a:lnT w="6350" cap="flat" cmpd="sng" algn="ctr">
+                      <a:solidFill>
+                        <a:srgbClr val="AEAAAA"/>
+                      </a:solidFill>
+                      <a:prstDash val="solid"/>
+                      <a:round/>
+                      <a:headEnd type="none" w="med" len="med"/>
+                      <a:tailEnd type="none" w="med" len="med"/>
+                    </a:lnT>
+                    <a:lnB w="6350" cap="flat" cmpd="sng" algn="ctr">
+                      <a:solidFill>
+                        <a:srgbClr val="AEAAAA"/>
+                      </a:solidFill>
+                      <a:prstDash val="solid"/>
+                      <a:round/>
+                      <a:headEnd type="none" w="med" len="med"/>
+                      <a:tailEnd type="none" w="med" len="med"/>
+                    </a:lnB>
+                  </a:tcPr>
+                </a:tc>
+                <a:extLst>
+                  <a:ext uri="{0D108BD9-81ED-4DB2-BD59-A6C34878D82A}">
+                    <a16:rowId xmlns:a16="http://schemas.microsoft.com/office/drawing/2014/main" val="1281226309"/>
+                  </a:ext>
+                </a:extLst>
+              </a:tr>
+              <a:tr h="204587">
+                <a:tc>
+                  <a:txBody>
+                    <a:bodyPr/>
+                    <a:lstStyle/>
+                    <a:p>
+                      <a:pPr algn="l" fontAlgn="ctr"/>
+                      <a:r>
+                        <a:rPr lang="en-US" sz="800" b="0" i="0" u="none" strike="noStrike">
+                          <a:solidFill>
+                            <a:srgbClr val="000000"/>
+                          </a:solidFill>
+                          <a:effectLst/>
+                          <a:latin typeface="Segoe UI" panose="020B0502040204020203" pitchFamily="34" charset="0"/>
+                        </a:rPr>
+                        <a:t>CO</a:t>
+                      </a:r>
+                    </a:p>
+                  </a:txBody>
+                  <a:tcPr marL="8524" marR="8524" marT="8524" marB="0" anchor="ctr">
+                    <a:lnL w="6350" cap="flat" cmpd="sng" algn="ctr">
+                      <a:solidFill>
+                        <a:srgbClr val="AEAAAA"/>
+                      </a:solidFill>
+                      <a:prstDash val="solid"/>
+                      <a:round/>
+                      <a:headEnd type="none" w="med" len="med"/>
+                      <a:tailEnd type="none" w="med" len="med"/>
+                    </a:lnL>
+                    <a:lnR w="6350" cap="flat" cmpd="sng" algn="ctr">
+                      <a:solidFill>
+                        <a:srgbClr val="AEAAAA"/>
+                      </a:solidFill>
+                      <a:prstDash val="solid"/>
+                      <a:round/>
+                      <a:headEnd type="none" w="med" len="med"/>
+                      <a:tailEnd type="none" w="med" len="med"/>
+                    </a:lnR>
+                    <a:lnT w="6350" cap="flat" cmpd="sng" algn="ctr">
+                      <a:solidFill>
+                        <a:srgbClr val="AEAAAA"/>
+                      </a:solidFill>
+                      <a:prstDash val="solid"/>
+                      <a:round/>
+                      <a:headEnd type="none" w="med" len="med"/>
+                      <a:tailEnd type="none" w="med" len="med"/>
+                    </a:lnT>
+                    <a:lnB w="6350" cap="flat" cmpd="sng" algn="ctr">
+                      <a:solidFill>
+                        <a:srgbClr val="AEAAAA"/>
+                      </a:solidFill>
+                      <a:prstDash val="solid"/>
+                      <a:round/>
+                      <a:headEnd type="none" w="med" len="med"/>
+                      <a:tailEnd type="none" w="med" len="med"/>
+                    </a:lnB>
+                  </a:tcPr>
+                </a:tc>
+                <a:tc>
+                  <a:txBody>
+                    <a:bodyPr/>
+                    <a:lstStyle/>
+                    <a:p>
+                      <a:pPr algn="l" fontAlgn="ctr"/>
+                      <a:r>
+                        <a:rPr lang="en-US" sz="800" b="0" i="0" u="none" strike="noStrike">
+                          <a:solidFill>
+                            <a:srgbClr val="000000"/>
+                          </a:solidFill>
+                          <a:effectLst/>
+                          <a:latin typeface="Segoe UI" panose="020B0502040204020203" pitchFamily="34" charset="0"/>
+                        </a:rPr>
+                        <a:t>Rye Beer</a:t>
+                      </a:r>
+                    </a:p>
+                  </a:txBody>
+                  <a:tcPr marL="8524" marR="8524" marT="8524" marB="0" anchor="ctr">
+                    <a:lnL w="6350" cap="flat" cmpd="sng" algn="ctr">
+                      <a:solidFill>
+                        <a:srgbClr val="AEAAAA"/>
+                      </a:solidFill>
+                      <a:prstDash val="solid"/>
+                      <a:round/>
+                      <a:headEnd type="none" w="med" len="med"/>
+                      <a:tailEnd type="none" w="med" len="med"/>
+                    </a:lnL>
+                    <a:lnR w="6350" cap="flat" cmpd="sng" algn="ctr">
+                      <a:solidFill>
+                        <a:srgbClr val="AEAAAA"/>
+                      </a:solidFill>
+                      <a:prstDash val="solid"/>
+                      <a:round/>
+                      <a:headEnd type="none" w="med" len="med"/>
+                      <a:tailEnd type="none" w="med" len="med"/>
+                    </a:lnR>
+                    <a:lnT w="6350" cap="flat" cmpd="sng" algn="ctr">
+                      <a:solidFill>
+                        <a:srgbClr val="AEAAAA"/>
+                      </a:solidFill>
+                      <a:prstDash val="solid"/>
+                      <a:round/>
+                      <a:headEnd type="none" w="med" len="med"/>
+                      <a:tailEnd type="none" w="med" len="med"/>
+                    </a:lnT>
+                    <a:lnB w="6350" cap="flat" cmpd="sng" algn="ctr">
+                      <a:solidFill>
+                        <a:srgbClr val="AEAAAA"/>
+                      </a:solidFill>
+                      <a:prstDash val="solid"/>
+                      <a:round/>
+                      <a:headEnd type="none" w="med" len="med"/>
+                      <a:tailEnd type="none" w="med" len="med"/>
+                    </a:lnB>
+                  </a:tcPr>
+                </a:tc>
+                <a:tc>
+                  <a:txBody>
+                    <a:bodyPr/>
+                    <a:lstStyle/>
+                    <a:p>
+                      <a:pPr algn="r" fontAlgn="ctr"/>
+                      <a:r>
+                        <a:rPr lang="en-US" sz="800" b="0" i="0" u="none" strike="noStrike">
+                          <a:solidFill>
+                            <a:srgbClr val="000000"/>
+                          </a:solidFill>
+                          <a:effectLst/>
+                          <a:latin typeface="Segoe UI" panose="020B0502040204020203" pitchFamily="34" charset="0"/>
+                        </a:rPr>
+                        <a:t>3</a:t>
+                      </a:r>
+                    </a:p>
+                  </a:txBody>
+                  <a:tcPr marL="8524" marR="8524" marT="8524" marB="0" anchor="ctr">
+                    <a:lnL w="6350" cap="flat" cmpd="sng" algn="ctr">
+                      <a:solidFill>
+                        <a:srgbClr val="AEAAAA"/>
+                      </a:solidFill>
+                      <a:prstDash val="solid"/>
+                      <a:round/>
+                      <a:headEnd type="none" w="med" len="med"/>
+                      <a:tailEnd type="none" w="med" len="med"/>
+                    </a:lnL>
+                    <a:lnR w="6350" cap="flat" cmpd="sng" algn="ctr">
+                      <a:solidFill>
+                        <a:srgbClr val="AEAAAA"/>
+                      </a:solidFill>
+                      <a:prstDash val="solid"/>
+                      <a:round/>
+                      <a:headEnd type="none" w="med" len="med"/>
+                      <a:tailEnd type="none" w="med" len="med"/>
+                    </a:lnR>
+                    <a:lnT w="6350" cap="flat" cmpd="sng" algn="ctr">
+                      <a:solidFill>
+                        <a:srgbClr val="AEAAAA"/>
+                      </a:solidFill>
+                      <a:prstDash val="solid"/>
+                      <a:round/>
+                      <a:headEnd type="none" w="med" len="med"/>
+                      <a:tailEnd type="none" w="med" len="med"/>
+                    </a:lnT>
+                    <a:lnB w="6350" cap="flat" cmpd="sng" algn="ctr">
+                      <a:solidFill>
+                        <a:srgbClr val="AEAAAA"/>
+                      </a:solidFill>
+                      <a:prstDash val="solid"/>
+                      <a:round/>
+                      <a:headEnd type="none" w="med" len="med"/>
+                      <a:tailEnd type="none" w="med" len="med"/>
+                    </a:lnB>
+                  </a:tcPr>
+                </a:tc>
+                <a:extLst>
+                  <a:ext uri="{0D108BD9-81ED-4DB2-BD59-A6C34878D82A}">
+                    <a16:rowId xmlns:a16="http://schemas.microsoft.com/office/drawing/2014/main" val="3630949452"/>
+                  </a:ext>
+                </a:extLst>
+              </a:tr>
+              <a:tr h="204587">
+                <a:tc>
+                  <a:txBody>
+                    <a:bodyPr/>
+                    <a:lstStyle/>
+                    <a:p>
+                      <a:pPr algn="l" fontAlgn="ctr"/>
+                      <a:r>
+                        <a:rPr lang="en-US" sz="800" b="0" i="0" u="none" strike="noStrike">
+                          <a:solidFill>
+                            <a:srgbClr val="000000"/>
+                          </a:solidFill>
+                          <a:effectLst/>
+                          <a:latin typeface="Segoe UI" panose="020B0502040204020203" pitchFamily="34" charset="0"/>
+                        </a:rPr>
+                        <a:t>CO</a:t>
+                      </a:r>
+                    </a:p>
+                  </a:txBody>
+                  <a:tcPr marL="8524" marR="8524" marT="8524" marB="0" anchor="ctr">
+                    <a:lnL w="6350" cap="flat" cmpd="sng" algn="ctr">
+                      <a:solidFill>
+                        <a:srgbClr val="AEAAAA"/>
+                      </a:solidFill>
+                      <a:prstDash val="solid"/>
+                      <a:round/>
+                      <a:headEnd type="none" w="med" len="med"/>
+                      <a:tailEnd type="none" w="med" len="med"/>
+                    </a:lnL>
+                    <a:lnR w="6350" cap="flat" cmpd="sng" algn="ctr">
+                      <a:solidFill>
+                        <a:srgbClr val="AEAAAA"/>
+                      </a:solidFill>
+                      <a:prstDash val="solid"/>
+                      <a:round/>
+                      <a:headEnd type="none" w="med" len="med"/>
+                      <a:tailEnd type="none" w="med" len="med"/>
+                    </a:lnR>
+                    <a:lnT w="6350" cap="flat" cmpd="sng" algn="ctr">
+                      <a:solidFill>
+                        <a:srgbClr val="AEAAAA"/>
+                      </a:solidFill>
+                      <a:prstDash val="solid"/>
+                      <a:round/>
+                      <a:headEnd type="none" w="med" len="med"/>
+                      <a:tailEnd type="none" w="med" len="med"/>
+                    </a:lnT>
+                    <a:lnB w="6350" cap="flat" cmpd="sng" algn="ctr">
+                      <a:solidFill>
+                        <a:srgbClr val="AEAAAA"/>
+                      </a:solidFill>
+                      <a:prstDash val="solid"/>
+                      <a:round/>
+                      <a:headEnd type="none" w="med" len="med"/>
+                      <a:tailEnd type="none" w="med" len="med"/>
+                    </a:lnB>
+                  </a:tcPr>
+                </a:tc>
+                <a:tc>
+                  <a:txBody>
+                    <a:bodyPr/>
+                    <a:lstStyle/>
+                    <a:p>
+                      <a:pPr algn="l" fontAlgn="ctr"/>
+                      <a:r>
+                        <a:rPr lang="en-US" sz="800" b="0" i="0" u="none" strike="noStrike">
+                          <a:solidFill>
+                            <a:srgbClr val="000000"/>
+                          </a:solidFill>
+                          <a:effectLst/>
+                          <a:latin typeface="Segoe UI" panose="020B0502040204020203" pitchFamily="34" charset="0"/>
+                        </a:rPr>
+                        <a:t>Schwarzbier</a:t>
+                      </a:r>
+                    </a:p>
+                  </a:txBody>
+                  <a:tcPr marL="8524" marR="8524" marT="8524" marB="0" anchor="ctr">
+                    <a:lnL w="6350" cap="flat" cmpd="sng" algn="ctr">
+                      <a:solidFill>
+                        <a:srgbClr val="AEAAAA"/>
+                      </a:solidFill>
+                      <a:prstDash val="solid"/>
+                      <a:round/>
+                      <a:headEnd type="none" w="med" len="med"/>
+                      <a:tailEnd type="none" w="med" len="med"/>
+                    </a:lnL>
+                    <a:lnR w="6350" cap="flat" cmpd="sng" algn="ctr">
+                      <a:solidFill>
+                        <a:srgbClr val="AEAAAA"/>
+                      </a:solidFill>
+                      <a:prstDash val="solid"/>
+                      <a:round/>
+                      <a:headEnd type="none" w="med" len="med"/>
+                      <a:tailEnd type="none" w="med" len="med"/>
+                    </a:lnR>
+                    <a:lnT w="6350" cap="flat" cmpd="sng" algn="ctr">
+                      <a:solidFill>
+                        <a:srgbClr val="AEAAAA"/>
+                      </a:solidFill>
+                      <a:prstDash val="solid"/>
+                      <a:round/>
+                      <a:headEnd type="none" w="med" len="med"/>
+                      <a:tailEnd type="none" w="med" len="med"/>
+                    </a:lnT>
+                    <a:lnB w="6350" cap="flat" cmpd="sng" algn="ctr">
+                      <a:solidFill>
+                        <a:srgbClr val="AEAAAA"/>
+                      </a:solidFill>
+                      <a:prstDash val="solid"/>
+                      <a:round/>
+                      <a:headEnd type="none" w="med" len="med"/>
+                      <a:tailEnd type="none" w="med" len="med"/>
+                    </a:lnB>
+                  </a:tcPr>
+                </a:tc>
+                <a:tc>
+                  <a:txBody>
+                    <a:bodyPr/>
+                    <a:lstStyle/>
+                    <a:p>
+                      <a:pPr algn="r" fontAlgn="ctr"/>
+                      <a:r>
+                        <a:rPr lang="en-US" sz="800" b="0" i="0" u="none" strike="noStrike">
+                          <a:solidFill>
+                            <a:srgbClr val="000000"/>
+                          </a:solidFill>
+                          <a:effectLst/>
+                          <a:latin typeface="Segoe UI" panose="020B0502040204020203" pitchFamily="34" charset="0"/>
+                        </a:rPr>
+                        <a:t>4</a:t>
+                      </a:r>
+                    </a:p>
+                  </a:txBody>
+                  <a:tcPr marL="8524" marR="8524" marT="8524" marB="0" anchor="ctr">
+                    <a:lnL w="6350" cap="flat" cmpd="sng" algn="ctr">
+                      <a:solidFill>
+                        <a:srgbClr val="AEAAAA"/>
+                      </a:solidFill>
+                      <a:prstDash val="solid"/>
+                      <a:round/>
+                      <a:headEnd type="none" w="med" len="med"/>
+                      <a:tailEnd type="none" w="med" len="med"/>
+                    </a:lnL>
+                    <a:lnR w="6350" cap="flat" cmpd="sng" algn="ctr">
+                      <a:solidFill>
+                        <a:srgbClr val="AEAAAA"/>
+                      </a:solidFill>
+                      <a:prstDash val="solid"/>
+                      <a:round/>
+                      <a:headEnd type="none" w="med" len="med"/>
+                      <a:tailEnd type="none" w="med" len="med"/>
+                    </a:lnR>
+                    <a:lnT w="6350" cap="flat" cmpd="sng" algn="ctr">
+                      <a:solidFill>
+                        <a:srgbClr val="AEAAAA"/>
+                      </a:solidFill>
+                      <a:prstDash val="solid"/>
+                      <a:round/>
+                      <a:headEnd type="none" w="med" len="med"/>
+                      <a:tailEnd type="none" w="med" len="med"/>
+                    </a:lnT>
+                    <a:lnB w="6350" cap="flat" cmpd="sng" algn="ctr">
+                      <a:solidFill>
+                        <a:srgbClr val="AEAAAA"/>
+                      </a:solidFill>
+                      <a:prstDash val="solid"/>
+                      <a:round/>
+                      <a:headEnd type="none" w="med" len="med"/>
+                      <a:tailEnd type="none" w="med" len="med"/>
+                    </a:lnB>
+                  </a:tcPr>
+                </a:tc>
+                <a:extLst>
+                  <a:ext uri="{0D108BD9-81ED-4DB2-BD59-A6C34878D82A}">
+                    <a16:rowId xmlns:a16="http://schemas.microsoft.com/office/drawing/2014/main" val="2561474089"/>
+                  </a:ext>
+                </a:extLst>
+              </a:tr>
+              <a:tr h="204587">
+                <a:tc>
+                  <a:txBody>
+                    <a:bodyPr/>
+                    <a:lstStyle/>
+                    <a:p>
+                      <a:pPr algn="l" fontAlgn="ctr"/>
+                      <a:r>
+                        <a:rPr lang="en-US" sz="800" b="0" i="0" u="none" strike="noStrike">
+                          <a:solidFill>
+                            <a:srgbClr val="000000"/>
+                          </a:solidFill>
+                          <a:effectLst/>
+                          <a:latin typeface="Segoe UI" panose="020B0502040204020203" pitchFamily="34" charset="0"/>
+                        </a:rPr>
+                        <a:t>CO</a:t>
+                      </a:r>
+                    </a:p>
+                  </a:txBody>
+                  <a:tcPr marL="8524" marR="8524" marT="8524" marB="0" anchor="ctr">
+                    <a:lnL w="6350" cap="flat" cmpd="sng" algn="ctr">
+                      <a:solidFill>
+                        <a:srgbClr val="AEAAAA"/>
+                      </a:solidFill>
+                      <a:prstDash val="solid"/>
+                      <a:round/>
+                      <a:headEnd type="none" w="med" len="med"/>
+                      <a:tailEnd type="none" w="med" len="med"/>
+                    </a:lnL>
+                    <a:lnR w="6350" cap="flat" cmpd="sng" algn="ctr">
+                      <a:solidFill>
+                        <a:srgbClr val="AEAAAA"/>
+                      </a:solidFill>
+                      <a:prstDash val="solid"/>
+                      <a:round/>
+                      <a:headEnd type="none" w="med" len="med"/>
+                      <a:tailEnd type="none" w="med" len="med"/>
+                    </a:lnR>
+                    <a:lnT w="6350" cap="flat" cmpd="sng" algn="ctr">
+                      <a:solidFill>
+                        <a:srgbClr val="AEAAAA"/>
+                      </a:solidFill>
+                      <a:prstDash val="solid"/>
+                      <a:round/>
+                      <a:headEnd type="none" w="med" len="med"/>
+                      <a:tailEnd type="none" w="med" len="med"/>
+                    </a:lnT>
+                    <a:lnB w="6350" cap="flat" cmpd="sng" algn="ctr">
+                      <a:solidFill>
+                        <a:srgbClr val="AEAAAA"/>
+                      </a:solidFill>
+                      <a:prstDash val="solid"/>
+                      <a:round/>
+                      <a:headEnd type="none" w="med" len="med"/>
+                      <a:tailEnd type="none" w="med" len="med"/>
+                    </a:lnB>
+                  </a:tcPr>
+                </a:tc>
+                <a:tc>
+                  <a:txBody>
+                    <a:bodyPr/>
+                    <a:lstStyle/>
+                    <a:p>
+                      <a:pPr algn="l" fontAlgn="ctr"/>
+                      <a:r>
+                        <a:rPr lang="en-US" sz="800" b="0" i="0" u="none" strike="noStrike">
+                          <a:solidFill>
+                            <a:srgbClr val="000000"/>
+                          </a:solidFill>
+                          <a:effectLst/>
+                          <a:latin typeface="Segoe UI" panose="020B0502040204020203" pitchFamily="34" charset="0"/>
+                        </a:rPr>
+                        <a:t>Tripel</a:t>
+                      </a:r>
+                    </a:p>
+                  </a:txBody>
+                  <a:tcPr marL="8524" marR="8524" marT="8524" marB="0" anchor="ctr">
+                    <a:lnL w="6350" cap="flat" cmpd="sng" algn="ctr">
+                      <a:solidFill>
+                        <a:srgbClr val="AEAAAA"/>
+                      </a:solidFill>
+                      <a:prstDash val="solid"/>
+                      <a:round/>
+                      <a:headEnd type="none" w="med" len="med"/>
+                      <a:tailEnd type="none" w="med" len="med"/>
+                    </a:lnL>
+                    <a:lnR w="6350" cap="flat" cmpd="sng" algn="ctr">
+                      <a:solidFill>
+                        <a:srgbClr val="AEAAAA"/>
+                      </a:solidFill>
+                      <a:prstDash val="solid"/>
+                      <a:round/>
+                      <a:headEnd type="none" w="med" len="med"/>
+                      <a:tailEnd type="none" w="med" len="med"/>
+                    </a:lnR>
+                    <a:lnT w="6350" cap="flat" cmpd="sng" algn="ctr">
+                      <a:solidFill>
+                        <a:srgbClr val="AEAAAA"/>
+                      </a:solidFill>
+                      <a:prstDash val="solid"/>
+                      <a:round/>
+                      <a:headEnd type="none" w="med" len="med"/>
+                      <a:tailEnd type="none" w="med" len="med"/>
+                    </a:lnT>
+                    <a:lnB w="6350" cap="flat" cmpd="sng" algn="ctr">
+                      <a:solidFill>
+                        <a:srgbClr val="AEAAAA"/>
+                      </a:solidFill>
+                      <a:prstDash val="solid"/>
+                      <a:round/>
+                      <a:headEnd type="none" w="med" len="med"/>
+                      <a:tailEnd type="none" w="med" len="med"/>
+                    </a:lnB>
+                  </a:tcPr>
+                </a:tc>
+                <a:tc>
+                  <a:txBody>
+                    <a:bodyPr/>
+                    <a:lstStyle/>
+                    <a:p>
+                      <a:pPr algn="r" fontAlgn="ctr"/>
+                      <a:r>
+                        <a:rPr lang="en-US" sz="800" b="0" i="0" u="none" strike="noStrike">
+                          <a:solidFill>
+                            <a:srgbClr val="000000"/>
+                          </a:solidFill>
+                          <a:effectLst/>
+                          <a:latin typeface="Segoe UI" panose="020B0502040204020203" pitchFamily="34" charset="0"/>
+                        </a:rPr>
+                        <a:t>5</a:t>
+                      </a:r>
+                    </a:p>
+                  </a:txBody>
+                  <a:tcPr marL="8524" marR="8524" marT="8524" marB="0" anchor="ctr">
+                    <a:lnL w="6350" cap="flat" cmpd="sng" algn="ctr">
+                      <a:solidFill>
+                        <a:srgbClr val="AEAAAA"/>
+                      </a:solidFill>
+                      <a:prstDash val="solid"/>
+                      <a:round/>
+                      <a:headEnd type="none" w="med" len="med"/>
+                      <a:tailEnd type="none" w="med" len="med"/>
+                    </a:lnL>
+                    <a:lnR w="6350" cap="flat" cmpd="sng" algn="ctr">
+                      <a:solidFill>
+                        <a:srgbClr val="AEAAAA"/>
+                      </a:solidFill>
+                      <a:prstDash val="solid"/>
+                      <a:round/>
+                      <a:headEnd type="none" w="med" len="med"/>
+                      <a:tailEnd type="none" w="med" len="med"/>
+                    </a:lnR>
+                    <a:lnT w="6350" cap="flat" cmpd="sng" algn="ctr">
+                      <a:solidFill>
+                        <a:srgbClr val="AEAAAA"/>
+                      </a:solidFill>
+                      <a:prstDash val="solid"/>
+                      <a:round/>
+                      <a:headEnd type="none" w="med" len="med"/>
+                      <a:tailEnd type="none" w="med" len="med"/>
+                    </a:lnT>
+                    <a:lnB w="6350" cap="flat" cmpd="sng" algn="ctr">
+                      <a:solidFill>
+                        <a:srgbClr val="AEAAAA"/>
+                      </a:solidFill>
+                      <a:prstDash val="solid"/>
+                      <a:round/>
+                      <a:headEnd type="none" w="med" len="med"/>
+                      <a:tailEnd type="none" w="med" len="med"/>
+                    </a:lnB>
+                  </a:tcPr>
+                </a:tc>
+                <a:extLst>
+                  <a:ext uri="{0D108BD9-81ED-4DB2-BD59-A6C34878D82A}">
+                    <a16:rowId xmlns:a16="http://schemas.microsoft.com/office/drawing/2014/main" val="1514401653"/>
+                  </a:ext>
+                </a:extLst>
+              </a:tr>
+              <a:tr h="204587">
+                <a:tc>
+                  <a:txBody>
+                    <a:bodyPr/>
+                    <a:lstStyle/>
+                    <a:p>
+                      <a:pPr algn="l" fontAlgn="ctr"/>
+                      <a:r>
+                        <a:rPr lang="en-US" sz="800" b="0" i="0" u="none" strike="noStrike">
+                          <a:solidFill>
+                            <a:srgbClr val="000000"/>
+                          </a:solidFill>
+                          <a:effectLst/>
+                          <a:latin typeface="Segoe UI" panose="020B0502040204020203" pitchFamily="34" charset="0"/>
+                        </a:rPr>
+                        <a:t>TX</a:t>
+                      </a:r>
+                    </a:p>
+                  </a:txBody>
+                  <a:tcPr marL="8524" marR="8524" marT="8524" marB="0" anchor="ctr">
+                    <a:lnL w="6350" cap="flat" cmpd="sng" algn="ctr">
+                      <a:solidFill>
+                        <a:srgbClr val="AEAAAA"/>
+                      </a:solidFill>
+                      <a:prstDash val="solid"/>
+                      <a:round/>
+                      <a:headEnd type="none" w="med" len="med"/>
+                      <a:tailEnd type="none" w="med" len="med"/>
+                    </a:lnL>
+                    <a:lnR w="6350" cap="flat" cmpd="sng" algn="ctr">
+                      <a:solidFill>
+                        <a:srgbClr val="AEAAAA"/>
+                      </a:solidFill>
+                      <a:prstDash val="solid"/>
+                      <a:round/>
+                      <a:headEnd type="none" w="med" len="med"/>
+                      <a:tailEnd type="none" w="med" len="med"/>
+                    </a:lnR>
+                    <a:lnT w="6350" cap="flat" cmpd="sng" algn="ctr">
+                      <a:solidFill>
+                        <a:srgbClr val="AEAAAA"/>
+                      </a:solidFill>
+                      <a:prstDash val="solid"/>
+                      <a:round/>
+                      <a:headEnd type="none" w="med" len="med"/>
+                      <a:tailEnd type="none" w="med" len="med"/>
+                    </a:lnT>
+                    <a:lnB w="6350" cap="flat" cmpd="sng" algn="ctr">
+                      <a:solidFill>
+                        <a:srgbClr val="AEAAAA"/>
+                      </a:solidFill>
+                      <a:prstDash val="solid"/>
+                      <a:round/>
+                      <a:headEnd type="none" w="med" len="med"/>
+                      <a:tailEnd type="none" w="med" len="med"/>
+                    </a:lnB>
+                  </a:tcPr>
+                </a:tc>
+                <a:tc>
+                  <a:txBody>
+                    <a:bodyPr/>
+                    <a:lstStyle/>
+                    <a:p>
+                      <a:pPr algn="l" fontAlgn="ctr"/>
+                      <a:r>
+                        <a:rPr lang="en-US" sz="800" b="0" i="0" u="none" strike="noStrike">
+                          <a:solidFill>
+                            <a:srgbClr val="000000"/>
+                          </a:solidFill>
+                          <a:effectLst/>
+                          <a:latin typeface="Segoe UI" panose="020B0502040204020203" pitchFamily="34" charset="0"/>
+                        </a:rPr>
+                        <a:t>Rye Beer</a:t>
+                      </a:r>
+                    </a:p>
+                  </a:txBody>
+                  <a:tcPr marL="8524" marR="8524" marT="8524" marB="0" anchor="ctr">
+                    <a:lnL w="6350" cap="flat" cmpd="sng" algn="ctr">
+                      <a:solidFill>
+                        <a:srgbClr val="AEAAAA"/>
+                      </a:solidFill>
+                      <a:prstDash val="solid"/>
+                      <a:round/>
+                      <a:headEnd type="none" w="med" len="med"/>
+                      <a:tailEnd type="none" w="med" len="med"/>
+                    </a:lnL>
+                    <a:lnR w="6350" cap="flat" cmpd="sng" algn="ctr">
+                      <a:solidFill>
+                        <a:srgbClr val="AEAAAA"/>
+                      </a:solidFill>
+                      <a:prstDash val="solid"/>
+                      <a:round/>
+                      <a:headEnd type="none" w="med" len="med"/>
+                      <a:tailEnd type="none" w="med" len="med"/>
+                    </a:lnR>
+                    <a:lnT w="6350" cap="flat" cmpd="sng" algn="ctr">
+                      <a:solidFill>
+                        <a:srgbClr val="AEAAAA"/>
+                      </a:solidFill>
+                      <a:prstDash val="solid"/>
+                      <a:round/>
+                      <a:headEnd type="none" w="med" len="med"/>
+                      <a:tailEnd type="none" w="med" len="med"/>
+                    </a:lnT>
+                    <a:lnB w="6350" cap="flat" cmpd="sng" algn="ctr">
+                      <a:solidFill>
+                        <a:srgbClr val="AEAAAA"/>
+                      </a:solidFill>
+                      <a:prstDash val="solid"/>
+                      <a:round/>
+                      <a:headEnd type="none" w="med" len="med"/>
+                      <a:tailEnd type="none" w="med" len="med"/>
+                    </a:lnB>
+                  </a:tcPr>
+                </a:tc>
+                <a:tc>
+                  <a:txBody>
+                    <a:bodyPr/>
+                    <a:lstStyle/>
+                    <a:p>
+                      <a:pPr algn="r" fontAlgn="ctr"/>
+                      <a:r>
+                        <a:rPr lang="en-US" sz="800" b="0" i="0" u="none" strike="noStrike" dirty="0">
+                          <a:solidFill>
+                            <a:srgbClr val="000000"/>
+                          </a:solidFill>
+                          <a:effectLst/>
+                          <a:latin typeface="Segoe UI" panose="020B0502040204020203" pitchFamily="34" charset="0"/>
+                        </a:rPr>
+                        <a:t>8</a:t>
+                      </a:r>
+                    </a:p>
+                  </a:txBody>
+                  <a:tcPr marL="8524" marR="8524" marT="8524" marB="0" anchor="ctr">
+                    <a:lnL w="6350" cap="flat" cmpd="sng" algn="ctr">
+                      <a:solidFill>
+                        <a:srgbClr val="AEAAAA"/>
+                      </a:solidFill>
+                      <a:prstDash val="solid"/>
+                      <a:round/>
+                      <a:headEnd type="none" w="med" len="med"/>
+                      <a:tailEnd type="none" w="med" len="med"/>
+                    </a:lnL>
+                    <a:lnR w="6350" cap="flat" cmpd="sng" algn="ctr">
+                      <a:solidFill>
+                        <a:srgbClr val="AEAAAA"/>
+                      </a:solidFill>
+                      <a:prstDash val="solid"/>
+                      <a:round/>
+                      <a:headEnd type="none" w="med" len="med"/>
+                      <a:tailEnd type="none" w="med" len="med"/>
+                    </a:lnR>
+                    <a:lnT w="6350" cap="flat" cmpd="sng" algn="ctr">
+                      <a:solidFill>
+                        <a:srgbClr val="AEAAAA"/>
+                      </a:solidFill>
+                      <a:prstDash val="solid"/>
+                      <a:round/>
+                      <a:headEnd type="none" w="med" len="med"/>
+                      <a:tailEnd type="none" w="med" len="med"/>
+                    </a:lnT>
+                    <a:lnB w="6350" cap="flat" cmpd="sng" algn="ctr">
+                      <a:solidFill>
+                        <a:srgbClr val="AEAAAA"/>
+                      </a:solidFill>
+                      <a:prstDash val="solid"/>
+                      <a:round/>
+                      <a:headEnd type="none" w="med" len="med"/>
+                      <a:tailEnd type="none" w="med" len="med"/>
+                    </a:lnB>
+                  </a:tcPr>
+                </a:tc>
+                <a:extLst>
+                  <a:ext uri="{0D108BD9-81ED-4DB2-BD59-A6C34878D82A}">
+                    <a16:rowId xmlns:a16="http://schemas.microsoft.com/office/drawing/2014/main" val="2785955090"/>
+                  </a:ext>
+                </a:extLst>
+              </a:tr>
+              <a:tr h="204587">
+                <a:tc>
+                  <a:txBody>
+                    <a:bodyPr/>
+                    <a:lstStyle/>
+                    <a:p>
+                      <a:pPr algn="l" fontAlgn="ctr"/>
+                      <a:r>
+                        <a:rPr lang="en-US" sz="800" b="0" i="0" u="none" strike="noStrike">
+                          <a:solidFill>
+                            <a:srgbClr val="000000"/>
+                          </a:solidFill>
+                          <a:effectLst/>
+                          <a:latin typeface="Segoe UI" panose="020B0502040204020203" pitchFamily="34" charset="0"/>
+                        </a:rPr>
+                        <a:t>TX</a:t>
+                      </a:r>
+                    </a:p>
+                  </a:txBody>
+                  <a:tcPr marL="8524" marR="8524" marT="8524" marB="0" anchor="ctr">
+                    <a:lnL w="6350" cap="flat" cmpd="sng" algn="ctr">
+                      <a:solidFill>
+                        <a:srgbClr val="AEAAAA"/>
+                      </a:solidFill>
+                      <a:prstDash val="solid"/>
+                      <a:round/>
+                      <a:headEnd type="none" w="med" len="med"/>
+                      <a:tailEnd type="none" w="med" len="med"/>
+                    </a:lnL>
+                    <a:lnR w="6350" cap="flat" cmpd="sng" algn="ctr">
+                      <a:solidFill>
+                        <a:srgbClr val="AEAAAA"/>
+                      </a:solidFill>
+                      <a:prstDash val="solid"/>
+                      <a:round/>
+                      <a:headEnd type="none" w="med" len="med"/>
+                      <a:tailEnd type="none" w="med" len="med"/>
+                    </a:lnR>
+                    <a:lnT w="6350" cap="flat" cmpd="sng" algn="ctr">
+                      <a:solidFill>
+                        <a:srgbClr val="AEAAAA"/>
+                      </a:solidFill>
+                      <a:prstDash val="solid"/>
+                      <a:round/>
+                      <a:headEnd type="none" w="med" len="med"/>
+                      <a:tailEnd type="none" w="med" len="med"/>
+                    </a:lnT>
+                    <a:lnB w="6350" cap="flat" cmpd="sng" algn="ctr">
+                      <a:solidFill>
+                        <a:srgbClr val="AEAAAA"/>
+                      </a:solidFill>
+                      <a:prstDash val="solid"/>
+                      <a:round/>
+                      <a:headEnd type="none" w="med" len="med"/>
+                      <a:tailEnd type="none" w="med" len="med"/>
+                    </a:lnB>
+                  </a:tcPr>
+                </a:tc>
+                <a:tc>
+                  <a:txBody>
+                    <a:bodyPr/>
+                    <a:lstStyle/>
+                    <a:p>
+                      <a:pPr algn="l" fontAlgn="ctr"/>
+                      <a:r>
+                        <a:rPr lang="en-US" sz="800" b="0" i="0" u="none" strike="noStrike">
+                          <a:solidFill>
+                            <a:srgbClr val="000000"/>
+                          </a:solidFill>
+                          <a:effectLst/>
+                          <a:latin typeface="Segoe UI" panose="020B0502040204020203" pitchFamily="34" charset="0"/>
+                        </a:rPr>
+                        <a:t>Schwarzbier</a:t>
+                      </a:r>
+                    </a:p>
+                  </a:txBody>
+                  <a:tcPr marL="8524" marR="8524" marT="8524" marB="0" anchor="ctr">
+                    <a:lnL w="6350" cap="flat" cmpd="sng" algn="ctr">
+                      <a:solidFill>
+                        <a:srgbClr val="AEAAAA"/>
+                      </a:solidFill>
+                      <a:prstDash val="solid"/>
+                      <a:round/>
+                      <a:headEnd type="none" w="med" len="med"/>
+                      <a:tailEnd type="none" w="med" len="med"/>
+                    </a:lnL>
+                    <a:lnR w="6350" cap="flat" cmpd="sng" algn="ctr">
+                      <a:solidFill>
+                        <a:srgbClr val="AEAAAA"/>
+                      </a:solidFill>
+                      <a:prstDash val="solid"/>
+                      <a:round/>
+                      <a:headEnd type="none" w="med" len="med"/>
+                      <a:tailEnd type="none" w="med" len="med"/>
+                    </a:lnR>
+                    <a:lnT w="6350" cap="flat" cmpd="sng" algn="ctr">
+                      <a:solidFill>
+                        <a:srgbClr val="AEAAAA"/>
+                      </a:solidFill>
+                      <a:prstDash val="solid"/>
+                      <a:round/>
+                      <a:headEnd type="none" w="med" len="med"/>
+                      <a:tailEnd type="none" w="med" len="med"/>
+                    </a:lnT>
+                    <a:lnB w="6350" cap="flat" cmpd="sng" algn="ctr">
+                      <a:solidFill>
+                        <a:srgbClr val="AEAAAA"/>
+                      </a:solidFill>
+                      <a:prstDash val="solid"/>
+                      <a:round/>
+                      <a:headEnd type="none" w="med" len="med"/>
+                      <a:tailEnd type="none" w="med" len="med"/>
+                    </a:lnB>
+                  </a:tcPr>
+                </a:tc>
+                <a:tc>
+                  <a:txBody>
+                    <a:bodyPr/>
+                    <a:lstStyle/>
+                    <a:p>
+                      <a:pPr algn="r" fontAlgn="ctr"/>
+                      <a:r>
+                        <a:rPr lang="en-US" sz="800" b="0" i="0" u="none" strike="noStrike">
+                          <a:solidFill>
+                            <a:srgbClr val="000000"/>
+                          </a:solidFill>
+                          <a:effectLst/>
+                          <a:latin typeface="Segoe UI" panose="020B0502040204020203" pitchFamily="34" charset="0"/>
+                        </a:rPr>
+                        <a:t>9</a:t>
+                      </a:r>
+                    </a:p>
+                  </a:txBody>
+                  <a:tcPr marL="8524" marR="8524" marT="8524" marB="0" anchor="ctr">
+                    <a:lnL w="6350" cap="flat" cmpd="sng" algn="ctr">
+                      <a:solidFill>
+                        <a:srgbClr val="AEAAAA"/>
+                      </a:solidFill>
+                      <a:prstDash val="solid"/>
+                      <a:round/>
+                      <a:headEnd type="none" w="med" len="med"/>
+                      <a:tailEnd type="none" w="med" len="med"/>
+                    </a:lnL>
+                    <a:lnR w="6350" cap="flat" cmpd="sng" algn="ctr">
+                      <a:solidFill>
+                        <a:srgbClr val="AEAAAA"/>
+                      </a:solidFill>
+                      <a:prstDash val="solid"/>
+                      <a:round/>
+                      <a:headEnd type="none" w="med" len="med"/>
+                      <a:tailEnd type="none" w="med" len="med"/>
+                    </a:lnR>
+                    <a:lnT w="6350" cap="flat" cmpd="sng" algn="ctr">
+                      <a:solidFill>
+                        <a:srgbClr val="AEAAAA"/>
+                      </a:solidFill>
+                      <a:prstDash val="solid"/>
+                      <a:round/>
+                      <a:headEnd type="none" w="med" len="med"/>
+                      <a:tailEnd type="none" w="med" len="med"/>
+                    </a:lnT>
+                    <a:lnB w="6350" cap="flat" cmpd="sng" algn="ctr">
+                      <a:solidFill>
+                        <a:srgbClr val="AEAAAA"/>
+                      </a:solidFill>
+                      <a:prstDash val="solid"/>
+                      <a:round/>
+                      <a:headEnd type="none" w="med" len="med"/>
+                      <a:tailEnd type="none" w="med" len="med"/>
+                    </a:lnB>
+                  </a:tcPr>
+                </a:tc>
+                <a:extLst>
+                  <a:ext uri="{0D108BD9-81ED-4DB2-BD59-A6C34878D82A}">
+                    <a16:rowId xmlns:a16="http://schemas.microsoft.com/office/drawing/2014/main" val="2427304092"/>
+                  </a:ext>
+                </a:extLst>
+              </a:tr>
+              <a:tr h="204587">
+                <a:tc>
+                  <a:txBody>
+                    <a:bodyPr/>
+                    <a:lstStyle/>
+                    <a:p>
+                      <a:pPr algn="l" fontAlgn="ctr"/>
+                      <a:r>
+                        <a:rPr lang="en-US" sz="800" b="0" i="0" u="none" strike="noStrike">
+                          <a:solidFill>
+                            <a:srgbClr val="000000"/>
+                          </a:solidFill>
+                          <a:effectLst/>
+                          <a:latin typeface="Segoe UI" panose="020B0502040204020203" pitchFamily="34" charset="0"/>
+                        </a:rPr>
+                        <a:t>TX</a:t>
+                      </a:r>
+                    </a:p>
+                  </a:txBody>
+                  <a:tcPr marL="8524" marR="8524" marT="8524" marB="0" anchor="ctr">
+                    <a:lnL w="6350" cap="flat" cmpd="sng" algn="ctr">
+                      <a:solidFill>
+                        <a:srgbClr val="AEAAAA"/>
+                      </a:solidFill>
+                      <a:prstDash val="solid"/>
+                      <a:round/>
+                      <a:headEnd type="none" w="med" len="med"/>
+                      <a:tailEnd type="none" w="med" len="med"/>
+                    </a:lnL>
+                    <a:lnR w="6350" cap="flat" cmpd="sng" algn="ctr">
+                      <a:solidFill>
+                        <a:srgbClr val="AEAAAA"/>
+                      </a:solidFill>
+                      <a:prstDash val="solid"/>
+                      <a:round/>
+                      <a:headEnd type="none" w="med" len="med"/>
+                      <a:tailEnd type="none" w="med" len="med"/>
+                    </a:lnR>
+                    <a:lnT w="6350" cap="flat" cmpd="sng" algn="ctr">
+                      <a:solidFill>
+                        <a:srgbClr val="AEAAAA"/>
+                      </a:solidFill>
+                      <a:prstDash val="solid"/>
+                      <a:round/>
+                      <a:headEnd type="none" w="med" len="med"/>
+                      <a:tailEnd type="none" w="med" len="med"/>
+                    </a:lnT>
+                    <a:lnB w="6350" cap="flat" cmpd="sng" algn="ctr">
+                      <a:solidFill>
+                        <a:srgbClr val="AEAAAA"/>
+                      </a:solidFill>
+                      <a:prstDash val="solid"/>
+                      <a:round/>
+                      <a:headEnd type="none" w="med" len="med"/>
+                      <a:tailEnd type="none" w="med" len="med"/>
+                    </a:lnB>
+                  </a:tcPr>
+                </a:tc>
+                <a:tc>
+                  <a:txBody>
+                    <a:bodyPr/>
+                    <a:lstStyle/>
+                    <a:p>
+                      <a:pPr algn="l" fontAlgn="ctr"/>
+                      <a:r>
+                        <a:rPr lang="en-US" sz="800" b="0" i="0" u="none" strike="noStrike">
+                          <a:solidFill>
+                            <a:srgbClr val="000000"/>
+                          </a:solidFill>
+                          <a:effectLst/>
+                          <a:latin typeface="Segoe UI" panose="020B0502040204020203" pitchFamily="34" charset="0"/>
+                        </a:rPr>
+                        <a:t>Smoked Beer</a:t>
+                      </a:r>
+                    </a:p>
+                  </a:txBody>
+                  <a:tcPr marL="8524" marR="8524" marT="8524" marB="0" anchor="ctr">
+                    <a:lnL w="6350" cap="flat" cmpd="sng" algn="ctr">
+                      <a:solidFill>
+                        <a:srgbClr val="AEAAAA"/>
+                      </a:solidFill>
+                      <a:prstDash val="solid"/>
+                      <a:round/>
+                      <a:headEnd type="none" w="med" len="med"/>
+                      <a:tailEnd type="none" w="med" len="med"/>
+                    </a:lnL>
+                    <a:lnR w="6350" cap="flat" cmpd="sng" algn="ctr">
+                      <a:solidFill>
+                        <a:srgbClr val="AEAAAA"/>
+                      </a:solidFill>
+                      <a:prstDash val="solid"/>
+                      <a:round/>
+                      <a:headEnd type="none" w="med" len="med"/>
+                      <a:tailEnd type="none" w="med" len="med"/>
+                    </a:lnR>
+                    <a:lnT w="6350" cap="flat" cmpd="sng" algn="ctr">
+                      <a:solidFill>
+                        <a:srgbClr val="AEAAAA"/>
+                      </a:solidFill>
+                      <a:prstDash val="solid"/>
+                      <a:round/>
+                      <a:headEnd type="none" w="med" len="med"/>
+                      <a:tailEnd type="none" w="med" len="med"/>
+                    </a:lnT>
+                    <a:lnB w="6350" cap="flat" cmpd="sng" algn="ctr">
+                      <a:solidFill>
+                        <a:srgbClr val="AEAAAA"/>
+                      </a:solidFill>
+                      <a:prstDash val="solid"/>
+                      <a:round/>
+                      <a:headEnd type="none" w="med" len="med"/>
+                      <a:tailEnd type="none" w="med" len="med"/>
+                    </a:lnB>
+                  </a:tcPr>
+                </a:tc>
+                <a:tc>
+                  <a:txBody>
+                    <a:bodyPr/>
+                    <a:lstStyle/>
+                    <a:p>
+                      <a:pPr algn="r" fontAlgn="ctr"/>
+                      <a:r>
+                        <a:rPr lang="en-US" sz="800" b="0" i="0" u="none" strike="noStrike" dirty="0">
+                          <a:solidFill>
+                            <a:srgbClr val="000000"/>
+                          </a:solidFill>
+                          <a:effectLst/>
+                          <a:latin typeface="Segoe UI" panose="020B0502040204020203" pitchFamily="34" charset="0"/>
+                        </a:rPr>
+                        <a:t>10</a:t>
+                      </a:r>
+                    </a:p>
+                  </a:txBody>
+                  <a:tcPr marL="8524" marR="8524" marT="8524" marB="0" anchor="ctr">
+                    <a:lnL w="6350" cap="flat" cmpd="sng" algn="ctr">
+                      <a:solidFill>
+                        <a:srgbClr val="AEAAAA"/>
+                      </a:solidFill>
+                      <a:prstDash val="solid"/>
+                      <a:round/>
+                      <a:headEnd type="none" w="med" len="med"/>
+                      <a:tailEnd type="none" w="med" len="med"/>
+                    </a:lnL>
+                    <a:lnR w="6350" cap="flat" cmpd="sng" algn="ctr">
+                      <a:solidFill>
+                        <a:srgbClr val="AEAAAA"/>
+                      </a:solidFill>
+                      <a:prstDash val="solid"/>
+                      <a:round/>
+                      <a:headEnd type="none" w="med" len="med"/>
+                      <a:tailEnd type="none" w="med" len="med"/>
+                    </a:lnR>
+                    <a:lnT w="6350" cap="flat" cmpd="sng" algn="ctr">
+                      <a:solidFill>
+                        <a:srgbClr val="AEAAAA"/>
+                      </a:solidFill>
+                      <a:prstDash val="solid"/>
+                      <a:round/>
+                      <a:headEnd type="none" w="med" len="med"/>
+                      <a:tailEnd type="none" w="med" len="med"/>
+                    </a:lnT>
+                    <a:lnB w="6350" cap="flat" cmpd="sng" algn="ctr">
+                      <a:solidFill>
+                        <a:srgbClr val="AEAAAA"/>
+                      </a:solidFill>
+                      <a:prstDash val="solid"/>
+                      <a:round/>
+                      <a:headEnd type="none" w="med" len="med"/>
+                      <a:tailEnd type="none" w="med" len="med"/>
+                    </a:lnB>
+                  </a:tcPr>
+                </a:tc>
+                <a:extLst>
+                  <a:ext uri="{0D108BD9-81ED-4DB2-BD59-A6C34878D82A}">
+                    <a16:rowId xmlns:a16="http://schemas.microsoft.com/office/drawing/2014/main" val="2208837348"/>
+                  </a:ext>
+                </a:extLst>
+              </a:tr>
+            </a:tbl>
+          </a:graphicData>
+        </a:graphic>
+      </p:graphicFrame>
+      <p:sp>
+        <p:nvSpPr>
+          <p:cNvPr id="22" name="TextBox 21">
+            <a:extLst>
+              <a:ext uri="{FF2B5EF4-FFF2-40B4-BE49-F238E27FC236}">
+                <a16:creationId xmlns:a16="http://schemas.microsoft.com/office/drawing/2014/main" id="{290180CC-3FAE-4C05-80A5-C668EB0DC894}"/>
+              </a:ext>
+            </a:extLst>
+          </p:cNvPr>
+          <p:cNvSpPr txBox="1"/>
+          <p:nvPr/>
+        </p:nvSpPr>
+        <p:spPr>
+          <a:xfrm>
+            <a:off x="7550871" y="4552182"/>
+            <a:ext cx="4310204" cy="600164"/>
+          </a:xfrm>
+          <a:prstGeom prst="rect">
+            <a:avLst/>
+          </a:prstGeom>
+          <a:noFill/>
+        </p:spPr>
+        <p:txBody>
+          <a:bodyPr wrap="square">
+            <a:spAutoFit/>
+          </a:bodyPr>
+          <a:lstStyle/>
+          <a:p>
+            <a:r>
+              <a:rPr lang="en-US" sz="1100" dirty="0">
+                <a:solidFill>
+                  <a:schemeClr val="tx1">
+                    <a:lumMod val="50000"/>
+                    <a:lumOff val="50000"/>
+                  </a:schemeClr>
+                </a:solidFill>
+                <a:latin typeface="Calibri" panose="020F0502020204030204" pitchFamily="34" charset="0"/>
+                <a:cs typeface="Calibri" panose="020F0502020204030204" pitchFamily="34" charset="0"/>
+              </a:rPr>
+              <a:t>* popularity only determined based on number of beer styles in each market, and is not indexed to include production or consumption metrics. </a:t>
+            </a:r>
+          </a:p>
+        </p:txBody>
+      </p:sp>
+    </p:spTree>
+    <p:extLst>
+      <p:ext uri="{BB962C8B-B14F-4D97-AF65-F5344CB8AC3E}">
+        <p14:creationId xmlns:p14="http://schemas.microsoft.com/office/powerpoint/2010/main" val="1124311215"/>
+      </p:ext>
+    </p:extLst>
+  </p:cSld>
+  <p:clrMapOvr>
+    <a:masterClrMapping/>
+  </p:clrMapOvr>
+</p:sld>
+</file>
+
+<file path=ppt/slides/slide2.xml><?xml version="1.0" encoding="utf-8"?>
+<p:sld xmlns:a="http://schemas.openxmlformats.org/drawingml/2006/main" xmlns:r="http://schemas.openxmlformats.org/officeDocument/2006/relationships" xmlns:p="http://schemas.openxmlformats.org/presentationml/2006/main">
+  <p:cSld>
+    <p:spTree>
+      <p:nvGrpSpPr>
+        <p:cNvPr id="1" name=""/>
+        <p:cNvGrpSpPr/>
+        <p:nvPr/>
+      </p:nvGrpSpPr>
+      <p:grpSpPr>
+        <a:xfrm>
+          <a:off x="0" y="0"/>
+          <a:ext cx="0" cy="0"/>
+          <a:chOff x="0" y="0"/>
+          <a:chExt cx="0" cy="0"/>
+        </a:xfrm>
+      </p:grpSpPr>
       <p:pic>
         <p:nvPicPr>
-          <p:cNvPr id="5" name="Picture 4" descr="A picture containing implement, stationary, pencil&#10;&#10;Description automatically generated">
+          <p:cNvPr id="4" name="Picture 3">
             <a:extLst>
               <a:ext uri="{FF2B5EF4-FFF2-40B4-BE49-F238E27FC236}">
-                <a16:creationId xmlns:a16="http://schemas.microsoft.com/office/drawing/2014/main" id="{F47BAF2E-0C98-45AB-9025-71DD6553A82D}"/>
+                <a16:creationId xmlns:a16="http://schemas.microsoft.com/office/drawing/2014/main" id="{94C125A1-BF09-4A01-A823-72977BA6E084}"/>
               </a:ext>
             </a:extLst>
           </p:cNvPr>
@@ -3444,27 +8938,94 @@
           <p:nvPr/>
         </p:nvPicPr>
         <p:blipFill>
-          <a:blip r:embed="rId2">
-            <a:extLst>
-              <a:ext uri="{28A0092B-C50C-407E-A947-70E740481C1C}">
-                <a14:useLocalDpi xmlns:a14="http://schemas.microsoft.com/office/drawing/2010/main" val="0"/>
-              </a:ext>
-            </a:extLst>
-          </a:blip>
+          <a:blip r:embed="rId2"/>
           <a:stretch>
             <a:fillRect/>
           </a:stretch>
         </p:blipFill>
         <p:spPr>
           <a:xfrm>
-            <a:off x="1428380" y="1080656"/>
-            <a:ext cx="9335239" cy="5556225"/>
+            <a:off x="1428380" y="1119910"/>
+            <a:ext cx="9371388" cy="4657433"/>
           </a:xfrm>
           <a:prstGeom prst="rect">
             <a:avLst/>
           </a:prstGeom>
         </p:spPr>
       </p:pic>
+      <p:sp>
+        <p:nvSpPr>
+          <p:cNvPr id="2" name="Title 1">
+            <a:extLst>
+              <a:ext uri="{FF2B5EF4-FFF2-40B4-BE49-F238E27FC236}">
+                <a16:creationId xmlns:a16="http://schemas.microsoft.com/office/drawing/2014/main" id="{2982E734-8D75-4819-A9B1-84D214F32330}"/>
+              </a:ext>
+            </a:extLst>
+          </p:cNvPr>
+          <p:cNvSpPr>
+            <a:spLocks noGrp="1"/>
+          </p:cNvSpPr>
+          <p:nvPr>
+            <p:ph type="title"/>
+          </p:nvPr>
+        </p:nvSpPr>
+        <p:spPr>
+          <a:xfrm>
+            <a:off x="173182" y="198872"/>
+            <a:ext cx="11687892" cy="550065"/>
+          </a:xfrm>
+        </p:spPr>
+        <p:txBody>
+          <a:bodyPr>
+            <a:normAutofit fontScale="90000"/>
+          </a:bodyPr>
+          <a:lstStyle/>
+          <a:p>
+            <a:r>
+              <a:rPr lang="en-US" b="1" dirty="0"/>
+              <a:t>Brewery Statistics per State</a:t>
+            </a:r>
+          </a:p>
+        </p:txBody>
+      </p:sp>
+      <p:sp>
+        <p:nvSpPr>
+          <p:cNvPr id="7" name="TextBox 6">
+            <a:extLst>
+              <a:ext uri="{FF2B5EF4-FFF2-40B4-BE49-F238E27FC236}">
+                <a16:creationId xmlns:a16="http://schemas.microsoft.com/office/drawing/2014/main" id="{EED8D7C6-D7D6-4738-8A26-300A9BF1554A}"/>
+              </a:ext>
+            </a:extLst>
+          </p:cNvPr>
+          <p:cNvSpPr txBox="1"/>
+          <p:nvPr/>
+        </p:nvSpPr>
+        <p:spPr>
+          <a:xfrm>
+            <a:off x="1428379" y="5825150"/>
+            <a:ext cx="9371387" cy="369332"/>
+          </a:xfrm>
+          <a:prstGeom prst="rect">
+            <a:avLst/>
+          </a:prstGeom>
+          <a:noFill/>
+        </p:spPr>
+        <p:txBody>
+          <a:bodyPr wrap="square">
+            <a:spAutoFit/>
+          </a:bodyPr>
+          <a:lstStyle/>
+          <a:p>
+            <a:r>
+              <a:rPr lang="en-US" dirty="0">
+                <a:latin typeface="Calibri" panose="020F0502020204030204" pitchFamily="34" charset="0"/>
+                <a:cs typeface="Calibri" panose="020F0502020204030204" pitchFamily="34" charset="0"/>
+              </a:rPr>
+              <a:t>Colorado leads in having 47 breweries with three states ND, SD, WV and DC having only 1 each.</a:t>
+            </a:r>
+          </a:p>
+        </p:txBody>
+      </p:sp>
     </p:spTree>
     <p:extLst>
       <p:ext uri="{BB962C8B-B14F-4D97-AF65-F5344CB8AC3E}">
@@ -3495,6 +9056,36 @@
           <a:chExt cx="0" cy="0"/>
         </a:xfrm>
       </p:grpSpPr>
+      <p:pic>
+        <p:nvPicPr>
+          <p:cNvPr id="3" name="Picture 2">
+            <a:extLst>
+              <a:ext uri="{FF2B5EF4-FFF2-40B4-BE49-F238E27FC236}">
+                <a16:creationId xmlns:a16="http://schemas.microsoft.com/office/drawing/2014/main" id="{223BDC3A-03A9-46BB-BACE-7FC7D5BDEB62}"/>
+              </a:ext>
+            </a:extLst>
+          </p:cNvPr>
+          <p:cNvPicPr>
+            <a:picLocks noChangeAspect="1"/>
+          </p:cNvPicPr>
+          <p:nvPr/>
+        </p:nvPicPr>
+        <p:blipFill>
+          <a:blip r:embed="rId2"/>
+          <a:stretch>
+            <a:fillRect/>
+          </a:stretch>
+        </p:blipFill>
+        <p:spPr>
+          <a:xfrm>
+            <a:off x="1428381" y="1136940"/>
+            <a:ext cx="9335240" cy="4678868"/>
+          </a:xfrm>
+          <a:prstGeom prst="rect">
+            <a:avLst/>
+          </a:prstGeom>
+        </p:spPr>
+      </p:pic>
       <p:sp>
         <p:nvSpPr>
           <p:cNvPr id="2" name="Title 1">
@@ -3530,42 +9121,44 @@
           </a:p>
         </p:txBody>
       </p:sp>
-      <p:pic>
-        <p:nvPicPr>
-          <p:cNvPr id="5" name="Picture 4" descr="A screenshot of a cell phone&#10;&#10;Description automatically generated">
+      <p:sp>
+        <p:nvSpPr>
+          <p:cNvPr id="7" name="TextBox 6">
             <a:extLst>
               <a:ext uri="{FF2B5EF4-FFF2-40B4-BE49-F238E27FC236}">
-                <a16:creationId xmlns:a16="http://schemas.microsoft.com/office/drawing/2014/main" id="{010ABFCC-5BF2-44DA-953F-6E0577F957BE}"/>
+                <a16:creationId xmlns:a16="http://schemas.microsoft.com/office/drawing/2014/main" id="{6FF5F816-A4FD-4ADA-823E-600DE55E557A}"/>
               </a:ext>
             </a:extLst>
           </p:cNvPr>
-          <p:cNvPicPr>
-            <a:picLocks noChangeAspect="1"/>
-          </p:cNvPicPr>
+          <p:cNvSpPr txBox="1"/>
           <p:nvPr/>
-        </p:nvPicPr>
-        <p:blipFill>
-          <a:blip r:embed="rId2">
-            <a:extLst>
-              <a:ext uri="{28A0092B-C50C-407E-A947-70E740481C1C}">
-                <a14:useLocalDpi xmlns:a14="http://schemas.microsoft.com/office/drawing/2010/main" val="0"/>
-              </a:ext>
-            </a:extLst>
-          </a:blip>
-          <a:stretch>
-            <a:fillRect/>
-          </a:stretch>
-        </p:blipFill>
+        </p:nvSpPr>
         <p:spPr>
           <a:xfrm>
-            <a:off x="1004628" y="1239403"/>
-            <a:ext cx="10001250" cy="5419725"/>
+            <a:off x="1428379" y="5825150"/>
+            <a:ext cx="9371387" cy="369332"/>
           </a:xfrm>
           <a:prstGeom prst="rect">
             <a:avLst/>
           </a:prstGeom>
+          <a:noFill/>
         </p:spPr>
-      </p:pic>
+        <p:txBody>
+          <a:bodyPr wrap="square">
+            <a:spAutoFit/>
+          </a:bodyPr>
+          <a:lstStyle/>
+          <a:p>
+            <a:r>
+              <a:rPr lang="en-US" dirty="0">
+                <a:latin typeface="Calibri" panose="020F0502020204030204" pitchFamily="34" charset="0"/>
+                <a:cs typeface="Calibri" panose="020F0502020204030204" pitchFamily="34" charset="0"/>
+              </a:rPr>
+              <a:t>Almost half (~42%) of IBU data was missing, and a little over 2.5% of AV data was missing.</a:t>
+            </a:r>
+          </a:p>
+        </p:txBody>
+      </p:sp>
     </p:spTree>
     <p:extLst>
       <p:ext uri="{BB962C8B-B14F-4D97-AF65-F5344CB8AC3E}">
@@ -3596,6 +9189,36 @@
           <a:chExt cx="0" cy="0"/>
         </a:xfrm>
       </p:grpSpPr>
+      <p:pic>
+        <p:nvPicPr>
+          <p:cNvPr id="4" name="Picture 3">
+            <a:extLst>
+              <a:ext uri="{FF2B5EF4-FFF2-40B4-BE49-F238E27FC236}">
+                <a16:creationId xmlns:a16="http://schemas.microsoft.com/office/drawing/2014/main" id="{267F08FC-C61E-4D5E-B443-A733E0CC5C9B}"/>
+              </a:ext>
+            </a:extLst>
+          </p:cNvPr>
+          <p:cNvPicPr>
+            <a:picLocks noChangeAspect="1"/>
+          </p:cNvPicPr>
+          <p:nvPr/>
+        </p:nvPicPr>
+        <p:blipFill>
+          <a:blip r:embed="rId2"/>
+          <a:stretch>
+            <a:fillRect/>
+          </a:stretch>
+        </p:blipFill>
+        <p:spPr>
+          <a:xfrm>
+            <a:off x="1428379" y="1127598"/>
+            <a:ext cx="9335240" cy="4667620"/>
+          </a:xfrm>
+          <a:prstGeom prst="rect">
+            <a:avLst/>
+          </a:prstGeom>
+        </p:spPr>
+      </p:pic>
       <p:sp>
         <p:nvSpPr>
           <p:cNvPr id="2" name="Title 1">
@@ -3615,7 +9238,7 @@
         <p:spPr>
           <a:xfrm>
             <a:off x="173182" y="198872"/>
-            <a:ext cx="11644349" cy="532648"/>
+            <a:ext cx="11687892" cy="550065"/>
           </a:xfrm>
         </p:spPr>
         <p:txBody>
@@ -3626,123 +9249,53 @@
           <a:p>
             <a:r>
               <a:rPr lang="en-US" b="1" dirty="0"/>
-              <a:t>Median ABV and IBU per State</a:t>
+              <a:t>Cleaning the Data</a:t>
             </a:r>
           </a:p>
         </p:txBody>
       </p:sp>
-      <p:pic>
-        <p:nvPicPr>
-          <p:cNvPr id="6" name="Picture 5" descr="A picture containing pencil&#10;&#10;Description automatically generated">
+      <p:sp>
+        <p:nvSpPr>
+          <p:cNvPr id="7" name="TextBox 6">
             <a:extLst>
               <a:ext uri="{FF2B5EF4-FFF2-40B4-BE49-F238E27FC236}">
-                <a16:creationId xmlns:a16="http://schemas.microsoft.com/office/drawing/2014/main" id="{54A30039-C5D3-4DD2-84A2-6A01B6835275}"/>
+                <a16:creationId xmlns:a16="http://schemas.microsoft.com/office/drawing/2014/main" id="{6FF5F816-A4FD-4ADA-823E-600DE55E557A}"/>
               </a:ext>
             </a:extLst>
           </p:cNvPr>
-          <p:cNvPicPr>
-            <a:picLocks noChangeAspect="1"/>
-          </p:cNvPicPr>
+          <p:cNvSpPr txBox="1"/>
           <p:nvPr/>
-        </p:nvPicPr>
-        <p:blipFill>
-          <a:blip r:embed="rId2">
-            <a:extLst>
-              <a:ext uri="{28A0092B-C50C-407E-A947-70E740481C1C}">
-                <a14:useLocalDpi xmlns:a14="http://schemas.microsoft.com/office/drawing/2010/main" val="0"/>
-              </a:ext>
-            </a:extLst>
-          </a:blip>
-          <a:stretch>
-            <a:fillRect/>
-          </a:stretch>
-        </p:blipFill>
+        </p:nvSpPr>
         <p:spPr>
           <a:xfrm>
-            <a:off x="5180804" y="853956"/>
-            <a:ext cx="6495415" cy="5765821"/>
+            <a:off x="1428380" y="5825150"/>
+            <a:ext cx="9335240" cy="369332"/>
           </a:xfrm>
           <a:prstGeom prst="rect">
             <a:avLst/>
           </a:prstGeom>
+          <a:noFill/>
         </p:spPr>
-      </p:pic>
-      <p:pic>
-        <p:nvPicPr>
-          <p:cNvPr id="20" name="Picture 19" descr="A close up of a logo&#10;&#10;Description automatically generated">
-            <a:extLst>
-              <a:ext uri="{FF2B5EF4-FFF2-40B4-BE49-F238E27FC236}">
-                <a16:creationId xmlns:a16="http://schemas.microsoft.com/office/drawing/2014/main" id="{FC51864A-11FB-41EA-8E1E-6ADAE5049753}"/>
-              </a:ext>
-            </a:extLst>
-          </p:cNvPr>
-          <p:cNvPicPr>
-            <a:picLocks noChangeAspect="1"/>
-          </p:cNvPicPr>
-          <p:nvPr/>
-        </p:nvPicPr>
-        <p:blipFill>
-          <a:blip r:embed="rId3">
-            <a:extLst>
-              <a:ext uri="{28A0092B-C50C-407E-A947-70E740481C1C}">
-                <a14:useLocalDpi xmlns:a14="http://schemas.microsoft.com/office/drawing/2010/main" val="0"/>
-              </a:ext>
-            </a:extLst>
-          </a:blip>
-          <a:stretch>
-            <a:fillRect/>
-          </a:stretch>
-        </p:blipFill>
-        <p:spPr>
-          <a:xfrm>
-            <a:off x="799990" y="853956"/>
-            <a:ext cx="2924127" cy="2805782"/>
-          </a:xfrm>
-          <a:prstGeom prst="rect">
-            <a:avLst/>
-          </a:prstGeom>
-        </p:spPr>
-      </p:pic>
-      <p:pic>
-        <p:nvPicPr>
-          <p:cNvPr id="24" name="Picture 23" descr="A screenshot of a cell phone&#10;&#10;Description automatically generated">
-            <a:extLst>
-              <a:ext uri="{FF2B5EF4-FFF2-40B4-BE49-F238E27FC236}">
-                <a16:creationId xmlns:a16="http://schemas.microsoft.com/office/drawing/2014/main" id="{DA96A442-7CD0-4FCE-8C12-BE9BC09D3B32}"/>
-              </a:ext>
-            </a:extLst>
-          </p:cNvPr>
-          <p:cNvPicPr>
-            <a:picLocks noChangeAspect="1"/>
-          </p:cNvPicPr>
-          <p:nvPr/>
-        </p:nvPicPr>
-        <p:blipFill>
-          <a:blip r:embed="rId4">
-            <a:extLst>
-              <a:ext uri="{28A0092B-C50C-407E-A947-70E740481C1C}">
-                <a14:useLocalDpi xmlns:a14="http://schemas.microsoft.com/office/drawing/2010/main" val="0"/>
-              </a:ext>
-            </a:extLst>
-          </a:blip>
-          <a:stretch>
-            <a:fillRect/>
-          </a:stretch>
-        </p:blipFill>
-        <p:spPr>
-          <a:xfrm>
-            <a:off x="799989" y="3782174"/>
-            <a:ext cx="2924127" cy="2805782"/>
-          </a:xfrm>
-          <a:prstGeom prst="rect">
-            <a:avLst/>
-          </a:prstGeom>
-        </p:spPr>
-      </p:pic>
+        <p:txBody>
+          <a:bodyPr wrap="square">
+            <a:spAutoFit/>
+          </a:bodyPr>
+          <a:lstStyle/>
+          <a:p>
+            <a:r>
+              <a:rPr lang="en-US" dirty="0">
+                <a:latin typeface="Calibri" panose="020F0502020204030204" pitchFamily="34" charset="0"/>
+                <a:cs typeface="Calibri" panose="020F0502020204030204" pitchFamily="34" charset="0"/>
+              </a:rPr>
+              <a:t>Filled missing values by applying means of IBU and ABV per style of beer for greater accuracy.</a:t>
+            </a:r>
+          </a:p>
+        </p:txBody>
+      </p:sp>
     </p:spTree>
     <p:extLst>
       <p:ext uri="{BB962C8B-B14F-4D97-AF65-F5344CB8AC3E}">
-        <p14:creationId xmlns:p14="http://schemas.microsoft.com/office/powerpoint/2010/main" val="2564438615"/>
+        <p14:creationId xmlns:p14="http://schemas.microsoft.com/office/powerpoint/2010/main" val="3433814943"/>
       </p:ext>
     </p:extLst>
   </p:cSld>
@@ -3787,8 +9340,8 @@
         </p:nvSpPr>
         <p:spPr>
           <a:xfrm>
-            <a:off x="173181" y="198872"/>
-            <a:ext cx="11670475" cy="584899"/>
+            <a:off x="173182" y="198872"/>
+            <a:ext cx="11644349" cy="532648"/>
           </a:xfrm>
         </p:spPr>
         <p:txBody>
@@ -3799,123 +9352,164 @@
           <a:p>
             <a:r>
               <a:rPr lang="en-US" b="1" dirty="0"/>
-              <a:t>States with highest ABV and IBU</a:t>
+              <a:t>Median ABV and IBU per State</a:t>
             </a:r>
           </a:p>
         </p:txBody>
       </p:sp>
-      <p:pic>
-        <p:nvPicPr>
-          <p:cNvPr id="14" name="Picture 13" descr="A screenshot of a cell phone&#10;&#10;Description automatically generated">
+      <p:grpSp>
+        <p:nvGrpSpPr>
+          <p:cNvPr id="9" name="Group 8">
             <a:extLst>
               <a:ext uri="{FF2B5EF4-FFF2-40B4-BE49-F238E27FC236}">
-                <a16:creationId xmlns:a16="http://schemas.microsoft.com/office/drawing/2014/main" id="{0855C468-BD2F-430E-A8B2-5626017DC2D9}"/>
+                <a16:creationId xmlns:a16="http://schemas.microsoft.com/office/drawing/2014/main" id="{5178F05F-BAF8-44E7-87AB-28D421FB0EAF}"/>
               </a:ext>
             </a:extLst>
           </p:cNvPr>
-          <p:cNvPicPr>
-            <a:picLocks noChangeAspect="1"/>
-          </p:cNvPicPr>
+          <p:cNvGrpSpPr/>
           <p:nvPr/>
-        </p:nvPicPr>
-        <p:blipFill>
-          <a:blip r:embed="rId2">
+        </p:nvGrpSpPr>
+        <p:grpSpPr>
+          <a:xfrm>
+            <a:off x="94457" y="1119910"/>
+            <a:ext cx="12003086" cy="4666413"/>
+            <a:chOff x="0" y="934922"/>
+            <a:chExt cx="12003086" cy="4666413"/>
+          </a:xfrm>
+        </p:grpSpPr>
+        <p:pic>
+          <p:nvPicPr>
+            <p:cNvPr id="5" name="Picture 4">
+              <a:extLst>
+                <a:ext uri="{FF2B5EF4-FFF2-40B4-BE49-F238E27FC236}">
+                  <a16:creationId xmlns:a16="http://schemas.microsoft.com/office/drawing/2014/main" id="{EDF39EF1-96B6-43D6-B489-E5AFE1ABD7F0}"/>
+                </a:ext>
+              </a:extLst>
+            </p:cNvPr>
+            <p:cNvPicPr>
+              <a:picLocks noChangeAspect="1"/>
+            </p:cNvPicPr>
+            <p:nvPr/>
+          </p:nvPicPr>
+          <p:blipFill>
+            <a:blip r:embed="rId2"/>
+            <a:stretch>
+              <a:fillRect/>
+            </a:stretch>
+          </p:blipFill>
+          <p:spPr>
+            <a:xfrm>
+              <a:off x="4652114" y="934923"/>
+              <a:ext cx="7350972" cy="3679930"/>
+            </a:xfrm>
+            <a:prstGeom prst="rect">
+              <a:avLst/>
+            </a:prstGeom>
+          </p:spPr>
+        </p:pic>
+        <p:pic>
+          <p:nvPicPr>
+            <p:cNvPr id="7" name="Picture 6">
+              <a:extLst>
+                <a:ext uri="{FF2B5EF4-FFF2-40B4-BE49-F238E27FC236}">
+                  <a16:creationId xmlns:a16="http://schemas.microsoft.com/office/drawing/2014/main" id="{EC3550CD-81EC-4061-A674-F24EF64C15CC}"/>
+                </a:ext>
+              </a:extLst>
+            </p:cNvPr>
+            <p:cNvPicPr>
+              <a:picLocks noChangeAspect="1"/>
+            </p:cNvPicPr>
+            <p:nvPr/>
+          </p:nvPicPr>
+          <p:blipFill>
+            <a:blip r:embed="rId3"/>
+            <a:stretch>
+              <a:fillRect/>
+            </a:stretch>
+          </p:blipFill>
+          <p:spPr>
+            <a:xfrm>
+              <a:off x="0" y="934922"/>
+              <a:ext cx="4586053" cy="2287501"/>
+            </a:xfrm>
+            <a:prstGeom prst="rect">
+              <a:avLst/>
+            </a:prstGeom>
+          </p:spPr>
+        </p:pic>
+        <p:pic>
+          <p:nvPicPr>
+            <p:cNvPr id="8" name="Picture 7">
+              <a:extLst>
+                <a:ext uri="{FF2B5EF4-FFF2-40B4-BE49-F238E27FC236}">
+                  <a16:creationId xmlns:a16="http://schemas.microsoft.com/office/drawing/2014/main" id="{7D53530F-9D60-4AD5-810B-92D7736D9560}"/>
+                </a:ext>
+              </a:extLst>
+            </p:cNvPr>
+            <p:cNvPicPr>
+              <a:picLocks noChangeAspect="1"/>
+            </p:cNvPicPr>
+            <p:nvPr/>
+          </p:nvPicPr>
+          <p:blipFill>
+            <a:blip r:embed="rId4"/>
+            <a:stretch>
+              <a:fillRect/>
+            </a:stretch>
+          </p:blipFill>
+          <p:spPr>
+            <a:xfrm>
+              <a:off x="0" y="3305550"/>
+              <a:ext cx="4586053" cy="2295785"/>
+            </a:xfrm>
+            <a:prstGeom prst="rect">
+              <a:avLst/>
+            </a:prstGeom>
+          </p:spPr>
+        </p:pic>
+      </p:grpSp>
+      <p:sp>
+        <p:nvSpPr>
+          <p:cNvPr id="13" name="TextBox 12">
             <a:extLst>
-              <a:ext uri="{28A0092B-C50C-407E-A947-70E740481C1C}">
-                <a14:useLocalDpi xmlns:a14="http://schemas.microsoft.com/office/drawing/2010/main" val="0"/>
+              <a:ext uri="{FF2B5EF4-FFF2-40B4-BE49-F238E27FC236}">
+                <a16:creationId xmlns:a16="http://schemas.microsoft.com/office/drawing/2014/main" id="{47491C15-CF40-4C87-9DC0-B2E3A6F66D5F}"/>
               </a:ext>
             </a:extLst>
-          </a:blip>
-          <a:stretch>
-            <a:fillRect/>
-          </a:stretch>
-        </p:blipFill>
+          </p:cNvPr>
+          <p:cNvSpPr txBox="1"/>
+          <p:nvPr/>
+        </p:nvSpPr>
         <p:spPr>
           <a:xfrm>
-            <a:off x="5030968" y="940526"/>
-            <a:ext cx="5802495" cy="5567655"/>
+            <a:off x="1428380" y="5825150"/>
+            <a:ext cx="9335240" cy="646331"/>
           </a:xfrm>
           <a:prstGeom prst="rect">
             <a:avLst/>
           </a:prstGeom>
+          <a:noFill/>
         </p:spPr>
-      </p:pic>
-      <p:pic>
-        <p:nvPicPr>
-          <p:cNvPr id="16" name="Picture 15" descr="A picture containing drawing&#10;&#10;Description automatically generated">
-            <a:extLst>
-              <a:ext uri="{FF2B5EF4-FFF2-40B4-BE49-F238E27FC236}">
-                <a16:creationId xmlns:a16="http://schemas.microsoft.com/office/drawing/2014/main" id="{B3058673-29E1-46FC-A4D3-6E591106CBE8}"/>
-              </a:ext>
-            </a:extLst>
-          </p:cNvPr>
-          <p:cNvPicPr>
-            <a:picLocks noChangeAspect="1"/>
-          </p:cNvPicPr>
-          <p:nvPr/>
-        </p:nvPicPr>
-        <p:blipFill>
-          <a:blip r:embed="rId3">
-            <a:extLst>
-              <a:ext uri="{28A0092B-C50C-407E-A947-70E740481C1C}">
-                <a14:useLocalDpi xmlns:a14="http://schemas.microsoft.com/office/drawing/2010/main" val="0"/>
-              </a:ext>
-            </a:extLst>
-          </a:blip>
-          <a:stretch>
-            <a:fillRect/>
-          </a:stretch>
-        </p:blipFill>
-        <p:spPr>
-          <a:xfrm>
-            <a:off x="483325" y="3974355"/>
-            <a:ext cx="3531326" cy="2533826"/>
-          </a:xfrm>
-          <a:prstGeom prst="rect">
-            <a:avLst/>
-          </a:prstGeom>
-        </p:spPr>
-      </p:pic>
-      <p:pic>
-        <p:nvPicPr>
-          <p:cNvPr id="18" name="Picture 17" descr="A screenshot of a cell phone&#10;&#10;Description automatically generated">
-            <a:extLst>
-              <a:ext uri="{FF2B5EF4-FFF2-40B4-BE49-F238E27FC236}">
-                <a16:creationId xmlns:a16="http://schemas.microsoft.com/office/drawing/2014/main" id="{3C20B11E-95E4-4A6F-8573-AD97ABEDD189}"/>
-              </a:ext>
-            </a:extLst>
-          </p:cNvPr>
-          <p:cNvPicPr>
-            <a:picLocks noChangeAspect="1"/>
-          </p:cNvPicPr>
-          <p:nvPr/>
-        </p:nvPicPr>
-        <p:blipFill>
-          <a:blip r:embed="rId4">
-            <a:extLst>
-              <a:ext uri="{28A0092B-C50C-407E-A947-70E740481C1C}">
-                <a14:useLocalDpi xmlns:a14="http://schemas.microsoft.com/office/drawing/2010/main" val="0"/>
-              </a:ext>
-            </a:extLst>
-          </a:blip>
-          <a:stretch>
-            <a:fillRect/>
-          </a:stretch>
-        </p:blipFill>
-        <p:spPr>
-          <a:xfrm>
-            <a:off x="483325" y="1087803"/>
-            <a:ext cx="3531326" cy="2511655"/>
-          </a:xfrm>
-          <a:prstGeom prst="rect">
-            <a:avLst/>
-          </a:prstGeom>
-        </p:spPr>
-      </p:pic>
+        <p:txBody>
+          <a:bodyPr wrap="square">
+            <a:spAutoFit/>
+          </a:bodyPr>
+          <a:lstStyle/>
+          <a:p>
+            <a:r>
+              <a:rPr lang="en-US" dirty="0">
+                <a:latin typeface="Calibri" panose="020F0502020204030204" pitchFamily="34" charset="0"/>
+                <a:cs typeface="Calibri" panose="020F0502020204030204" pitchFamily="34" charset="0"/>
+              </a:rPr>
+              <a:t>Most beers fell within relative range for median ABV of each other with only a handful of states significantly differing from the rest.</a:t>
+            </a:r>
+          </a:p>
+        </p:txBody>
+      </p:sp>
     </p:spTree>
     <p:extLst>
       <p:ext uri="{BB962C8B-B14F-4D97-AF65-F5344CB8AC3E}">
-        <p14:creationId xmlns:p14="http://schemas.microsoft.com/office/powerpoint/2010/main" val="1743708464"/>
+        <p14:creationId xmlns:p14="http://schemas.microsoft.com/office/powerpoint/2010/main" val="2564438615"/>
       </p:ext>
     </p:extLst>
   </p:cSld>
@@ -3942,6 +9536,96 @@
           <a:chExt cx="0" cy="0"/>
         </a:xfrm>
       </p:grpSpPr>
+      <p:pic>
+        <p:nvPicPr>
+          <p:cNvPr id="6" name="Picture 5">
+            <a:extLst>
+              <a:ext uri="{FF2B5EF4-FFF2-40B4-BE49-F238E27FC236}">
+                <a16:creationId xmlns:a16="http://schemas.microsoft.com/office/drawing/2014/main" id="{ECA2FE6B-6288-4948-A74F-E540AA0FAE57}"/>
+              </a:ext>
+            </a:extLst>
+          </p:cNvPr>
+          <p:cNvPicPr>
+            <a:picLocks noChangeAspect="1"/>
+          </p:cNvPicPr>
+          <p:nvPr/>
+        </p:nvPicPr>
+        <p:blipFill>
+          <a:blip r:embed="rId2"/>
+          <a:stretch>
+            <a:fillRect/>
+          </a:stretch>
+        </p:blipFill>
+        <p:spPr>
+          <a:xfrm>
+            <a:off x="4746572" y="1109667"/>
+            <a:ext cx="7350972" cy="3679909"/>
+          </a:xfrm>
+          <a:prstGeom prst="rect">
+            <a:avLst/>
+          </a:prstGeom>
+        </p:spPr>
+      </p:pic>
+      <p:pic>
+        <p:nvPicPr>
+          <p:cNvPr id="4" name="Picture 3">
+            <a:extLst>
+              <a:ext uri="{FF2B5EF4-FFF2-40B4-BE49-F238E27FC236}">
+                <a16:creationId xmlns:a16="http://schemas.microsoft.com/office/drawing/2014/main" id="{7D832F56-ACC9-4E3E-9509-81CDCB03271B}"/>
+              </a:ext>
+            </a:extLst>
+          </p:cNvPr>
+          <p:cNvPicPr>
+            <a:picLocks noChangeAspect="1"/>
+          </p:cNvPicPr>
+          <p:nvPr/>
+        </p:nvPicPr>
+        <p:blipFill>
+          <a:blip r:embed="rId3"/>
+          <a:stretch>
+            <a:fillRect/>
+          </a:stretch>
+        </p:blipFill>
+        <p:spPr>
+          <a:xfrm>
+            <a:off x="94457" y="1119910"/>
+            <a:ext cx="4586053" cy="2295793"/>
+          </a:xfrm>
+          <a:prstGeom prst="rect">
+            <a:avLst/>
+          </a:prstGeom>
+        </p:spPr>
+      </p:pic>
+      <p:pic>
+        <p:nvPicPr>
+          <p:cNvPr id="3" name="Picture 2">
+            <a:extLst>
+              <a:ext uri="{FF2B5EF4-FFF2-40B4-BE49-F238E27FC236}">
+                <a16:creationId xmlns:a16="http://schemas.microsoft.com/office/drawing/2014/main" id="{BD748856-6AFC-456E-987E-C66B30D05BC1}"/>
+              </a:ext>
+            </a:extLst>
+          </p:cNvPr>
+          <p:cNvPicPr>
+            <a:picLocks noChangeAspect="1"/>
+          </p:cNvPicPr>
+          <p:nvPr/>
+        </p:nvPicPr>
+        <p:blipFill>
+          <a:blip r:embed="rId4"/>
+          <a:stretch>
+            <a:fillRect/>
+          </a:stretch>
+        </p:blipFill>
+        <p:spPr>
+          <a:xfrm>
+            <a:off x="94457" y="3498967"/>
+            <a:ext cx="4586053" cy="2298552"/>
+          </a:xfrm>
+          <a:prstGeom prst="rect">
+            <a:avLst/>
+          </a:prstGeom>
+        </p:spPr>
+      </p:pic>
       <p:sp>
         <p:nvSpPr>
           <p:cNvPr id="2" name="Title 1">
@@ -3960,61 +9644,65 @@
         </p:nvSpPr>
         <p:spPr>
           <a:xfrm>
-            <a:off x="199307" y="190163"/>
-            <a:ext cx="11670475" cy="811323"/>
+            <a:off x="173182" y="198872"/>
+            <a:ext cx="11644349" cy="532648"/>
           </a:xfrm>
         </p:spPr>
         <p:txBody>
-          <a:bodyPr/>
+          <a:bodyPr>
+            <a:normAutofit fontScale="90000"/>
+          </a:bodyPr>
           <a:lstStyle/>
           <a:p>
             <a:r>
               <a:rPr lang="en-US" b="1" dirty="0"/>
-              <a:t>Analysis of ABV</a:t>
+              <a:t>MAX ABV and IBU per State</a:t>
             </a:r>
           </a:p>
         </p:txBody>
       </p:sp>
-      <p:pic>
-        <p:nvPicPr>
-          <p:cNvPr id="6" name="Picture 5" descr="A screenshot of a cell phone&#10;&#10;Description automatically generated">
+      <p:sp>
+        <p:nvSpPr>
+          <p:cNvPr id="13" name="TextBox 12">
             <a:extLst>
               <a:ext uri="{FF2B5EF4-FFF2-40B4-BE49-F238E27FC236}">
-                <a16:creationId xmlns:a16="http://schemas.microsoft.com/office/drawing/2014/main" id="{A8C9D02D-CC09-4B8F-9594-42991A54D67D}"/>
+                <a16:creationId xmlns:a16="http://schemas.microsoft.com/office/drawing/2014/main" id="{47491C15-CF40-4C87-9DC0-B2E3A6F66D5F}"/>
               </a:ext>
             </a:extLst>
           </p:cNvPr>
-          <p:cNvPicPr>
-            <a:picLocks noChangeAspect="1"/>
-          </p:cNvPicPr>
+          <p:cNvSpPr txBox="1"/>
           <p:nvPr/>
-        </p:nvPicPr>
-        <p:blipFill>
-          <a:blip r:embed="rId2">
-            <a:extLst>
-              <a:ext uri="{28A0092B-C50C-407E-A947-70E740481C1C}">
-                <a14:useLocalDpi xmlns:a14="http://schemas.microsoft.com/office/drawing/2010/main" val="0"/>
-              </a:ext>
-            </a:extLst>
-          </a:blip>
-          <a:stretch>
-            <a:fillRect/>
-          </a:stretch>
-        </p:blipFill>
+        </p:nvSpPr>
         <p:spPr>
           <a:xfrm>
-            <a:off x="2224544" y="1248112"/>
-            <a:ext cx="7620000" cy="5419725"/>
+            <a:off x="1428380" y="5825150"/>
+            <a:ext cx="9335240" cy="923330"/>
           </a:xfrm>
           <a:prstGeom prst="rect">
             <a:avLst/>
           </a:prstGeom>
+          <a:noFill/>
         </p:spPr>
-      </p:pic>
+        <p:txBody>
+          <a:bodyPr wrap="square">
+            <a:spAutoFit/>
+          </a:bodyPr>
+          <a:lstStyle/>
+          <a:p>
+            <a:r>
+              <a:rPr lang="en-US" dirty="0">
+                <a:latin typeface="Calibri" panose="020F0502020204030204" pitchFamily="34" charset="0"/>
+                <a:cs typeface="Calibri" panose="020F0502020204030204" pitchFamily="34" charset="0"/>
+              </a:rPr>
+              <a:t>Colorado has the most alcoholic beers while Oregon had the most bitter. Both of which are in the top 5 for number of breweries and top 6 for breweries per capita, and with Colorado leading in number breweries per state.</a:t>
+            </a:r>
+          </a:p>
+        </p:txBody>
+      </p:sp>
     </p:spTree>
     <p:extLst>
       <p:ext uri="{BB962C8B-B14F-4D97-AF65-F5344CB8AC3E}">
-        <p14:creationId xmlns:p14="http://schemas.microsoft.com/office/powerpoint/2010/main" val="3224007212"/>
+        <p14:creationId xmlns:p14="http://schemas.microsoft.com/office/powerpoint/2010/main" val="3203639780"/>
       </p:ext>
     </p:extLst>
   </p:cSld>
@@ -4041,6 +9729,175 @@
           <a:chExt cx="0" cy="0"/>
         </a:xfrm>
       </p:grpSpPr>
+      <p:pic>
+        <p:nvPicPr>
+          <p:cNvPr id="13" name="Picture 12">
+            <a:extLst>
+              <a:ext uri="{FF2B5EF4-FFF2-40B4-BE49-F238E27FC236}">
+                <a16:creationId xmlns:a16="http://schemas.microsoft.com/office/drawing/2014/main" id="{65CDEB09-6C20-45B9-9AE2-625C2E70BC34}"/>
+              </a:ext>
+            </a:extLst>
+          </p:cNvPr>
+          <p:cNvPicPr>
+            <a:picLocks noChangeAspect="1"/>
+          </p:cNvPicPr>
+          <p:nvPr/>
+        </p:nvPicPr>
+        <p:blipFill>
+          <a:blip r:embed="rId2"/>
+          <a:stretch>
+            <a:fillRect/>
+          </a:stretch>
+        </p:blipFill>
+        <p:spPr>
+          <a:xfrm>
+            <a:off x="1400365" y="1136170"/>
+            <a:ext cx="9409684" cy="4585660"/>
+          </a:xfrm>
+          <a:prstGeom prst="rect">
+            <a:avLst/>
+          </a:prstGeom>
+        </p:spPr>
+      </p:pic>
+      <p:sp>
+        <p:nvSpPr>
+          <p:cNvPr id="2" name="Title 1">
+            <a:extLst>
+              <a:ext uri="{FF2B5EF4-FFF2-40B4-BE49-F238E27FC236}">
+                <a16:creationId xmlns:a16="http://schemas.microsoft.com/office/drawing/2014/main" id="{2982E734-8D75-4819-A9B1-84D214F32330}"/>
+              </a:ext>
+            </a:extLst>
+          </p:cNvPr>
+          <p:cNvSpPr>
+            <a:spLocks noGrp="1"/>
+          </p:cNvSpPr>
+          <p:nvPr>
+            <p:ph type="title"/>
+          </p:nvPr>
+        </p:nvSpPr>
+        <p:spPr>
+          <a:xfrm>
+            <a:off x="199307" y="190163"/>
+            <a:ext cx="11670475" cy="811323"/>
+          </a:xfrm>
+        </p:spPr>
+        <p:txBody>
+          <a:bodyPr/>
+          <a:lstStyle/>
+          <a:p>
+            <a:r>
+              <a:rPr lang="en-US" b="1" dirty="0"/>
+              <a:t>Analysis of ABV</a:t>
+            </a:r>
+          </a:p>
+        </p:txBody>
+      </p:sp>
+      <p:sp>
+        <p:nvSpPr>
+          <p:cNvPr id="4" name="TextBox 3">
+            <a:extLst>
+              <a:ext uri="{FF2B5EF4-FFF2-40B4-BE49-F238E27FC236}">
+                <a16:creationId xmlns:a16="http://schemas.microsoft.com/office/drawing/2014/main" id="{C799FDF1-098F-4AC1-8095-771CE13F3AD1}"/>
+              </a:ext>
+            </a:extLst>
+          </p:cNvPr>
+          <p:cNvSpPr txBox="1"/>
+          <p:nvPr/>
+        </p:nvSpPr>
+        <p:spPr>
+          <a:xfrm>
+            <a:off x="1428380" y="5825150"/>
+            <a:ext cx="9335240" cy="923330"/>
+          </a:xfrm>
+          <a:prstGeom prst="rect">
+            <a:avLst/>
+          </a:prstGeom>
+          <a:noFill/>
+        </p:spPr>
+        <p:txBody>
+          <a:bodyPr wrap="square">
+            <a:spAutoFit/>
+          </a:bodyPr>
+          <a:lstStyle/>
+          <a:p>
+            <a:r>
+              <a:rPr lang="en-US" dirty="0">
+                <a:latin typeface="Calibri" panose="020F0502020204030204" pitchFamily="34" charset="0"/>
+                <a:cs typeface="Calibri" panose="020F0502020204030204" pitchFamily="34" charset="0"/>
+              </a:rPr>
+              <a:t>Most of the beers fell within a normal distribution. </a:t>
+            </a:r>
+            <a:r>
+              <a:rPr lang="en-US" dirty="0"/>
+              <a:t>One thing to note in particular, is the right skew in the distribution since the default definition of "Beer" under federal law is anything greater than 0.5% alcohol</a:t>
+            </a:r>
+            <a:endParaRPr lang="en-US" dirty="0">
+              <a:latin typeface="Calibri" panose="020F0502020204030204" pitchFamily="34" charset="0"/>
+              <a:cs typeface="Calibri" panose="020F0502020204030204" pitchFamily="34" charset="0"/>
+            </a:endParaRPr>
+          </a:p>
+        </p:txBody>
+      </p:sp>
+    </p:spTree>
+    <p:extLst>
+      <p:ext uri="{BB962C8B-B14F-4D97-AF65-F5344CB8AC3E}">
+        <p14:creationId xmlns:p14="http://schemas.microsoft.com/office/powerpoint/2010/main" val="3224007212"/>
+      </p:ext>
+    </p:extLst>
+  </p:cSld>
+  <p:clrMapOvr>
+    <a:masterClrMapping/>
+  </p:clrMapOvr>
+</p:sld>
+</file>
+
+<file path=ppt/slides/slide8.xml><?xml version="1.0" encoding="utf-8"?>
+<p:sld xmlns:a="http://schemas.openxmlformats.org/drawingml/2006/main" xmlns:r="http://schemas.openxmlformats.org/officeDocument/2006/relationships" xmlns:p="http://schemas.openxmlformats.org/presentationml/2006/main">
+  <p:cSld>
+    <p:spTree>
+      <p:nvGrpSpPr>
+        <p:cNvPr id="1" name=""/>
+        <p:cNvGrpSpPr/>
+        <p:nvPr/>
+      </p:nvGrpSpPr>
+      <p:grpSpPr>
+        <a:xfrm>
+          <a:off x="0" y="0"/>
+          <a:ext cx="0" cy="0"/>
+          <a:chOff x="0" y="0"/>
+          <a:chExt cx="0" cy="0"/>
+        </a:xfrm>
+      </p:grpSpPr>
+      <p:pic>
+        <p:nvPicPr>
+          <p:cNvPr id="7" name="Picture 6">
+            <a:extLst>
+              <a:ext uri="{FF2B5EF4-FFF2-40B4-BE49-F238E27FC236}">
+                <a16:creationId xmlns:a16="http://schemas.microsoft.com/office/drawing/2014/main" id="{33517725-3DFF-41DF-8758-F6C274DB6264}"/>
+              </a:ext>
+            </a:extLst>
+          </p:cNvPr>
+          <p:cNvPicPr>
+            <a:picLocks noChangeAspect="1"/>
+          </p:cNvPicPr>
+          <p:nvPr/>
+        </p:nvPicPr>
+        <p:blipFill>
+          <a:blip r:embed="rId2"/>
+          <a:stretch>
+            <a:fillRect/>
+          </a:stretch>
+        </p:blipFill>
+        <p:spPr>
+          <a:xfrm>
+            <a:off x="4928146" y="1239402"/>
+            <a:ext cx="6785841" cy="4869167"/>
+          </a:xfrm>
+          <a:prstGeom prst="rect">
+            <a:avLst/>
+          </a:prstGeom>
+        </p:spPr>
+      </p:pic>
       <p:sp>
         <p:nvSpPr>
           <p:cNvPr id="2" name="Title 1">
@@ -4076,42 +9933,6 @@
           </a:p>
         </p:txBody>
       </p:sp>
-      <p:pic>
-        <p:nvPicPr>
-          <p:cNvPr id="4" name="Picture 3" descr="A close up of a map&#10;&#10;Description automatically generated">
-            <a:extLst>
-              <a:ext uri="{FF2B5EF4-FFF2-40B4-BE49-F238E27FC236}">
-                <a16:creationId xmlns:a16="http://schemas.microsoft.com/office/drawing/2014/main" id="{A245ACFA-BA08-4537-BAC3-4C97D0F79297}"/>
-              </a:ext>
-            </a:extLst>
-          </p:cNvPr>
-          <p:cNvPicPr>
-            <a:picLocks noChangeAspect="1"/>
-          </p:cNvPicPr>
-          <p:nvPr/>
-        </p:nvPicPr>
-        <p:blipFill>
-          <a:blip r:embed="rId2">
-            <a:extLst>
-              <a:ext uri="{28A0092B-C50C-407E-A947-70E740481C1C}">
-                <a14:useLocalDpi xmlns:a14="http://schemas.microsoft.com/office/drawing/2010/main" val="0"/>
-              </a:ext>
-            </a:extLst>
-          </a:blip>
-          <a:stretch>
-            <a:fillRect/>
-          </a:stretch>
-        </p:blipFill>
-        <p:spPr>
-          <a:xfrm>
-            <a:off x="4928148" y="1239403"/>
-            <a:ext cx="6791325" cy="5419725"/>
-          </a:xfrm>
-          <a:prstGeom prst="rect">
-            <a:avLst/>
-          </a:prstGeom>
-        </p:spPr>
-      </p:pic>
       <p:sp>
         <p:nvSpPr>
           <p:cNvPr id="6" name="TextBox 5">
@@ -4127,7 +9948,7 @@
         <p:spPr>
           <a:xfrm>
             <a:off x="235131" y="1428206"/>
-            <a:ext cx="4206240" cy="2585323"/>
+            <a:ext cx="4206240" cy="4801314"/>
           </a:xfrm>
           <a:prstGeom prst="rect">
             <a:avLst/>
@@ -4145,7 +9966,10 @@
               <a:buChar char="•"/>
             </a:pPr>
             <a:r>
-              <a:rPr lang="en-US" b="1" dirty="0"/>
+              <a:rPr lang="en-US" b="1" dirty="0">
+                <a:latin typeface="Calibri" panose="020F0502020204030204" pitchFamily="34" charset="0"/>
+                <a:cs typeface="Calibri" panose="020F0502020204030204" pitchFamily="34" charset="0"/>
+              </a:rPr>
               <a:t>IBU</a:t>
             </a:r>
           </a:p>
@@ -4155,7 +9979,10 @@
               <a:buChar char="•"/>
             </a:pPr>
             <a:r>
-              <a:rPr lang="en-US" dirty="0"/>
+              <a:rPr lang="en-US" dirty="0">
+                <a:latin typeface="Calibri" panose="020F0502020204030204" pitchFamily="34" charset="0"/>
+                <a:cs typeface="Calibri" panose="020F0502020204030204" pitchFamily="34" charset="0"/>
+              </a:rPr>
               <a:t>Factors: Bittering compounds</a:t>
             </a:r>
           </a:p>
@@ -4165,7 +9992,10 @@
               <a:buChar char="•"/>
             </a:pPr>
             <a:r>
-              <a:rPr lang="en-US" b="1" dirty="0"/>
+              <a:rPr lang="en-US" b="1" dirty="0">
+                <a:latin typeface="Calibri" panose="020F0502020204030204" pitchFamily="34" charset="0"/>
+                <a:cs typeface="Calibri" panose="020F0502020204030204" pitchFamily="34" charset="0"/>
+              </a:rPr>
               <a:t>ABV</a:t>
             </a:r>
           </a:p>
@@ -4175,7 +10005,10 @@
               <a:buChar char="•"/>
             </a:pPr>
             <a:r>
-              <a:rPr lang="en-US" dirty="0"/>
+              <a:rPr lang="en-US" dirty="0">
+                <a:latin typeface="Calibri" panose="020F0502020204030204" pitchFamily="34" charset="0"/>
+                <a:cs typeface="Calibri" panose="020F0502020204030204" pitchFamily="34" charset="0"/>
+              </a:rPr>
               <a:t>Factors: Sugar levels during fermentation</a:t>
             </a:r>
           </a:p>
@@ -4185,12 +10018,24 @@
               <a:buChar char="•"/>
             </a:pPr>
             <a:r>
-              <a:rPr lang="en-US" b="1" dirty="0"/>
+              <a:rPr lang="en-US" b="1" dirty="0">
+                <a:latin typeface="Calibri" panose="020F0502020204030204" pitchFamily="34" charset="0"/>
+                <a:cs typeface="Calibri" panose="020F0502020204030204" pitchFamily="34" charset="0"/>
+              </a:rPr>
               <a:t>Analysis: </a:t>
             </a:r>
-            <a:r>
-              <a:rPr lang="en-US" dirty="0"/>
-              <a:t>Weak correlation between IBU and ABV though absence of high IBU beers with low ABV content.</a:t>
+          </a:p>
+          <a:p>
+            <a:pPr marL="742950" lvl="1" indent="-285750">
+              <a:buFont typeface="Arial" panose="020B0604020202020204" pitchFamily="34" charset="0"/>
+              <a:buChar char="•"/>
+            </a:pPr>
+            <a:r>
+              <a:rPr lang="en-US" dirty="0">
+                <a:latin typeface="Calibri" panose="020F0502020204030204" pitchFamily="34" charset="0"/>
+                <a:cs typeface="Calibri" panose="020F0502020204030204" pitchFamily="34" charset="0"/>
+              </a:rPr>
+              <a:t>Weak to moderate correlation between IBU and ABV, though absence of high IBU beers with low ABV content.</a:t>
             </a:r>
           </a:p>
           <a:p>
@@ -4199,11 +10044,62 @@
               <a:buChar char="•"/>
             </a:pPr>
             <a:r>
-              <a:rPr lang="en-US" b="1" dirty="0"/>
+              <a:rPr lang="en-US" b="1" dirty="0">
+                <a:latin typeface="Calibri" panose="020F0502020204030204" pitchFamily="34" charset="0"/>
+                <a:cs typeface="Calibri" panose="020F0502020204030204" pitchFamily="34" charset="0"/>
+              </a:rPr>
+              <a:t>Correlation:</a:t>
+            </a:r>
+          </a:p>
+          <a:p>
+            <a:pPr marL="742950" lvl="1" indent="-285750">
+              <a:buFont typeface="Arial" panose="020B0604020202020204" pitchFamily="34" charset="0"/>
+              <a:buChar char="•"/>
+            </a:pPr>
+            <a:r>
+              <a:rPr lang="en-US" dirty="0">
+                <a:latin typeface="Calibri" panose="020F0502020204030204" pitchFamily="34" charset="0"/>
+                <a:cs typeface="Calibri" panose="020F0502020204030204" pitchFamily="34" charset="0"/>
+              </a:rPr>
+              <a:t>r = 0.57</a:t>
+            </a:r>
+          </a:p>
+          <a:p>
+            <a:pPr marL="742950" lvl="1" indent="-285750">
+              <a:buFont typeface="Arial" panose="020B0604020202020204" pitchFamily="34" charset="0"/>
+              <a:buChar char="•"/>
+            </a:pPr>
+            <a:r>
+              <a:rPr lang="en-US" dirty="0">
+                <a:latin typeface="Calibri" panose="020F0502020204030204" pitchFamily="34" charset="0"/>
+                <a:cs typeface="Calibri" panose="020F0502020204030204" pitchFamily="34" charset="0"/>
+              </a:rPr>
+              <a:t>Estimated that about 32.55% of the variation of a beer’s IBU can be attributed to its ABV.</a:t>
+            </a:r>
+          </a:p>
+          <a:p>
+            <a:pPr marL="285750" indent="-285750">
+              <a:buFont typeface="Arial" panose="020B0604020202020204" pitchFamily="34" charset="0"/>
+              <a:buChar char="•"/>
+            </a:pPr>
+            <a:r>
+              <a:rPr lang="en-US" b="1" dirty="0">
+                <a:latin typeface="Calibri" panose="020F0502020204030204" pitchFamily="34" charset="0"/>
+                <a:cs typeface="Calibri" panose="020F0502020204030204" pitchFamily="34" charset="0"/>
+              </a:rPr>
               <a:t>Future QOI: </a:t>
             </a:r>
-            <a:r>
-              <a:rPr lang="en-US" dirty="0"/>
+          </a:p>
+          <a:p>
+            <a:pPr marL="742950" lvl="1" indent="-285750">
+              <a:buFont typeface="Arial" panose="020B0604020202020204" pitchFamily="34" charset="0"/>
+              <a:buChar char="•"/>
+            </a:pPr>
+            <a:r>
+              <a:rPr lang="en-US" dirty="0">
+                <a:latin typeface="Calibri" panose="020F0502020204030204" pitchFamily="34" charset="0"/>
+                <a:cs typeface="Calibri" panose="020F0502020204030204" pitchFamily="34" charset="0"/>
+              </a:rPr>
               <a:t>ABV vs Sugar? </a:t>
             </a:r>
           </a:p>
@@ -4223,8 +10119,8 @@
         </p:nvSpPr>
         <p:spPr>
           <a:xfrm>
-            <a:off x="7236823" y="2281646"/>
-            <a:ext cx="2464526" cy="1358537"/>
+            <a:off x="7236823" y="2149311"/>
+            <a:ext cx="2464526" cy="1046756"/>
           </a:xfrm>
           <a:prstGeom prst="ellipse">
             <a:avLst/>
@@ -4303,8 +10199,110 @@
                   <a:srgbClr val="FF0000"/>
                 </a:solidFill>
               </a:rPr>
-              <a:t> = 0.520</a:t>
-            </a:r>
+              <a:t> = 0.57</a:t>
+            </a:r>
+          </a:p>
+        </p:txBody>
+      </p:sp>
+      <p:sp>
+        <p:nvSpPr>
+          <p:cNvPr id="3" name="Rectangle 1">
+            <a:extLst>
+              <a:ext uri="{FF2B5EF4-FFF2-40B4-BE49-F238E27FC236}">
+                <a16:creationId xmlns:a16="http://schemas.microsoft.com/office/drawing/2014/main" id="{A065350E-AE61-40A0-A2D6-9815DF9B1173}"/>
+              </a:ext>
+            </a:extLst>
+          </p:cNvPr>
+          <p:cNvSpPr>
+            <a:spLocks noChangeArrowheads="1"/>
+          </p:cNvSpPr>
+          <p:nvPr/>
+        </p:nvSpPr>
+        <p:spPr bwMode="auto">
+          <a:xfrm>
+            <a:off x="0" y="0"/>
+            <a:ext cx="12192000" cy="457200"/>
+          </a:xfrm>
+          <a:prstGeom prst="rect">
+            <a:avLst/>
+          </a:prstGeom>
+          <a:solidFill>
+            <a:srgbClr val="FFFFFF"/>
+          </a:solidFill>
+          <a:ln>
+            <a:noFill/>
+          </a:ln>
+          <a:effectLst/>
+          <a:extLst>
+            <a:ext uri="{91240B29-F687-4F45-9708-019B960494DF}">
+              <a14:hiddenLine xmlns:a14="http://schemas.microsoft.com/office/drawing/2010/main" w="9525">
+                <a:solidFill>
+                  <a:schemeClr val="tx1"/>
+                </a:solidFill>
+                <a:miter lim="800000"/>
+                <a:headEnd/>
+                <a:tailEnd/>
+              </a14:hiddenLine>
+            </a:ext>
+            <a:ext uri="{AF507438-7753-43E0-B8FC-AC1667EBCBE1}">
+              <a14:hiddenEffects xmlns:a14="http://schemas.microsoft.com/office/drawing/2010/main">
+                <a:effectLst>
+                  <a:outerShdw dist="35921" dir="2700000" algn="ctr" rotWithShape="0">
+                    <a:schemeClr val="bg2"/>
+                  </a:outerShdw>
+                </a:effectLst>
+              </a14:hiddenEffects>
+            </a:ext>
+          </a:extLst>
+        </p:spPr>
+        <p:txBody>
+          <a:bodyPr vert="horz" wrap="none" lIns="0" tIns="0" rIns="0" bIns="0" numCol="1" anchor="ctr" anchorCtr="0" compatLnSpc="1">
+            <a:prstTxWarp prst="textNoShape">
+              <a:avLst/>
+            </a:prstTxWarp>
+            <a:spAutoFit/>
+          </a:bodyPr>
+          <a:lstStyle/>
+          <a:p>
+            <a:pPr marL="0" marR="0" lvl="0" indent="0" algn="l" defTabSz="914400" rtl="0" eaLnBrk="0" fontAlgn="base" latinLnBrk="0" hangingPunct="0">
+              <a:lnSpc>
+                <a:spcPct val="100000"/>
+              </a:lnSpc>
+              <a:spcBef>
+                <a:spcPct val="0"/>
+              </a:spcBef>
+              <a:spcAft>
+                <a:spcPct val="0"/>
+              </a:spcAft>
+              <a:buClrTx/>
+              <a:buSzTx/>
+              <a:buFontTx/>
+              <a:buNone/>
+              <a:tabLst/>
+            </a:pPr>
+            <a:r>
+              <a:rPr kumimoji="0" lang="en-US" altLang="en-US" sz="900" b="0" i="0" u="none" strike="noStrike" cap="none" normalizeH="0" baseline="0" dirty="0">
+                <a:ln>
+                  <a:noFill/>
+                </a:ln>
+                <a:solidFill>
+                  <a:srgbClr val="000000"/>
+                </a:solidFill>
+                <a:effectLst/>
+                <a:latin typeface="Lucida Console" panose="020B0609040504020204" pitchFamily="49" charset="0"/>
+              </a:rPr>
+              <a:t>0.57</a:t>
+            </a:r>
+            <a:endParaRPr kumimoji="0" lang="en-US" altLang="en-US" sz="1800" b="0" i="0" u="none" strike="noStrike" cap="none" normalizeH="0" baseline="0" dirty="0">
+              <a:ln>
+                <a:noFill/>
+              </a:ln>
+              <a:solidFill>
+                <a:schemeClr val="tx1"/>
+              </a:solidFill>
+              <a:effectLst/>
+              <a:latin typeface="Arial" panose="020B0604020202020204" pitchFamily="34" charset="0"/>
+            </a:endParaRPr>
           </a:p>
         </p:txBody>
       </p:sp>
@@ -4312,77 +10310,6 @@
     <p:extLst>
       <p:ext uri="{BB962C8B-B14F-4D97-AF65-F5344CB8AC3E}">
         <p14:creationId xmlns:p14="http://schemas.microsoft.com/office/powerpoint/2010/main" val="1480947136"/>
-      </p:ext>
-    </p:extLst>
-  </p:cSld>
-  <p:clrMapOvr>
-    <a:masterClrMapping/>
-  </p:clrMapOvr>
-</p:sld>
-</file>
-
-<file path=ppt/slides/slide8.xml><?xml version="1.0" encoding="utf-8"?>
-<p:sld xmlns:a="http://schemas.openxmlformats.org/drawingml/2006/main" xmlns:r="http://schemas.openxmlformats.org/officeDocument/2006/relationships" xmlns:p="http://schemas.openxmlformats.org/presentationml/2006/main">
-  <p:cSld>
-    <p:spTree>
-      <p:nvGrpSpPr>
-        <p:cNvPr id="1" name=""/>
-        <p:cNvGrpSpPr/>
-        <p:nvPr/>
-      </p:nvGrpSpPr>
-      <p:grpSpPr>
-        <a:xfrm>
-          <a:off x="0" y="0"/>
-          <a:ext cx="0" cy="0"/>
-          <a:chOff x="0" y="0"/>
-          <a:chExt cx="0" cy="0"/>
-        </a:xfrm>
-      </p:grpSpPr>
-      <p:sp>
-        <p:nvSpPr>
-          <p:cNvPr id="2" name="Title 1">
-            <a:extLst>
-              <a:ext uri="{FF2B5EF4-FFF2-40B4-BE49-F238E27FC236}">
-                <a16:creationId xmlns:a16="http://schemas.microsoft.com/office/drawing/2014/main" id="{2982E734-8D75-4819-A9B1-84D214F32330}"/>
-              </a:ext>
-            </a:extLst>
-          </p:cNvPr>
-          <p:cNvSpPr>
-            <a:spLocks noGrp="1"/>
-          </p:cNvSpPr>
-          <p:nvPr>
-            <p:ph type="title"/>
-          </p:nvPr>
-        </p:nvSpPr>
-        <p:spPr>
-          <a:xfrm>
-            <a:off x="199308" y="129203"/>
-            <a:ext cx="11664142" cy="881784"/>
-          </a:xfrm>
-        </p:spPr>
-        <p:txBody>
-          <a:bodyPr/>
-          <a:lstStyle/>
-          <a:p>
-            <a:r>
-              <a:rPr lang="en-US" b="1" dirty="0"/>
-              <a:t>Comparing IPAs vs Ales (</a:t>
-            </a:r>
-            <a:r>
-              <a:rPr lang="en-US" b="1" dirty="0" err="1"/>
-              <a:t>knn</a:t>
-            </a:r>
-            <a:r>
-              <a:rPr lang="en-US" b="1" dirty="0"/>
-              <a:t>) </a:t>
-            </a:r>
-          </a:p>
-        </p:txBody>
-      </p:sp>
-    </p:spTree>
-    <p:extLst>
-      <p:ext uri="{BB962C8B-B14F-4D97-AF65-F5344CB8AC3E}">
-        <p14:creationId xmlns:p14="http://schemas.microsoft.com/office/powerpoint/2010/main" val="3863594096"/>
       </p:ext>
     </p:extLst>
   </p:cSld>
@@ -4409,6 +10336,36 @@
           <a:chExt cx="0" cy="0"/>
         </a:xfrm>
       </p:grpSpPr>
+      <p:pic>
+        <p:nvPicPr>
+          <p:cNvPr id="12" name="Picture 11">
+            <a:extLst>
+              <a:ext uri="{FF2B5EF4-FFF2-40B4-BE49-F238E27FC236}">
+                <a16:creationId xmlns:a16="http://schemas.microsoft.com/office/drawing/2014/main" id="{B55F3C4E-E961-4EB5-8200-C0A398B6D92B}"/>
+              </a:ext>
+            </a:extLst>
+          </p:cNvPr>
+          <p:cNvPicPr>
+            <a:picLocks noChangeAspect="1"/>
+          </p:cNvPicPr>
+          <p:nvPr/>
+        </p:nvPicPr>
+        <p:blipFill>
+          <a:blip r:embed="rId2"/>
+          <a:stretch>
+            <a:fillRect/>
+          </a:stretch>
+        </p:blipFill>
+        <p:spPr>
+          <a:xfrm>
+            <a:off x="1400365" y="1136170"/>
+            <a:ext cx="9391270" cy="4599575"/>
+          </a:xfrm>
+          <a:prstGeom prst="rect">
+            <a:avLst/>
+          </a:prstGeom>
+        </p:spPr>
+      </p:pic>
       <p:sp>
         <p:nvSpPr>
           <p:cNvPr id="2" name="Title 1">
@@ -4427,7 +10384,7 @@
         </p:nvSpPr>
         <p:spPr>
           <a:xfrm>
-            <a:off x="173182" y="198872"/>
+            <a:off x="199308" y="129203"/>
             <a:ext cx="11664142" cy="881784"/>
           </a:xfrm>
         </p:spPr>
@@ -4437,15 +10394,108 @@
           <a:p>
             <a:r>
               <a:rPr lang="en-US" b="1" dirty="0"/>
-              <a:t>EDA Inference</a:t>
-            </a:r>
+              <a:t>Comparing IPAs vs Ales (</a:t>
+            </a:r>
+            <a:r>
+              <a:rPr lang="en-US" b="1" dirty="0" err="1"/>
+              <a:t>knn</a:t>
+            </a:r>
+            <a:r>
+              <a:rPr lang="en-US" b="1" dirty="0"/>
+              <a:t>) </a:t>
+            </a:r>
+          </a:p>
+        </p:txBody>
+      </p:sp>
+      <p:sp>
+        <p:nvSpPr>
+          <p:cNvPr id="9" name="TextBox 8">
+            <a:extLst>
+              <a:ext uri="{FF2B5EF4-FFF2-40B4-BE49-F238E27FC236}">
+                <a16:creationId xmlns:a16="http://schemas.microsoft.com/office/drawing/2014/main" id="{E9D43E64-A6EC-4DD5-A692-0810603D9470}"/>
+              </a:ext>
+            </a:extLst>
+          </p:cNvPr>
+          <p:cNvSpPr txBox="1"/>
+          <p:nvPr/>
+        </p:nvSpPr>
+        <p:spPr>
+          <a:xfrm>
+            <a:off x="1302327" y="5825150"/>
+            <a:ext cx="9587346" cy="1477328"/>
+          </a:xfrm>
+          <a:prstGeom prst="rect">
+            <a:avLst/>
+          </a:prstGeom>
+          <a:noFill/>
+        </p:spPr>
+        <p:txBody>
+          <a:bodyPr wrap="square">
+            <a:spAutoFit/>
+          </a:bodyPr>
+          <a:lstStyle/>
+          <a:p>
+            <a:r>
+              <a:rPr lang="en-US" sz="1800" dirty="0">
+                <a:effectLst/>
+                <a:latin typeface="Calibri" panose="020F0502020204030204" pitchFamily="34" charset="0"/>
+                <a:ea typeface="Calibri" panose="020F0502020204030204" pitchFamily="34" charset="0"/>
+                <a:cs typeface="Calibri" panose="020F0502020204030204" pitchFamily="34" charset="0"/>
+              </a:rPr>
+              <a:t>When given an IBUs and ABV only, we can reliably categorize between IPAs and Ales </a:t>
+            </a:r>
+            <a:r>
+              <a:rPr lang="en-US" dirty="0">
+                <a:latin typeface="Calibri" panose="020F0502020204030204" pitchFamily="34" charset="0"/>
+                <a:ea typeface="Calibri" panose="020F0502020204030204" pitchFamily="34" charset="0"/>
+                <a:cs typeface="Calibri" panose="020F0502020204030204" pitchFamily="34" charset="0"/>
+              </a:rPr>
+              <a:t>with 90.22% accuracy (with 95% confidence interval between </a:t>
+            </a:r>
+            <a:r>
+              <a:rPr kumimoji="0" lang="en-US" altLang="en-US" sz="1800" b="0" i="0" u="none" strike="noStrike" cap="none" normalizeH="0" baseline="0" dirty="0">
+                <a:ln>
+                  <a:noFill/>
+                </a:ln>
+                <a:solidFill>
+                  <a:srgbClr val="000000"/>
+                </a:solidFill>
+                <a:effectLst/>
+                <a:latin typeface="Calibri" panose="020F0502020204030204" pitchFamily="34" charset="0"/>
+                <a:cs typeface="Calibri" panose="020F0502020204030204" pitchFamily="34" charset="0"/>
+              </a:rPr>
+              <a:t>88.62% and 91.66%). This shows that there is a very strong, statistically significant relationship between IBUs  and ABV% for identifying IPAs and Ales.</a:t>
+            </a:r>
+            <a:endParaRPr kumimoji="0" lang="en-US" altLang="en-US" sz="4400" b="0" i="0" u="none" strike="noStrike" cap="none" normalizeH="0" baseline="0" dirty="0">
+              <a:ln>
+                <a:noFill/>
+              </a:ln>
+              <a:solidFill>
+                <a:schemeClr val="tx1"/>
+              </a:solidFill>
+              <a:effectLst/>
+              <a:latin typeface="Calibri" panose="020F0502020204030204" pitchFamily="34" charset="0"/>
+              <a:cs typeface="Calibri" panose="020F0502020204030204" pitchFamily="34" charset="0"/>
+            </a:endParaRPr>
+          </a:p>
+          <a:p>
+            <a:endParaRPr lang="en-US" dirty="0">
+              <a:latin typeface="Calibri" panose="020F0502020204030204" pitchFamily="34" charset="0"/>
+              <a:cs typeface="Calibri" panose="020F0502020204030204" pitchFamily="34" charset="0"/>
+            </a:endParaRPr>
+          </a:p>
+          <a:p>
+            <a:endParaRPr lang="en-US" dirty="0">
+              <a:latin typeface="Calibri" panose="020F0502020204030204" pitchFamily="34" charset="0"/>
+              <a:cs typeface="Calibri" panose="020F0502020204030204" pitchFamily="34" charset="0"/>
+            </a:endParaRPr>
           </a:p>
         </p:txBody>
       </p:sp>
     </p:spTree>
     <p:extLst>
       <p:ext uri="{BB962C8B-B14F-4D97-AF65-F5344CB8AC3E}">
-        <p14:creationId xmlns:p14="http://schemas.microsoft.com/office/powerpoint/2010/main" val="1939609823"/>
+        <p14:creationId xmlns:p14="http://schemas.microsoft.com/office/powerpoint/2010/main" val="3863594096"/>
       </p:ext>
     </p:extLst>
   </p:cSld>

--- a/Analysis Presentations/Case Study 1 - David Wei, Neil Benson.pptx
+++ b/Analysis Presentations/Case Study 1 - David Wei, Neil Benson.pptx
@@ -311,7 +311,7 @@
           <a:p>
             <a:fld id="{5019FF15-59AD-42EB-A4E5-3AC671C42A30}" type="datetimeFigureOut">
               <a:rPr lang="en-US" smtClean="0"/>
-              <a:t>7/3/2020</a:t>
+              <a:t>7/4/2020</a:t>
             </a:fld>
             <a:endParaRPr lang="en-US"/>
           </a:p>
@@ -481,7 +481,7 @@
           <a:p>
             <a:fld id="{5019FF15-59AD-42EB-A4E5-3AC671C42A30}" type="datetimeFigureOut">
               <a:rPr lang="en-US" smtClean="0"/>
-              <a:t>7/3/2020</a:t>
+              <a:t>7/4/2020</a:t>
             </a:fld>
             <a:endParaRPr lang="en-US"/>
           </a:p>
@@ -661,7 +661,7 @@
           <a:p>
             <a:fld id="{5019FF15-59AD-42EB-A4E5-3AC671C42A30}" type="datetimeFigureOut">
               <a:rPr lang="en-US" smtClean="0"/>
-              <a:t>7/3/2020</a:t>
+              <a:t>7/4/2020</a:t>
             </a:fld>
             <a:endParaRPr lang="en-US"/>
           </a:p>
@@ -831,7 +831,7 @@
           <a:p>
             <a:fld id="{5019FF15-59AD-42EB-A4E5-3AC671C42A30}" type="datetimeFigureOut">
               <a:rPr lang="en-US" smtClean="0"/>
-              <a:t>7/3/2020</a:t>
+              <a:t>7/4/2020</a:t>
             </a:fld>
             <a:endParaRPr lang="en-US"/>
           </a:p>
@@ -1099,7 +1099,7 @@
           <a:p>
             <a:fld id="{5019FF15-59AD-42EB-A4E5-3AC671C42A30}" type="datetimeFigureOut">
               <a:rPr lang="en-US" smtClean="0"/>
-              <a:t>7/3/2020</a:t>
+              <a:t>7/4/2020</a:t>
             </a:fld>
             <a:endParaRPr lang="en-US"/>
           </a:p>
@@ -1331,7 +1331,7 @@
           <a:p>
             <a:fld id="{5019FF15-59AD-42EB-A4E5-3AC671C42A30}" type="datetimeFigureOut">
               <a:rPr lang="en-US" smtClean="0"/>
-              <a:t>7/3/2020</a:t>
+              <a:t>7/4/2020</a:t>
             </a:fld>
             <a:endParaRPr lang="en-US"/>
           </a:p>
@@ -1690,7 +1690,7 @@
           <a:p>
             <a:fld id="{5019FF15-59AD-42EB-A4E5-3AC671C42A30}" type="datetimeFigureOut">
               <a:rPr lang="en-US" smtClean="0"/>
-              <a:t>7/3/2020</a:t>
+              <a:t>7/4/2020</a:t>
             </a:fld>
             <a:endParaRPr lang="en-US"/>
           </a:p>
@@ -1831,7 +1831,7 @@
           <a:p>
             <a:fld id="{5019FF15-59AD-42EB-A4E5-3AC671C42A30}" type="datetimeFigureOut">
               <a:rPr lang="en-US" smtClean="0"/>
-              <a:t>7/3/2020</a:t>
+              <a:t>7/4/2020</a:t>
             </a:fld>
             <a:endParaRPr lang="en-US"/>
           </a:p>
@@ -1926,7 +1926,7 @@
           <a:p>
             <a:fld id="{5019FF15-59AD-42EB-A4E5-3AC671C42A30}" type="datetimeFigureOut">
               <a:rPr lang="en-US" smtClean="0"/>
-              <a:t>7/3/2020</a:t>
+              <a:t>7/4/2020</a:t>
             </a:fld>
             <a:endParaRPr lang="en-US"/>
           </a:p>
@@ -2283,7 +2283,7 @@
           <a:p>
             <a:fld id="{5019FF15-59AD-42EB-A4E5-3AC671C42A30}" type="datetimeFigureOut">
               <a:rPr lang="en-US" smtClean="0"/>
-              <a:t>7/3/2020</a:t>
+              <a:t>7/4/2020</a:t>
             </a:fld>
             <a:endParaRPr lang="en-US"/>
           </a:p>
@@ -2640,7 +2640,7 @@
           <a:p>
             <a:fld id="{5019FF15-59AD-42EB-A4E5-3AC671C42A30}" type="datetimeFigureOut">
               <a:rPr lang="en-US" smtClean="0"/>
-              <a:t>7/3/2020</a:t>
+              <a:t>7/4/2020</a:t>
             </a:fld>
             <a:endParaRPr lang="en-US"/>
           </a:p>
@@ -2882,7 +2882,7 @@
           <a:p>
             <a:fld id="{5019FF15-59AD-42EB-A4E5-3AC671C42A30}" type="datetimeFigureOut">
               <a:rPr lang="en-US" smtClean="0"/>
-              <a:t>7/3/2020</a:t>
+              <a:t>7/4/2020</a:t>
             </a:fld>
             <a:endParaRPr lang="en-US"/>
           </a:p>
@@ -3424,10 +3424,10 @@
       </p:grpSpPr>
       <p:pic>
         <p:nvPicPr>
-          <p:cNvPr id="5" name="Picture 4">
+          <p:cNvPr id="3" name="Picture 2">
             <a:extLst>
               <a:ext uri="{FF2B5EF4-FFF2-40B4-BE49-F238E27FC236}">
-                <a16:creationId xmlns:a16="http://schemas.microsoft.com/office/drawing/2014/main" id="{B7C192B8-F7B4-4828-81D7-2B183EAC37A3}"/>
+                <a16:creationId xmlns:a16="http://schemas.microsoft.com/office/drawing/2014/main" id="{787AF50D-08A0-4CD7-BD4E-903323D5C95B}"/>
               </a:ext>
             </a:extLst>
           </p:cNvPr>
@@ -3444,8 +3444,8 @@
         </p:blipFill>
         <p:spPr>
           <a:xfrm>
-            <a:off x="4731406" y="956048"/>
-            <a:ext cx="7129668" cy="3560534"/>
+            <a:off x="4564781" y="1035156"/>
+            <a:ext cx="7302335" cy="3558677"/>
           </a:xfrm>
           <a:prstGeom prst="rect">
             <a:avLst/>
@@ -3466,7 +3466,7 @@
         </p:nvSpPr>
         <p:spPr>
           <a:xfrm rot="325649">
-            <a:off x="7193400" y="2693418"/>
+            <a:off x="7156456" y="2693418"/>
             <a:ext cx="322628" cy="184666"/>
           </a:xfrm>
           <a:prstGeom prst="rect">
@@ -3504,7 +3504,7 @@
         </p:nvSpPr>
         <p:spPr>
           <a:xfrm rot="325649">
-            <a:off x="7422993" y="2722162"/>
+            <a:off x="7386049" y="2722162"/>
             <a:ext cx="449645" cy="184666"/>
           </a:xfrm>
           <a:prstGeom prst="rect">
@@ -3912,7 +3912,7 @@
         </p:nvSpPr>
         <p:spPr>
           <a:xfrm rot="325649">
-            <a:off x="7148590" y="2498017"/>
+            <a:off x="7111646" y="2498017"/>
             <a:ext cx="656392" cy="575468"/>
           </a:xfrm>
           <a:prstGeom prst="ellipse">
@@ -3921,7 +3921,7 @@
           <a:noFill/>
           <a:ln>
             <a:solidFill>
-              <a:srgbClr val="00B050"/>
+              <a:srgbClr val="FFC000"/>
             </a:solidFill>
           </a:ln>
         </p:spPr>
@@ -3966,7 +3966,7 @@
         </p:nvCxnSpPr>
         <p:spPr>
           <a:xfrm rot="325649" flipV="1">
-            <a:off x="7256315" y="2651502"/>
+            <a:off x="7219371" y="2651502"/>
             <a:ext cx="0" cy="209879"/>
           </a:xfrm>
           <a:prstGeom prst="straightConnector1">
@@ -3974,7 +3974,7 @@
           </a:prstGeom>
           <a:ln>
             <a:solidFill>
-              <a:srgbClr val="00B0F0"/>
+              <a:schemeClr val="bg1"/>
             </a:solidFill>
             <a:tailEnd type="triangle"/>
           </a:ln>
@@ -4010,7 +4010,7 @@
         </p:nvCxnSpPr>
         <p:spPr>
           <a:xfrm rot="325649" flipV="1">
-            <a:off x="7466860" y="2672546"/>
+            <a:off x="7429916" y="2672546"/>
             <a:ext cx="0" cy="209879"/>
           </a:xfrm>
           <a:prstGeom prst="straightConnector1">
@@ -4018,7 +4018,7 @@
           </a:prstGeom>
           <a:ln>
             <a:solidFill>
-              <a:srgbClr val="00B0F0"/>
+              <a:schemeClr val="bg1"/>
             </a:solidFill>
             <a:tailEnd type="triangle"/>
           </a:ln>
@@ -6040,8 +6040,8 @@
         </p:nvSpPr>
         <p:spPr>
           <a:xfrm>
-            <a:off x="173183" y="956048"/>
-            <a:ext cx="7028895" cy="1323439"/>
+            <a:off x="173183" y="2895858"/>
+            <a:ext cx="11687891" cy="1077218"/>
           </a:xfrm>
           <a:prstGeom prst="rect">
             <a:avLst/>
@@ -6094,13 +6094,13 @@
           <p:nvPr>
             <p:extLst>
               <p:ext uri="{D42A27DB-BD31-4B8C-83A1-F6EECF244321}">
-                <p14:modId xmlns:p14="http://schemas.microsoft.com/office/powerpoint/2010/main" val="1415939036"/>
+                <p14:modId xmlns:p14="http://schemas.microsoft.com/office/powerpoint/2010/main" val="3414840590"/>
               </p:ext>
             </p:extLst>
           </p:nvPr>
         </p:nvGraphicFramePr>
         <p:xfrm>
-          <a:off x="7550870" y="969037"/>
+          <a:off x="810491" y="969037"/>
           <a:ext cx="4310204" cy="1656323"/>
         </p:xfrm>
         <a:graphic>
@@ -6138,14 +6138,14 @@
                     <a:p>
                       <a:pPr algn="l" fontAlgn="t"/>
                       <a:r>
-                        <a:rPr lang="en-US" sz="800" b="1" i="0" u="none" strike="noStrike">
+                        <a:rPr lang="en-US" sz="800" b="1" i="0" u="none" strike="noStrike" dirty="0">
                           <a:solidFill>
                             <a:srgbClr val="000000"/>
                           </a:solidFill>
                           <a:effectLst/>
                           <a:latin typeface="Segoe UI" panose="020B0502040204020203" pitchFamily="34" charset="0"/>
                         </a:rPr>
-                        <a:t>Most popular beer types in CO and TX</a:t>
+                        <a:t>Most popular* beer types in CO and TX</a:t>
                       </a:r>
                     </a:p>
                   </a:txBody>
@@ -7479,13 +7479,13 @@
           <p:nvPr>
             <p:extLst>
               <p:ext uri="{D42A27DB-BD31-4B8C-83A1-F6EECF244321}">
-                <p14:modId xmlns:p14="http://schemas.microsoft.com/office/powerpoint/2010/main" val="4074087431"/>
+                <p14:modId xmlns:p14="http://schemas.microsoft.com/office/powerpoint/2010/main" val="2139636263"/>
               </p:ext>
             </p:extLst>
           </p:nvPr>
         </p:nvGraphicFramePr>
         <p:xfrm>
-          <a:off x="7550870" y="2832471"/>
+          <a:off x="7071305" y="994236"/>
           <a:ext cx="4310204" cy="1656323"/>
         </p:xfrm>
         <a:graphic>
@@ -7530,7 +7530,7 @@
                           <a:effectLst/>
                           <a:latin typeface="Segoe UI" panose="020B0502040204020203" pitchFamily="34" charset="0"/>
                         </a:rPr>
-                        <a:t>Least popular beer types in CO and TX</a:t>
+                        <a:t>Least popular* beer types in CO and TX</a:t>
                       </a:r>
                     </a:p>
                   </a:txBody>
@@ -8863,8 +8863,8 @@
         </p:nvSpPr>
         <p:spPr>
           <a:xfrm>
-            <a:off x="7550871" y="4552182"/>
-            <a:ext cx="4310204" cy="600164"/>
+            <a:off x="173182" y="6397518"/>
+            <a:ext cx="11687893" cy="261610"/>
           </a:xfrm>
           <a:prstGeom prst="rect">
             <a:avLst/>

--- a/Analysis Presentations/Case Study 1 - David Wei, Neil Benson.pptx
+++ b/Analysis Presentations/Case Study 1 - David Wei, Neil Benson.pptx
@@ -3359,8 +3359,13 @@
           <a:p>
             <a:r>
               <a:rPr lang="en-US" sz="5400" b="1" dirty="0"/>
-              <a:t>Case Study 1: Beers and Brews</a:t>
-            </a:r>
+              <a:t>Case Study 1: Beers and </a:t>
+            </a:r>
+            <a:r>
+              <a:rPr lang="en-US" sz="5400" b="1" dirty="0" err="1"/>
+              <a:t>BrewERIEs</a:t>
+            </a:r>
+            <a:endParaRPr lang="en-US" sz="5400" b="1" dirty="0"/>
           </a:p>
         </p:txBody>
       </p:sp>
@@ -9154,7 +9159,7 @@
                 <a:latin typeface="Calibri" panose="020F0502020204030204" pitchFamily="34" charset="0"/>
                 <a:cs typeface="Calibri" panose="020F0502020204030204" pitchFamily="34" charset="0"/>
               </a:rPr>
-              <a:t>Almost half (~42%) of IBU data was missing, and a little over 2.5% of AV data was missing.</a:t>
+              <a:t>Almost half (~42%) of IBU data was missing, and a little over 2.5% of ABV data was missing.</a:t>
             </a:r>
           </a:p>
         </p:txBody>
@@ -9287,7 +9292,7 @@
                 <a:latin typeface="Calibri" panose="020F0502020204030204" pitchFamily="34" charset="0"/>
                 <a:cs typeface="Calibri" panose="020F0502020204030204" pitchFamily="34" charset="0"/>
               </a:rPr>
-              <a:t>Filled missing values by applying means of IBU and ABV per style of beer for greater accuracy.</a:t>
+              <a:t>Filled missing values by applying average IBU and ABV per style of beer for greater accuracy.</a:t>
             </a:r>
           </a:p>
         </p:txBody>
@@ -9829,7 +9834,7 @@
             </a:r>
             <a:r>
               <a:rPr lang="en-US" dirty="0"/>
-              <a:t>One thing to note in particular, is the right skew in the distribution since the default definition of "Beer" under federal law is anything greater than 0.5% alcohol</a:t>
+              <a:t>One thing to note in particular, is the right skew in the distribution with the mean hovering around 5% ABV. This is a reflection of market competition, state laws, and history regarding German purity laws.</a:t>
             </a:r>
             <a:endParaRPr lang="en-US" dirty="0">
               <a:latin typeface="Calibri" panose="020F0502020204030204" pitchFamily="34" charset="0"/>
@@ -10201,108 +10206,6 @@
               </a:rPr>
               <a:t> = 0.57</a:t>
             </a:r>
-          </a:p>
-        </p:txBody>
-      </p:sp>
-      <p:sp>
-        <p:nvSpPr>
-          <p:cNvPr id="3" name="Rectangle 1">
-            <a:extLst>
-              <a:ext uri="{FF2B5EF4-FFF2-40B4-BE49-F238E27FC236}">
-                <a16:creationId xmlns:a16="http://schemas.microsoft.com/office/drawing/2014/main" id="{A065350E-AE61-40A0-A2D6-9815DF9B1173}"/>
-              </a:ext>
-            </a:extLst>
-          </p:cNvPr>
-          <p:cNvSpPr>
-            <a:spLocks noChangeArrowheads="1"/>
-          </p:cNvSpPr>
-          <p:nvPr/>
-        </p:nvSpPr>
-        <p:spPr bwMode="auto">
-          <a:xfrm>
-            <a:off x="0" y="0"/>
-            <a:ext cx="12192000" cy="457200"/>
-          </a:xfrm>
-          <a:prstGeom prst="rect">
-            <a:avLst/>
-          </a:prstGeom>
-          <a:solidFill>
-            <a:srgbClr val="FFFFFF"/>
-          </a:solidFill>
-          <a:ln>
-            <a:noFill/>
-          </a:ln>
-          <a:effectLst/>
-          <a:extLst>
-            <a:ext uri="{91240B29-F687-4F45-9708-019B960494DF}">
-              <a14:hiddenLine xmlns:a14="http://schemas.microsoft.com/office/drawing/2010/main" w="9525">
-                <a:solidFill>
-                  <a:schemeClr val="tx1"/>
-                </a:solidFill>
-                <a:miter lim="800000"/>
-                <a:headEnd/>
-                <a:tailEnd/>
-              </a14:hiddenLine>
-            </a:ext>
-            <a:ext uri="{AF507438-7753-43E0-B8FC-AC1667EBCBE1}">
-              <a14:hiddenEffects xmlns:a14="http://schemas.microsoft.com/office/drawing/2010/main">
-                <a:effectLst>
-                  <a:outerShdw dist="35921" dir="2700000" algn="ctr" rotWithShape="0">
-                    <a:schemeClr val="bg2"/>
-                  </a:outerShdw>
-                </a:effectLst>
-              </a14:hiddenEffects>
-            </a:ext>
-          </a:extLst>
-        </p:spPr>
-        <p:txBody>
-          <a:bodyPr vert="horz" wrap="none" lIns="0" tIns="0" rIns="0" bIns="0" numCol="1" anchor="ctr" anchorCtr="0" compatLnSpc="1">
-            <a:prstTxWarp prst="textNoShape">
-              <a:avLst/>
-            </a:prstTxWarp>
-            <a:spAutoFit/>
-          </a:bodyPr>
-          <a:lstStyle/>
-          <a:p>
-            <a:pPr marL="0" marR="0" lvl="0" indent="0" algn="l" defTabSz="914400" rtl="0" eaLnBrk="0" fontAlgn="base" latinLnBrk="0" hangingPunct="0">
-              <a:lnSpc>
-                <a:spcPct val="100000"/>
-              </a:lnSpc>
-              <a:spcBef>
-                <a:spcPct val="0"/>
-              </a:spcBef>
-              <a:spcAft>
-                <a:spcPct val="0"/>
-              </a:spcAft>
-              <a:buClrTx/>
-              <a:buSzTx/>
-              <a:buFontTx/>
-              <a:buNone/>
-              <a:tabLst/>
-            </a:pPr>
-            <a:r>
-              <a:rPr kumimoji="0" lang="en-US" altLang="en-US" sz="900" b="0" i="0" u="none" strike="noStrike" cap="none" normalizeH="0" baseline="0" dirty="0">
-                <a:ln>
-                  <a:noFill/>
-                </a:ln>
-                <a:solidFill>
-                  <a:srgbClr val="000000"/>
-                </a:solidFill>
-                <a:effectLst/>
-                <a:latin typeface="Lucida Console" panose="020B0609040504020204" pitchFamily="49" charset="0"/>
-              </a:rPr>
-              <a:t>0.57</a:t>
-            </a:r>
-            <a:endParaRPr kumimoji="0" lang="en-US" altLang="en-US" sz="1800" b="0" i="0" u="none" strike="noStrike" cap="none" normalizeH="0" baseline="0" dirty="0">
-              <a:ln>
-                <a:noFill/>
-              </a:ln>
-              <a:solidFill>
-                <a:schemeClr val="tx1"/>
-              </a:solidFill>
-              <a:effectLst/>
-              <a:latin typeface="Arial" panose="020B0604020202020204" pitchFamily="34" charset="0"/>
-            </a:endParaRPr>
           </a:p>
         </p:txBody>
       </p:sp>

--- a/Analysis Presentations/Case Study 1 - David Wei, Neil Benson.pptx
+++ b/Analysis Presentations/Case Study 1 - David Wei, Neil Benson.pptx
@@ -16,6 +16,7 @@
     <p:sldId id="263" r:id="rId10"/>
     <p:sldId id="268" r:id="rId11"/>
     <p:sldId id="269" r:id="rId12"/>
+    <p:sldId id="270" r:id="rId13"/>
   </p:sldIdLst>
   <p:sldSz cx="12192000" cy="6858000"/>
   <p:notesSz cx="6858000" cy="9144000"/>
@@ -3359,13 +3360,8 @@
           <a:p>
             <a:r>
               <a:rPr lang="en-US" sz="5400" b="1" dirty="0"/>
-              <a:t>Case Study 1: Beers and </a:t>
-            </a:r>
-            <a:r>
-              <a:rPr lang="en-US" sz="5400" b="1" dirty="0" err="1"/>
-              <a:t>BrewERIEs</a:t>
-            </a:r>
-            <a:endParaRPr lang="en-US" sz="5400" b="1" dirty="0"/>
+              <a:t>Case Study 1: Beers and Breweries</a:t>
+            </a:r>
           </a:p>
         </p:txBody>
       </p:sp>
@@ -8911,6 +8907,109 @@
 </p:sld>
 </file>
 
+<file path=ppt/slides/slide12.xml><?xml version="1.0" encoding="utf-8"?>
+<p:sld xmlns:a="http://schemas.openxmlformats.org/drawingml/2006/main" xmlns:r="http://schemas.openxmlformats.org/officeDocument/2006/relationships" xmlns:p="http://schemas.openxmlformats.org/presentationml/2006/main">
+  <p:cSld>
+    <p:spTree>
+      <p:nvGrpSpPr>
+        <p:cNvPr id="1" name=""/>
+        <p:cNvGrpSpPr/>
+        <p:nvPr/>
+      </p:nvGrpSpPr>
+      <p:grpSpPr>
+        <a:xfrm>
+          <a:off x="0" y="0"/>
+          <a:ext cx="0" cy="0"/>
+          <a:chOff x="0" y="0"/>
+          <a:chExt cx="0" cy="0"/>
+        </a:xfrm>
+      </p:grpSpPr>
+      <p:sp>
+        <p:nvSpPr>
+          <p:cNvPr id="2" name="Title 1">
+            <a:extLst>
+              <a:ext uri="{FF2B5EF4-FFF2-40B4-BE49-F238E27FC236}">
+                <a16:creationId xmlns:a16="http://schemas.microsoft.com/office/drawing/2014/main" id="{2982E734-8D75-4819-A9B1-84D214F32330}"/>
+              </a:ext>
+            </a:extLst>
+          </p:cNvPr>
+          <p:cNvSpPr>
+            <a:spLocks noGrp="1"/>
+          </p:cNvSpPr>
+          <p:nvPr>
+            <p:ph type="title"/>
+          </p:nvPr>
+        </p:nvSpPr>
+        <p:spPr>
+          <a:xfrm>
+            <a:off x="173182" y="198872"/>
+            <a:ext cx="11687892" cy="550065"/>
+          </a:xfrm>
+        </p:spPr>
+        <p:txBody>
+          <a:bodyPr>
+            <a:normAutofit fontScale="90000"/>
+          </a:bodyPr>
+          <a:lstStyle/>
+          <a:p>
+            <a:r>
+              <a:rPr lang="en-US" b="1" dirty="0"/>
+              <a:t>VIDEO LINKS</a:t>
+            </a:r>
+          </a:p>
+        </p:txBody>
+      </p:sp>
+      <p:sp>
+        <p:nvSpPr>
+          <p:cNvPr id="7" name="TextBox 6">
+            <a:extLst>
+              <a:ext uri="{FF2B5EF4-FFF2-40B4-BE49-F238E27FC236}">
+                <a16:creationId xmlns:a16="http://schemas.microsoft.com/office/drawing/2014/main" id="{EED8D7C6-D7D6-4738-8A26-300A9BF1554A}"/>
+              </a:ext>
+            </a:extLst>
+          </p:cNvPr>
+          <p:cNvSpPr txBox="1"/>
+          <p:nvPr/>
+        </p:nvSpPr>
+        <p:spPr>
+          <a:xfrm>
+            <a:off x="173183" y="987927"/>
+            <a:ext cx="11687891" cy="338554"/>
+          </a:xfrm>
+          <a:prstGeom prst="rect">
+            <a:avLst/>
+          </a:prstGeom>
+          <a:noFill/>
+        </p:spPr>
+        <p:txBody>
+          <a:bodyPr wrap="square">
+            <a:spAutoFit/>
+          </a:bodyPr>
+          <a:lstStyle/>
+          <a:p>
+            <a:r>
+              <a:rPr lang="en-US" sz="1600" dirty="0">
+                <a:latin typeface="Calibri" panose="020F0502020204030204" pitchFamily="34" charset="0"/>
+                <a:cs typeface="Calibri" panose="020F0502020204030204" pitchFamily="34" charset="0"/>
+              </a:rPr>
+              <a:t>Neil - </a:t>
+            </a:r>
+          </a:p>
+        </p:txBody>
+      </p:sp>
+    </p:spTree>
+    <p:extLst>
+      <p:ext uri="{BB962C8B-B14F-4D97-AF65-F5344CB8AC3E}">
+        <p14:creationId xmlns:p14="http://schemas.microsoft.com/office/powerpoint/2010/main" val="1936272830"/>
+      </p:ext>
+    </p:extLst>
+  </p:cSld>
+  <p:clrMapOvr>
+    <a:masterClrMapping/>
+  </p:clrMapOvr>
+</p:sld>
+</file>
+
 <file path=ppt/slides/slide2.xml><?xml version="1.0" encoding="utf-8"?>
 <p:sld xmlns:a="http://schemas.openxmlformats.org/drawingml/2006/main" xmlns:r="http://schemas.openxmlformats.org/officeDocument/2006/relationships" xmlns:p="http://schemas.openxmlformats.org/presentationml/2006/main">
   <p:cSld>

--- a/Analysis Presentations/Case Study 1 - David Wei, Neil Benson.pptx
+++ b/Analysis Presentations/Case Study 1 - David Wei, Neil Benson.pptx
@@ -8992,7 +8992,7 @@
                 <a:latin typeface="Calibri" panose="020F0502020204030204" pitchFamily="34" charset="0"/>
                 <a:cs typeface="Calibri" panose="020F0502020204030204" pitchFamily="34" charset="0"/>
               </a:rPr>
-              <a:t>Neil - </a:t>
+              <a:t>Neil - https://youtu.be/s5X5uf_ModA </a:t>
             </a:r>
           </a:p>
         </p:txBody>

--- a/Analysis Presentations/Case Study 1 - David Wei, Neil Benson.pptx
+++ b/Analysis Presentations/Case Study 1 - David Wei, Neil Benson.pptx
@@ -8954,7 +8954,7 @@
           <a:p>
             <a:r>
               <a:rPr lang="en-US" b="1" dirty="0"/>
-              <a:t>VIDEO LINKS</a:t>
+              <a:t>LINKS</a:t>
             </a:r>
           </a:p>
         </p:txBody>
@@ -8974,7 +8974,7 @@
         <p:spPr>
           <a:xfrm>
             <a:off x="173183" y="987927"/>
-            <a:ext cx="11687891" cy="338554"/>
+            <a:ext cx="11687891" cy="830997"/>
           </a:xfrm>
           <a:prstGeom prst="rect">
             <a:avLst/>
@@ -8992,8 +8992,47 @@
                 <a:latin typeface="Calibri" panose="020F0502020204030204" pitchFamily="34" charset="0"/>
                 <a:cs typeface="Calibri" panose="020F0502020204030204" pitchFamily="34" charset="0"/>
               </a:rPr>
-              <a:t>Neil - https://youtu.be/s5X5uf_ModA </a:t>
-            </a:r>
+              <a:t>Team Repository – </a:t>
+            </a:r>
+            <a:r>
+              <a:rPr lang="en-US" sz="1600" dirty="0">
+                <a:latin typeface="Calibri" panose="020F0502020204030204" pitchFamily="34" charset="0"/>
+                <a:cs typeface="Calibri" panose="020F0502020204030204" pitchFamily="34" charset="0"/>
+                <a:hlinkClick r:id="rId2"/>
+              </a:rPr>
+              <a:t>https://github.com/bensonnd/DS6306_David_Neil_Project_1</a:t>
+            </a:r>
+            <a:endParaRPr lang="en-US" sz="1600" dirty="0">
+              <a:latin typeface="Calibri" panose="020F0502020204030204" pitchFamily="34" charset="0"/>
+              <a:cs typeface="Calibri" panose="020F0502020204030204" pitchFamily="34" charset="0"/>
+            </a:endParaRPr>
+          </a:p>
+          <a:p>
+            <a:endParaRPr lang="en-US" sz="1600" dirty="0">
+              <a:latin typeface="Calibri" panose="020F0502020204030204" pitchFamily="34" charset="0"/>
+              <a:cs typeface="Calibri" panose="020F0502020204030204" pitchFamily="34" charset="0"/>
+            </a:endParaRPr>
+          </a:p>
+          <a:p>
+            <a:r>
+              <a:rPr lang="en-US" sz="1600" dirty="0">
+                <a:latin typeface="Calibri" panose="020F0502020204030204" pitchFamily="34" charset="0"/>
+                <a:cs typeface="Calibri" panose="020F0502020204030204" pitchFamily="34" charset="0"/>
+              </a:rPr>
+              <a:t>Neil YouTube Video - </a:t>
+            </a:r>
+            <a:r>
+              <a:rPr lang="en-US" sz="1600" dirty="0">
+                <a:latin typeface="Calibri" panose="020F0502020204030204" pitchFamily="34" charset="0"/>
+                <a:cs typeface="Calibri" panose="020F0502020204030204" pitchFamily="34" charset="0"/>
+                <a:hlinkClick r:id="rId3"/>
+              </a:rPr>
+              <a:t>https://youtu.be/s5X5uf_ModA </a:t>
+            </a:r>
+            <a:endParaRPr lang="en-US" sz="1600" dirty="0">
+              <a:latin typeface="Calibri" panose="020F0502020204030204" pitchFamily="34" charset="0"/>
+              <a:cs typeface="Calibri" panose="020F0502020204030204" pitchFamily="34" charset="0"/>
+            </a:endParaRPr>
           </a:p>
         </p:txBody>
       </p:sp>
